--- a/Level 2/GRiD_ Electronic Invoicing using Image Processing_TwoAndAHalfMen_IISc.pptx
+++ b/Level 2/GRiD_ Electronic Invoicing using Image Processing_TwoAndAHalfMen_IISc.pptx
@@ -15,12 +15,12 @@
     <p:sldId id="260" r:id="rId6"/>
     <p:sldId id="261" r:id="rId7"/>
     <p:sldId id="262" r:id="rId8"/>
-    <p:sldId id="263" r:id="rId9"/>
-    <p:sldId id="264" r:id="rId10"/>
-    <p:sldId id="265" r:id="rId11"/>
-    <p:sldId id="266" r:id="rId12"/>
-    <p:sldId id="267" r:id="rId13"/>
-    <p:sldId id="268" r:id="rId14"/>
+    <p:sldId id="265" r:id="rId9"/>
+    <p:sldId id="267" r:id="rId10"/>
+    <p:sldId id="263" r:id="rId11"/>
+    <p:sldId id="268" r:id="rId12"/>
+    <p:sldId id="264" r:id="rId13"/>
+    <p:sldId id="266" r:id="rId14"/>
     <p:sldId id="269" r:id="rId15"/>
   </p:sldIdLst>
   <p:sldSz cx="9144000" cy="5143500" type="screen16x9"/>
@@ -867,6 +867,214 @@
   <p:cSld>
     <p:spTree>
       <p:nvGrpSpPr>
+        <p:cNvPr id="1" name="Shape 230"/>
+        <p:cNvGrpSpPr/>
+        <p:nvPr/>
+      </p:nvGrpSpPr>
+      <p:grpSpPr>
+        <a:xfrm>
+          <a:off x="0" y="0"/>
+          <a:ext cx="0" cy="0"/>
+          <a:chOff x="0" y="0"/>
+          <a:chExt cx="0" cy="0"/>
+        </a:xfrm>
+      </p:grpSpPr>
+      <p:sp>
+        <p:nvSpPr>
+          <p:cNvPr id="231" name="Google Shape;231;g8b625bbf80_0_71:notes"/>
+          <p:cNvSpPr>
+            <a:spLocks noGrp="1" noRot="1" noChangeAspect="1"/>
+          </p:cNvSpPr>
+          <p:nvPr>
+            <p:ph type="sldImg" idx="2"/>
+          </p:nvPr>
+        </p:nvSpPr>
+        <p:spPr>
+          <a:xfrm>
+            <a:off x="381000" y="685800"/>
+            <a:ext cx="6096000" cy="3429000"/>
+          </a:xfrm>
+          <a:custGeom>
+            <a:avLst/>
+            <a:gdLst/>
+            <a:ahLst/>
+            <a:cxnLst/>
+            <a:rect l="l" t="t" r="r" b="b"/>
+            <a:pathLst>
+              <a:path w="120000" h="120000" extrusionOk="0">
+                <a:moveTo>
+                  <a:pt x="0" y="0"/>
+                </a:moveTo>
+                <a:lnTo>
+                  <a:pt x="120000" y="0"/>
+                </a:lnTo>
+                <a:lnTo>
+                  <a:pt x="120000" y="120000"/>
+                </a:lnTo>
+                <a:lnTo>
+                  <a:pt x="0" y="120000"/>
+                </a:lnTo>
+                <a:close/>
+              </a:path>
+            </a:pathLst>
+          </a:custGeom>
+        </p:spPr>
+      </p:sp>
+      <p:sp>
+        <p:nvSpPr>
+          <p:cNvPr id="232" name="Google Shape;232;g8b625bbf80_0_71:notes"/>
+          <p:cNvSpPr txBox="1">
+            <a:spLocks noGrp="1"/>
+          </p:cNvSpPr>
+          <p:nvPr>
+            <p:ph type="body" idx="1"/>
+          </p:nvPr>
+        </p:nvSpPr>
+        <p:spPr>
+          <a:xfrm>
+            <a:off x="685800" y="4343400"/>
+            <a:ext cx="5486400" cy="4114800"/>
+          </a:xfrm>
+          <a:prstGeom prst="rect">
+            <a:avLst/>
+          </a:prstGeom>
+        </p:spPr>
+        <p:txBody>
+          <a:bodyPr spcFirstLastPara="1" wrap="square" lIns="91425" tIns="91425" rIns="91425" bIns="91425" anchor="t" anchorCtr="0">
+            <a:noAutofit/>
+          </a:bodyPr>
+          <a:lstStyle/>
+          <a:p>
+            <a:pPr marL="0" lvl="0" indent="0" algn="l" rtl="0">
+              <a:spcBef>
+                <a:spcPts val="0"/>
+              </a:spcBef>
+              <a:spcAft>
+                <a:spcPts val="0"/>
+              </a:spcAft>
+              <a:buNone/>
+            </a:pPr>
+            <a:endParaRPr/>
+          </a:p>
+        </p:txBody>
+      </p:sp>
+    </p:spTree>
+  </p:cSld>
+  <p:clrMapOvr>
+    <a:masterClrMapping/>
+  </p:clrMapOvr>
+</p:notes>
+</file>
+
+<file path=ppt/notesSlides/notesSlide11.xml><?xml version="1.0" encoding="utf-8"?>
+<p:notes xmlns:a="http://schemas.openxmlformats.org/drawingml/2006/main" xmlns:r="http://schemas.openxmlformats.org/officeDocument/2006/relationships" xmlns:p="http://schemas.openxmlformats.org/presentationml/2006/main" showMasterSp="0" showMasterPhAnim="0">
+  <p:cSld>
+    <p:spTree>
+      <p:nvGrpSpPr>
+        <p:cNvPr id="1" name="Shape 202"/>
+        <p:cNvGrpSpPr/>
+        <p:nvPr/>
+      </p:nvGrpSpPr>
+      <p:grpSpPr>
+        <a:xfrm>
+          <a:off x="0" y="0"/>
+          <a:ext cx="0" cy="0"/>
+          <a:chOff x="0" y="0"/>
+          <a:chExt cx="0" cy="0"/>
+        </a:xfrm>
+      </p:grpSpPr>
+      <p:sp>
+        <p:nvSpPr>
+          <p:cNvPr id="203" name="Google Shape;203;g8b625bbf80_0_50:notes"/>
+          <p:cNvSpPr>
+            <a:spLocks noGrp="1" noRot="1" noChangeAspect="1"/>
+          </p:cNvSpPr>
+          <p:nvPr>
+            <p:ph type="sldImg" idx="2"/>
+          </p:nvPr>
+        </p:nvSpPr>
+        <p:spPr>
+          <a:xfrm>
+            <a:off x="381000" y="685800"/>
+            <a:ext cx="6096000" cy="3429000"/>
+          </a:xfrm>
+          <a:custGeom>
+            <a:avLst/>
+            <a:gdLst/>
+            <a:ahLst/>
+            <a:cxnLst/>
+            <a:rect l="l" t="t" r="r" b="b"/>
+            <a:pathLst>
+              <a:path w="120000" h="120000" extrusionOk="0">
+                <a:moveTo>
+                  <a:pt x="0" y="0"/>
+                </a:moveTo>
+                <a:lnTo>
+                  <a:pt x="120000" y="0"/>
+                </a:lnTo>
+                <a:lnTo>
+                  <a:pt x="120000" y="120000"/>
+                </a:lnTo>
+                <a:lnTo>
+                  <a:pt x="0" y="120000"/>
+                </a:lnTo>
+                <a:close/>
+              </a:path>
+            </a:pathLst>
+          </a:custGeom>
+        </p:spPr>
+      </p:sp>
+      <p:sp>
+        <p:nvSpPr>
+          <p:cNvPr id="204" name="Google Shape;204;g8b625bbf80_0_50:notes"/>
+          <p:cNvSpPr txBox="1">
+            <a:spLocks noGrp="1"/>
+          </p:cNvSpPr>
+          <p:nvPr>
+            <p:ph type="body" idx="1"/>
+          </p:nvPr>
+        </p:nvSpPr>
+        <p:spPr>
+          <a:xfrm>
+            <a:off x="685800" y="4343400"/>
+            <a:ext cx="5486400" cy="4114800"/>
+          </a:xfrm>
+          <a:prstGeom prst="rect">
+            <a:avLst/>
+          </a:prstGeom>
+        </p:spPr>
+        <p:txBody>
+          <a:bodyPr spcFirstLastPara="1" wrap="square" lIns="91425" tIns="91425" rIns="91425" bIns="91425" anchor="t" anchorCtr="0">
+            <a:noAutofit/>
+          </a:bodyPr>
+          <a:lstStyle/>
+          <a:p>
+            <a:pPr marL="0" lvl="0" indent="0" algn="l" rtl="0">
+              <a:spcBef>
+                <a:spcPts val="0"/>
+              </a:spcBef>
+              <a:spcAft>
+                <a:spcPts val="0"/>
+              </a:spcAft>
+              <a:buNone/>
+            </a:pPr>
+            <a:endParaRPr/>
+          </a:p>
+        </p:txBody>
+      </p:sp>
+    </p:spTree>
+  </p:cSld>
+  <p:clrMapOvr>
+    <a:masterClrMapping/>
+  </p:clrMapOvr>
+</p:notes>
+</file>
+
+<file path=ppt/notesSlides/notesSlide12.xml><?xml version="1.0" encoding="utf-8"?>
+<p:notes xmlns:a="http://schemas.openxmlformats.org/drawingml/2006/main" xmlns:r="http://schemas.openxmlformats.org/officeDocument/2006/relationships" xmlns:p="http://schemas.openxmlformats.org/presentationml/2006/main" showMasterSp="0" showMasterPhAnim="0">
+  <p:cSld>
+    <p:spTree>
+      <p:nvGrpSpPr>
         <p:cNvPr id="1" name="Shape 216"/>
         <p:cNvGrpSpPr/>
         <p:nvPr/>
@@ -891,7 +1099,7 @@
         </p:nvSpPr>
         <p:spPr>
           <a:xfrm>
-            <a:off x="381300" y="685800"/>
+            <a:off x="381000" y="685800"/>
             <a:ext cx="6096000" cy="3429000"/>
           </a:xfrm>
           <a:custGeom>
@@ -923,214 +1131,6 @@
       <p:sp>
         <p:nvSpPr>
           <p:cNvPr id="218" name="Google Shape;218;g821c2df07a_0_8:notes"/>
-          <p:cNvSpPr txBox="1">
-            <a:spLocks noGrp="1"/>
-          </p:cNvSpPr>
-          <p:nvPr>
-            <p:ph type="body" idx="1"/>
-          </p:nvPr>
-        </p:nvSpPr>
-        <p:spPr>
-          <a:xfrm>
-            <a:off x="685800" y="4343400"/>
-            <a:ext cx="5486400" cy="4114800"/>
-          </a:xfrm>
-          <a:prstGeom prst="rect">
-            <a:avLst/>
-          </a:prstGeom>
-        </p:spPr>
-        <p:txBody>
-          <a:bodyPr spcFirstLastPara="1" wrap="square" lIns="91425" tIns="91425" rIns="91425" bIns="91425" anchor="t" anchorCtr="0">
-            <a:noAutofit/>
-          </a:bodyPr>
-          <a:lstStyle/>
-          <a:p>
-            <a:pPr marL="0" lvl="0" indent="0" algn="l" rtl="0">
-              <a:spcBef>
-                <a:spcPts val="0"/>
-              </a:spcBef>
-              <a:spcAft>
-                <a:spcPts val="0"/>
-              </a:spcAft>
-              <a:buNone/>
-            </a:pPr>
-            <a:endParaRPr/>
-          </a:p>
-        </p:txBody>
-      </p:sp>
-    </p:spTree>
-  </p:cSld>
-  <p:clrMapOvr>
-    <a:masterClrMapping/>
-  </p:clrMapOvr>
-</p:notes>
-</file>
-
-<file path=ppt/notesSlides/notesSlide11.xml><?xml version="1.0" encoding="utf-8"?>
-<p:notes xmlns:a="http://schemas.openxmlformats.org/drawingml/2006/main" xmlns:r="http://schemas.openxmlformats.org/officeDocument/2006/relationships" xmlns:p="http://schemas.openxmlformats.org/presentationml/2006/main" showMasterSp="0" showMasterPhAnim="0">
-  <p:cSld>
-    <p:spTree>
-      <p:nvGrpSpPr>
-        <p:cNvPr id="1" name="Shape 223"/>
-        <p:cNvGrpSpPr/>
-        <p:nvPr/>
-      </p:nvGrpSpPr>
-      <p:grpSpPr>
-        <a:xfrm>
-          <a:off x="0" y="0"/>
-          <a:ext cx="0" cy="0"/>
-          <a:chOff x="0" y="0"/>
-          <a:chExt cx="0" cy="0"/>
-        </a:xfrm>
-      </p:grpSpPr>
-      <p:sp>
-        <p:nvSpPr>
-          <p:cNvPr id="224" name="Google Shape;224;g8a3b5bb04d_0_64:notes"/>
-          <p:cNvSpPr>
-            <a:spLocks noGrp="1" noRot="1" noChangeAspect="1"/>
-          </p:cNvSpPr>
-          <p:nvPr>
-            <p:ph type="sldImg" idx="2"/>
-          </p:nvPr>
-        </p:nvSpPr>
-        <p:spPr>
-          <a:xfrm>
-            <a:off x="381300" y="685800"/>
-            <a:ext cx="6096000" cy="3429000"/>
-          </a:xfrm>
-          <a:custGeom>
-            <a:avLst/>
-            <a:gdLst/>
-            <a:ahLst/>
-            <a:cxnLst/>
-            <a:rect l="l" t="t" r="r" b="b"/>
-            <a:pathLst>
-              <a:path w="120000" h="120000" extrusionOk="0">
-                <a:moveTo>
-                  <a:pt x="0" y="0"/>
-                </a:moveTo>
-                <a:lnTo>
-                  <a:pt x="120000" y="0"/>
-                </a:lnTo>
-                <a:lnTo>
-                  <a:pt x="120000" y="120000"/>
-                </a:lnTo>
-                <a:lnTo>
-                  <a:pt x="0" y="120000"/>
-                </a:lnTo>
-                <a:close/>
-              </a:path>
-            </a:pathLst>
-          </a:custGeom>
-        </p:spPr>
-      </p:sp>
-      <p:sp>
-        <p:nvSpPr>
-          <p:cNvPr id="225" name="Google Shape;225;g8a3b5bb04d_0_64:notes"/>
-          <p:cNvSpPr txBox="1">
-            <a:spLocks noGrp="1"/>
-          </p:cNvSpPr>
-          <p:nvPr>
-            <p:ph type="body" idx="1"/>
-          </p:nvPr>
-        </p:nvSpPr>
-        <p:spPr>
-          <a:xfrm>
-            <a:off x="685800" y="4343400"/>
-            <a:ext cx="5486400" cy="4114800"/>
-          </a:xfrm>
-          <a:prstGeom prst="rect">
-            <a:avLst/>
-          </a:prstGeom>
-        </p:spPr>
-        <p:txBody>
-          <a:bodyPr spcFirstLastPara="1" wrap="square" lIns="91425" tIns="91425" rIns="91425" bIns="91425" anchor="t" anchorCtr="0">
-            <a:noAutofit/>
-          </a:bodyPr>
-          <a:lstStyle/>
-          <a:p>
-            <a:pPr marL="0" lvl="0" indent="0" algn="l" rtl="0">
-              <a:spcBef>
-                <a:spcPts val="0"/>
-              </a:spcBef>
-              <a:spcAft>
-                <a:spcPts val="0"/>
-              </a:spcAft>
-              <a:buNone/>
-            </a:pPr>
-            <a:endParaRPr/>
-          </a:p>
-        </p:txBody>
-      </p:sp>
-    </p:spTree>
-  </p:cSld>
-  <p:clrMapOvr>
-    <a:masterClrMapping/>
-  </p:clrMapOvr>
-</p:notes>
-</file>
-
-<file path=ppt/notesSlides/notesSlide12.xml><?xml version="1.0" encoding="utf-8"?>
-<p:notes xmlns:a="http://schemas.openxmlformats.org/drawingml/2006/main" xmlns:r="http://schemas.openxmlformats.org/officeDocument/2006/relationships" xmlns:p="http://schemas.openxmlformats.org/presentationml/2006/main" showMasterSp="0" showMasterPhAnim="0">
-  <p:cSld>
-    <p:spTree>
-      <p:nvGrpSpPr>
-        <p:cNvPr id="1" name="Shape 230"/>
-        <p:cNvGrpSpPr/>
-        <p:nvPr/>
-      </p:nvGrpSpPr>
-      <p:grpSpPr>
-        <a:xfrm>
-          <a:off x="0" y="0"/>
-          <a:ext cx="0" cy="0"/>
-          <a:chOff x="0" y="0"/>
-          <a:chExt cx="0" cy="0"/>
-        </a:xfrm>
-      </p:grpSpPr>
-      <p:sp>
-        <p:nvSpPr>
-          <p:cNvPr id="231" name="Google Shape;231;g8b625bbf80_0_71:notes"/>
-          <p:cNvSpPr>
-            <a:spLocks noGrp="1" noRot="1" noChangeAspect="1"/>
-          </p:cNvSpPr>
-          <p:nvPr>
-            <p:ph type="sldImg" idx="2"/>
-          </p:nvPr>
-        </p:nvSpPr>
-        <p:spPr>
-          <a:xfrm>
-            <a:off x="381300" y="685800"/>
-            <a:ext cx="6096000" cy="3429000"/>
-          </a:xfrm>
-          <a:custGeom>
-            <a:avLst/>
-            <a:gdLst/>
-            <a:ahLst/>
-            <a:cxnLst/>
-            <a:rect l="l" t="t" r="r" b="b"/>
-            <a:pathLst>
-              <a:path w="120000" h="120000" extrusionOk="0">
-                <a:moveTo>
-                  <a:pt x="0" y="0"/>
-                </a:moveTo>
-                <a:lnTo>
-                  <a:pt x="120000" y="0"/>
-                </a:lnTo>
-                <a:lnTo>
-                  <a:pt x="120000" y="120000"/>
-                </a:lnTo>
-                <a:lnTo>
-                  <a:pt x="0" y="120000"/>
-                </a:lnTo>
-                <a:close/>
-              </a:path>
-            </a:pathLst>
-          </a:custGeom>
-        </p:spPr>
-      </p:sp>
-      <p:sp>
-        <p:nvSpPr>
-          <p:cNvPr id="232" name="Google Shape;232;g8b625bbf80_0_71:notes"/>
           <p:cNvSpPr txBox="1">
             <a:spLocks noGrp="1"/>
           </p:cNvSpPr>
@@ -1619,7 +1619,7 @@
         </p:nvSpPr>
         <p:spPr>
           <a:xfrm>
-            <a:off x="381300" y="685800"/>
+            <a:off x="381000" y="685800"/>
             <a:ext cx="6096000" cy="3429000"/>
           </a:xfrm>
           <a:custGeom>
@@ -1723,7 +1723,7 @@
         </p:nvSpPr>
         <p:spPr>
           <a:xfrm>
-            <a:off x="381300" y="685800"/>
+            <a:off x="381000" y="685800"/>
             <a:ext cx="6096000" cy="3429000"/>
           </a:xfrm>
           <a:custGeom>
@@ -1803,6 +1803,214 @@
   <p:cSld>
     <p:spTree>
       <p:nvGrpSpPr>
+        <p:cNvPr id="1" name="Shape 209"/>
+        <p:cNvGrpSpPr/>
+        <p:nvPr/>
+      </p:nvGrpSpPr>
+      <p:grpSpPr>
+        <a:xfrm>
+          <a:off x="0" y="0"/>
+          <a:ext cx="0" cy="0"/>
+          <a:chOff x="0" y="0"/>
+          <a:chExt cx="0" cy="0"/>
+        </a:xfrm>
+      </p:grpSpPr>
+      <p:sp>
+        <p:nvSpPr>
+          <p:cNvPr id="210" name="Google Shape;210;g821c2df07a_0_2:notes"/>
+          <p:cNvSpPr>
+            <a:spLocks noGrp="1" noRot="1" noChangeAspect="1"/>
+          </p:cNvSpPr>
+          <p:nvPr>
+            <p:ph type="sldImg" idx="2"/>
+          </p:nvPr>
+        </p:nvSpPr>
+        <p:spPr>
+          <a:xfrm>
+            <a:off x="381000" y="685800"/>
+            <a:ext cx="6096000" cy="3429000"/>
+          </a:xfrm>
+          <a:custGeom>
+            <a:avLst/>
+            <a:gdLst/>
+            <a:ahLst/>
+            <a:cxnLst/>
+            <a:rect l="l" t="t" r="r" b="b"/>
+            <a:pathLst>
+              <a:path w="120000" h="120000" extrusionOk="0">
+                <a:moveTo>
+                  <a:pt x="0" y="0"/>
+                </a:moveTo>
+                <a:lnTo>
+                  <a:pt x="120000" y="0"/>
+                </a:lnTo>
+                <a:lnTo>
+                  <a:pt x="120000" y="120000"/>
+                </a:lnTo>
+                <a:lnTo>
+                  <a:pt x="0" y="120000"/>
+                </a:lnTo>
+                <a:close/>
+              </a:path>
+            </a:pathLst>
+          </a:custGeom>
+        </p:spPr>
+      </p:sp>
+      <p:sp>
+        <p:nvSpPr>
+          <p:cNvPr id="211" name="Google Shape;211;g821c2df07a_0_2:notes"/>
+          <p:cNvSpPr txBox="1">
+            <a:spLocks noGrp="1"/>
+          </p:cNvSpPr>
+          <p:nvPr>
+            <p:ph type="body" idx="1"/>
+          </p:nvPr>
+        </p:nvSpPr>
+        <p:spPr>
+          <a:xfrm>
+            <a:off x="685800" y="4343400"/>
+            <a:ext cx="5486400" cy="4114800"/>
+          </a:xfrm>
+          <a:prstGeom prst="rect">
+            <a:avLst/>
+          </a:prstGeom>
+        </p:spPr>
+        <p:txBody>
+          <a:bodyPr spcFirstLastPara="1" wrap="square" lIns="91425" tIns="91425" rIns="91425" bIns="91425" anchor="t" anchorCtr="0">
+            <a:noAutofit/>
+          </a:bodyPr>
+          <a:lstStyle/>
+          <a:p>
+            <a:pPr marL="0" lvl="0" indent="0" algn="l" rtl="0">
+              <a:spcBef>
+                <a:spcPts val="0"/>
+              </a:spcBef>
+              <a:spcAft>
+                <a:spcPts val="0"/>
+              </a:spcAft>
+              <a:buNone/>
+            </a:pPr>
+            <a:endParaRPr/>
+          </a:p>
+        </p:txBody>
+      </p:sp>
+    </p:spTree>
+  </p:cSld>
+  <p:clrMapOvr>
+    <a:masterClrMapping/>
+  </p:clrMapOvr>
+</p:notes>
+</file>
+
+<file path=ppt/notesSlides/notesSlide8.xml><?xml version="1.0" encoding="utf-8"?>
+<p:notes xmlns:a="http://schemas.openxmlformats.org/drawingml/2006/main" xmlns:r="http://schemas.openxmlformats.org/officeDocument/2006/relationships" xmlns:p="http://schemas.openxmlformats.org/presentationml/2006/main" showMasterSp="0" showMasterPhAnim="0">
+  <p:cSld>
+    <p:spTree>
+      <p:nvGrpSpPr>
+        <p:cNvPr id="1" name="Shape 223"/>
+        <p:cNvGrpSpPr/>
+        <p:nvPr/>
+      </p:nvGrpSpPr>
+      <p:grpSpPr>
+        <a:xfrm>
+          <a:off x="0" y="0"/>
+          <a:ext cx="0" cy="0"/>
+          <a:chOff x="0" y="0"/>
+          <a:chExt cx="0" cy="0"/>
+        </a:xfrm>
+      </p:grpSpPr>
+      <p:sp>
+        <p:nvSpPr>
+          <p:cNvPr id="224" name="Google Shape;224;g8a3b5bb04d_0_64:notes"/>
+          <p:cNvSpPr>
+            <a:spLocks noGrp="1" noRot="1" noChangeAspect="1"/>
+          </p:cNvSpPr>
+          <p:nvPr>
+            <p:ph type="sldImg" idx="2"/>
+          </p:nvPr>
+        </p:nvSpPr>
+        <p:spPr>
+          <a:xfrm>
+            <a:off x="381000" y="685800"/>
+            <a:ext cx="6096000" cy="3429000"/>
+          </a:xfrm>
+          <a:custGeom>
+            <a:avLst/>
+            <a:gdLst/>
+            <a:ahLst/>
+            <a:cxnLst/>
+            <a:rect l="l" t="t" r="r" b="b"/>
+            <a:pathLst>
+              <a:path w="120000" h="120000" extrusionOk="0">
+                <a:moveTo>
+                  <a:pt x="0" y="0"/>
+                </a:moveTo>
+                <a:lnTo>
+                  <a:pt x="120000" y="0"/>
+                </a:lnTo>
+                <a:lnTo>
+                  <a:pt x="120000" y="120000"/>
+                </a:lnTo>
+                <a:lnTo>
+                  <a:pt x="0" y="120000"/>
+                </a:lnTo>
+                <a:close/>
+              </a:path>
+            </a:pathLst>
+          </a:custGeom>
+        </p:spPr>
+      </p:sp>
+      <p:sp>
+        <p:nvSpPr>
+          <p:cNvPr id="225" name="Google Shape;225;g8a3b5bb04d_0_64:notes"/>
+          <p:cNvSpPr txBox="1">
+            <a:spLocks noGrp="1"/>
+          </p:cNvSpPr>
+          <p:nvPr>
+            <p:ph type="body" idx="1"/>
+          </p:nvPr>
+        </p:nvSpPr>
+        <p:spPr>
+          <a:xfrm>
+            <a:off x="685800" y="4343400"/>
+            <a:ext cx="5486400" cy="4114800"/>
+          </a:xfrm>
+          <a:prstGeom prst="rect">
+            <a:avLst/>
+          </a:prstGeom>
+        </p:spPr>
+        <p:txBody>
+          <a:bodyPr spcFirstLastPara="1" wrap="square" lIns="91425" tIns="91425" rIns="91425" bIns="91425" anchor="t" anchorCtr="0">
+            <a:noAutofit/>
+          </a:bodyPr>
+          <a:lstStyle/>
+          <a:p>
+            <a:pPr marL="0" lvl="0" indent="0" algn="l" rtl="0">
+              <a:spcBef>
+                <a:spcPts val="0"/>
+              </a:spcBef>
+              <a:spcAft>
+                <a:spcPts val="0"/>
+              </a:spcAft>
+              <a:buNone/>
+            </a:pPr>
+            <a:endParaRPr/>
+          </a:p>
+        </p:txBody>
+      </p:sp>
+    </p:spTree>
+  </p:cSld>
+  <p:clrMapOvr>
+    <a:masterClrMapping/>
+  </p:clrMapOvr>
+</p:notes>
+</file>
+
+<file path=ppt/notesSlides/notesSlide9.xml><?xml version="1.0" encoding="utf-8"?>
+<p:notes xmlns:a="http://schemas.openxmlformats.org/drawingml/2006/main" xmlns:r="http://schemas.openxmlformats.org/officeDocument/2006/relationships" xmlns:p="http://schemas.openxmlformats.org/presentationml/2006/main" showMasterSp="0" showMasterPhAnim="0">
+  <p:cSld>
+    <p:spTree>
+      <p:nvGrpSpPr>
         <p:cNvPr id="1" name="Shape 195"/>
         <p:cNvGrpSpPr/>
         <p:nvPr/>
@@ -1827,7 +2035,7 @@
         </p:nvSpPr>
         <p:spPr>
           <a:xfrm>
-            <a:off x="381300" y="685800"/>
+            <a:off x="381000" y="685800"/>
             <a:ext cx="6096000" cy="3429000"/>
           </a:xfrm>
           <a:custGeom>
@@ -1859,214 +2067,6 @@
       <p:sp>
         <p:nvSpPr>
           <p:cNvPr id="197" name="Google Shape;197;g8b625bbf80_0_42:notes"/>
-          <p:cNvSpPr txBox="1">
-            <a:spLocks noGrp="1"/>
-          </p:cNvSpPr>
-          <p:nvPr>
-            <p:ph type="body" idx="1"/>
-          </p:nvPr>
-        </p:nvSpPr>
-        <p:spPr>
-          <a:xfrm>
-            <a:off x="685800" y="4343400"/>
-            <a:ext cx="5486400" cy="4114800"/>
-          </a:xfrm>
-          <a:prstGeom prst="rect">
-            <a:avLst/>
-          </a:prstGeom>
-        </p:spPr>
-        <p:txBody>
-          <a:bodyPr spcFirstLastPara="1" wrap="square" lIns="91425" tIns="91425" rIns="91425" bIns="91425" anchor="t" anchorCtr="0">
-            <a:noAutofit/>
-          </a:bodyPr>
-          <a:lstStyle/>
-          <a:p>
-            <a:pPr marL="0" lvl="0" indent="0" algn="l" rtl="0">
-              <a:spcBef>
-                <a:spcPts val="0"/>
-              </a:spcBef>
-              <a:spcAft>
-                <a:spcPts val="0"/>
-              </a:spcAft>
-              <a:buNone/>
-            </a:pPr>
-            <a:endParaRPr/>
-          </a:p>
-        </p:txBody>
-      </p:sp>
-    </p:spTree>
-  </p:cSld>
-  <p:clrMapOvr>
-    <a:masterClrMapping/>
-  </p:clrMapOvr>
-</p:notes>
-</file>
-
-<file path=ppt/notesSlides/notesSlide8.xml><?xml version="1.0" encoding="utf-8"?>
-<p:notes xmlns:a="http://schemas.openxmlformats.org/drawingml/2006/main" xmlns:r="http://schemas.openxmlformats.org/officeDocument/2006/relationships" xmlns:p="http://schemas.openxmlformats.org/presentationml/2006/main" showMasterSp="0" showMasterPhAnim="0">
-  <p:cSld>
-    <p:spTree>
-      <p:nvGrpSpPr>
-        <p:cNvPr id="1" name="Shape 202"/>
-        <p:cNvGrpSpPr/>
-        <p:nvPr/>
-      </p:nvGrpSpPr>
-      <p:grpSpPr>
-        <a:xfrm>
-          <a:off x="0" y="0"/>
-          <a:ext cx="0" cy="0"/>
-          <a:chOff x="0" y="0"/>
-          <a:chExt cx="0" cy="0"/>
-        </a:xfrm>
-      </p:grpSpPr>
-      <p:sp>
-        <p:nvSpPr>
-          <p:cNvPr id="203" name="Google Shape;203;g8b625bbf80_0_50:notes"/>
-          <p:cNvSpPr>
-            <a:spLocks noGrp="1" noRot="1" noChangeAspect="1"/>
-          </p:cNvSpPr>
-          <p:nvPr>
-            <p:ph type="sldImg" idx="2"/>
-          </p:nvPr>
-        </p:nvSpPr>
-        <p:spPr>
-          <a:xfrm>
-            <a:off x="381300" y="685800"/>
-            <a:ext cx="6096000" cy="3429000"/>
-          </a:xfrm>
-          <a:custGeom>
-            <a:avLst/>
-            <a:gdLst/>
-            <a:ahLst/>
-            <a:cxnLst/>
-            <a:rect l="l" t="t" r="r" b="b"/>
-            <a:pathLst>
-              <a:path w="120000" h="120000" extrusionOk="0">
-                <a:moveTo>
-                  <a:pt x="0" y="0"/>
-                </a:moveTo>
-                <a:lnTo>
-                  <a:pt x="120000" y="0"/>
-                </a:lnTo>
-                <a:lnTo>
-                  <a:pt x="120000" y="120000"/>
-                </a:lnTo>
-                <a:lnTo>
-                  <a:pt x="0" y="120000"/>
-                </a:lnTo>
-                <a:close/>
-              </a:path>
-            </a:pathLst>
-          </a:custGeom>
-        </p:spPr>
-      </p:sp>
-      <p:sp>
-        <p:nvSpPr>
-          <p:cNvPr id="204" name="Google Shape;204;g8b625bbf80_0_50:notes"/>
-          <p:cNvSpPr txBox="1">
-            <a:spLocks noGrp="1"/>
-          </p:cNvSpPr>
-          <p:nvPr>
-            <p:ph type="body" idx="1"/>
-          </p:nvPr>
-        </p:nvSpPr>
-        <p:spPr>
-          <a:xfrm>
-            <a:off x="685800" y="4343400"/>
-            <a:ext cx="5486400" cy="4114800"/>
-          </a:xfrm>
-          <a:prstGeom prst="rect">
-            <a:avLst/>
-          </a:prstGeom>
-        </p:spPr>
-        <p:txBody>
-          <a:bodyPr spcFirstLastPara="1" wrap="square" lIns="91425" tIns="91425" rIns="91425" bIns="91425" anchor="t" anchorCtr="0">
-            <a:noAutofit/>
-          </a:bodyPr>
-          <a:lstStyle/>
-          <a:p>
-            <a:pPr marL="0" lvl="0" indent="0" algn="l" rtl="0">
-              <a:spcBef>
-                <a:spcPts val="0"/>
-              </a:spcBef>
-              <a:spcAft>
-                <a:spcPts val="0"/>
-              </a:spcAft>
-              <a:buNone/>
-            </a:pPr>
-            <a:endParaRPr/>
-          </a:p>
-        </p:txBody>
-      </p:sp>
-    </p:spTree>
-  </p:cSld>
-  <p:clrMapOvr>
-    <a:masterClrMapping/>
-  </p:clrMapOvr>
-</p:notes>
-</file>
-
-<file path=ppt/notesSlides/notesSlide9.xml><?xml version="1.0" encoding="utf-8"?>
-<p:notes xmlns:a="http://schemas.openxmlformats.org/drawingml/2006/main" xmlns:r="http://schemas.openxmlformats.org/officeDocument/2006/relationships" xmlns:p="http://schemas.openxmlformats.org/presentationml/2006/main" showMasterSp="0" showMasterPhAnim="0">
-  <p:cSld>
-    <p:spTree>
-      <p:nvGrpSpPr>
-        <p:cNvPr id="1" name="Shape 209"/>
-        <p:cNvGrpSpPr/>
-        <p:nvPr/>
-      </p:nvGrpSpPr>
-      <p:grpSpPr>
-        <a:xfrm>
-          <a:off x="0" y="0"/>
-          <a:ext cx="0" cy="0"/>
-          <a:chOff x="0" y="0"/>
-          <a:chExt cx="0" cy="0"/>
-        </a:xfrm>
-      </p:grpSpPr>
-      <p:sp>
-        <p:nvSpPr>
-          <p:cNvPr id="210" name="Google Shape;210;g821c2df07a_0_2:notes"/>
-          <p:cNvSpPr>
-            <a:spLocks noGrp="1" noRot="1" noChangeAspect="1"/>
-          </p:cNvSpPr>
-          <p:nvPr>
-            <p:ph type="sldImg" idx="2"/>
-          </p:nvPr>
-        </p:nvSpPr>
-        <p:spPr>
-          <a:xfrm>
-            <a:off x="381300" y="685800"/>
-            <a:ext cx="6096000" cy="3429000"/>
-          </a:xfrm>
-          <a:custGeom>
-            <a:avLst/>
-            <a:gdLst/>
-            <a:ahLst/>
-            <a:cxnLst/>
-            <a:rect l="l" t="t" r="r" b="b"/>
-            <a:pathLst>
-              <a:path w="120000" h="120000" extrusionOk="0">
-                <a:moveTo>
-                  <a:pt x="0" y="0"/>
-                </a:moveTo>
-                <a:lnTo>
-                  <a:pt x="120000" y="0"/>
-                </a:lnTo>
-                <a:lnTo>
-                  <a:pt x="120000" y="120000"/>
-                </a:lnTo>
-                <a:lnTo>
-                  <a:pt x="0" y="120000"/>
-                </a:lnTo>
-                <a:close/>
-              </a:path>
-            </a:pathLst>
-          </a:custGeom>
-        </p:spPr>
-      </p:sp>
-      <p:sp>
-        <p:nvSpPr>
-          <p:cNvPr id="211" name="Google Shape;211;g821c2df07a_0_2:notes"/>
           <p:cNvSpPr txBox="1">
             <a:spLocks noGrp="1"/>
           </p:cNvSpPr>
@@ -17763,6 +17763,294 @@
   <p:cSld>
     <p:spTree>
       <p:nvGrpSpPr>
+        <p:cNvPr id="1" name="Shape 233"/>
+        <p:cNvGrpSpPr/>
+        <p:nvPr/>
+      </p:nvGrpSpPr>
+      <p:grpSpPr>
+        <a:xfrm>
+          <a:off x="0" y="0"/>
+          <a:ext cx="0" cy="0"/>
+          <a:chOff x="0" y="0"/>
+          <a:chExt cx="0" cy="0"/>
+        </a:xfrm>
+      </p:grpSpPr>
+      <p:pic>
+        <p:nvPicPr>
+          <p:cNvPr id="234" name="Google Shape;234;p44"/>
+          <p:cNvPicPr preferRelativeResize="0"/>
+          <p:nvPr/>
+        </p:nvPicPr>
+        <p:blipFill>
+          <a:blip r:embed="rId3">
+            <a:alphaModFix/>
+          </a:blip>
+          <a:stretch>
+            <a:fillRect/>
+          </a:stretch>
+        </p:blipFill>
+        <p:spPr>
+          <a:xfrm>
+            <a:off x="0" y="0"/>
+            <a:ext cx="9147578" cy="5143500"/>
+          </a:xfrm>
+          <a:prstGeom prst="rect">
+            <a:avLst/>
+          </a:prstGeom>
+          <a:noFill/>
+          <a:ln>
+            <a:noFill/>
+          </a:ln>
+        </p:spPr>
+      </p:pic>
+      <p:sp>
+        <p:nvSpPr>
+          <p:cNvPr id="235" name="Google Shape;235;p44"/>
+          <p:cNvSpPr txBox="1"/>
+          <p:nvPr/>
+        </p:nvSpPr>
+        <p:spPr>
+          <a:xfrm>
+            <a:off x="135875" y="145275"/>
+            <a:ext cx="7292100" cy="720000"/>
+          </a:xfrm>
+          <a:prstGeom prst="rect">
+            <a:avLst/>
+          </a:prstGeom>
+          <a:noFill/>
+          <a:ln>
+            <a:noFill/>
+          </a:ln>
+        </p:spPr>
+        <p:txBody>
+          <a:bodyPr spcFirstLastPara="1" wrap="square" lIns="91425" tIns="91425" rIns="91425" bIns="91425" anchor="t" anchorCtr="0">
+            <a:noAutofit/>
+          </a:bodyPr>
+          <a:lstStyle/>
+          <a:p>
+            <a:pPr marL="0" lvl="0" indent="0" algn="l" rtl="0">
+              <a:spcBef>
+                <a:spcPts val="0"/>
+              </a:spcBef>
+              <a:spcAft>
+                <a:spcPts val="0"/>
+              </a:spcAft>
+              <a:buNone/>
+            </a:pPr>
+            <a:r>
+              <a:rPr lang="en-US" sz="2400" b="1" dirty="0">
+                <a:latin typeface="Roboto Mono"/>
+                <a:ea typeface="Roboto Mono"/>
+                <a:cs typeface="Roboto Mono"/>
+                <a:sym typeface="Roboto Mono"/>
+              </a:rPr>
+              <a:t>Brief on Programming Module</a:t>
+            </a:r>
+          </a:p>
+        </p:txBody>
+      </p:sp>
+      <p:sp>
+        <p:nvSpPr>
+          <p:cNvPr id="2" name="TextBox 1">
+            <a:extLst>
+              <a:ext uri="{FF2B5EF4-FFF2-40B4-BE49-F238E27FC236}">
+                <a16:creationId xmlns:a16="http://schemas.microsoft.com/office/drawing/2014/main" id="{8CC06217-F409-4889-916E-CF6E82A44485}"/>
+              </a:ext>
+            </a:extLst>
+          </p:cNvPr>
+          <p:cNvSpPr txBox="1"/>
+          <p:nvPr/>
+        </p:nvSpPr>
+        <p:spPr>
+          <a:xfrm>
+            <a:off x="135875" y="872050"/>
+            <a:ext cx="8646618" cy="276999"/>
+          </a:xfrm>
+          <a:prstGeom prst="rect">
+            <a:avLst/>
+          </a:prstGeom>
+          <a:noFill/>
+        </p:spPr>
+        <p:txBody>
+          <a:bodyPr wrap="square" rtlCol="0">
+            <a:spAutoFit/>
+          </a:bodyPr>
+          <a:lstStyle/>
+          <a:p>
+            <a:r>
+              <a:rPr lang="en-US" sz="1200" b="1" dirty="0" err="1">
+                <a:latin typeface="Roboto Mono" panose="020B0604020202020204" charset="0"/>
+                <a:ea typeface="Roboto Mono" panose="020B0604020202020204" charset="0"/>
+              </a:rPr>
+              <a:t>adsf</a:t>
+            </a:r>
+            <a:endParaRPr lang="en-US" sz="1200" b="1" dirty="0">
+              <a:latin typeface="Roboto Mono" panose="020B0604020202020204" charset="0"/>
+              <a:ea typeface="Roboto Mono" panose="020B0604020202020204" charset="0"/>
+            </a:endParaRPr>
+          </a:p>
+        </p:txBody>
+      </p:sp>
+    </p:spTree>
+  </p:cSld>
+  <p:clrMapOvr>
+    <a:masterClrMapping/>
+  </p:clrMapOvr>
+</p:sld>
+</file>
+
+<file path=ppt/slides/slide11.xml><?xml version="1.0" encoding="utf-8"?>
+<p:sld xmlns:a="http://schemas.openxmlformats.org/drawingml/2006/main" xmlns:r="http://schemas.openxmlformats.org/officeDocument/2006/relationships" xmlns:p="http://schemas.openxmlformats.org/presentationml/2006/main">
+  <p:cSld>
+    <p:spTree>
+      <p:nvGrpSpPr>
+        <p:cNvPr id="1" name="Shape 205"/>
+        <p:cNvGrpSpPr/>
+        <p:nvPr/>
+      </p:nvGrpSpPr>
+      <p:grpSpPr>
+        <a:xfrm>
+          <a:off x="0" y="0"/>
+          <a:ext cx="0" cy="0"/>
+          <a:chOff x="0" y="0"/>
+          <a:chExt cx="0" cy="0"/>
+        </a:xfrm>
+      </p:grpSpPr>
+      <p:pic>
+        <p:nvPicPr>
+          <p:cNvPr id="206" name="Google Shape;206;p40"/>
+          <p:cNvPicPr preferRelativeResize="0"/>
+          <p:nvPr/>
+        </p:nvPicPr>
+        <p:blipFill>
+          <a:blip r:embed="rId3">
+            <a:alphaModFix/>
+          </a:blip>
+          <a:stretch>
+            <a:fillRect/>
+          </a:stretch>
+        </p:blipFill>
+        <p:spPr>
+          <a:xfrm>
+            <a:off x="0" y="0"/>
+            <a:ext cx="9147578" cy="5143500"/>
+          </a:xfrm>
+          <a:prstGeom prst="rect">
+            <a:avLst/>
+          </a:prstGeom>
+          <a:noFill/>
+          <a:ln>
+            <a:noFill/>
+          </a:ln>
+        </p:spPr>
+      </p:pic>
+      <p:sp>
+        <p:nvSpPr>
+          <p:cNvPr id="207" name="Google Shape;207;p40"/>
+          <p:cNvSpPr txBox="1"/>
+          <p:nvPr/>
+        </p:nvSpPr>
+        <p:spPr>
+          <a:xfrm>
+            <a:off x="135875" y="145275"/>
+            <a:ext cx="7513800" cy="720000"/>
+          </a:xfrm>
+          <a:prstGeom prst="rect">
+            <a:avLst/>
+          </a:prstGeom>
+          <a:noFill/>
+          <a:ln>
+            <a:noFill/>
+          </a:ln>
+        </p:spPr>
+        <p:txBody>
+          <a:bodyPr spcFirstLastPara="1" wrap="square" lIns="91425" tIns="91425" rIns="91425" bIns="91425" anchor="t" anchorCtr="0">
+            <a:noAutofit/>
+          </a:bodyPr>
+          <a:lstStyle/>
+          <a:p>
+            <a:pPr marL="0" lvl="0" indent="0" algn="l" rtl="0">
+              <a:spcBef>
+                <a:spcPts val="0"/>
+              </a:spcBef>
+              <a:spcAft>
+                <a:spcPts val="0"/>
+              </a:spcAft>
+              <a:buNone/>
+            </a:pPr>
+            <a:r>
+              <a:rPr lang="en" sz="2400" b="1">
+                <a:latin typeface="Roboto Mono"/>
+                <a:ea typeface="Roboto Mono"/>
+                <a:cs typeface="Roboto Mono"/>
+                <a:sym typeface="Roboto Mono"/>
+              </a:rPr>
+              <a:t>Execution Plan</a:t>
+            </a:r>
+            <a:endParaRPr sz="2400" b="1">
+              <a:latin typeface="Roboto Mono"/>
+              <a:ea typeface="Roboto Mono"/>
+              <a:cs typeface="Roboto Mono"/>
+              <a:sym typeface="Roboto Mono"/>
+            </a:endParaRPr>
+          </a:p>
+        </p:txBody>
+      </p:sp>
+      <p:sp>
+        <p:nvSpPr>
+          <p:cNvPr id="2" name="TextBox 1">
+            <a:extLst>
+              <a:ext uri="{FF2B5EF4-FFF2-40B4-BE49-F238E27FC236}">
+                <a16:creationId xmlns:a16="http://schemas.microsoft.com/office/drawing/2014/main" id="{87B40E14-5D58-47E3-A814-BA06F22416DE}"/>
+              </a:ext>
+            </a:extLst>
+          </p:cNvPr>
+          <p:cNvSpPr txBox="1"/>
+          <p:nvPr/>
+        </p:nvSpPr>
+        <p:spPr>
+          <a:xfrm>
+            <a:off x="135875" y="865275"/>
+            <a:ext cx="8646618" cy="276999"/>
+          </a:xfrm>
+          <a:prstGeom prst="rect">
+            <a:avLst/>
+          </a:prstGeom>
+          <a:noFill/>
+        </p:spPr>
+        <p:txBody>
+          <a:bodyPr wrap="square" rtlCol="0">
+            <a:spAutoFit/>
+          </a:bodyPr>
+          <a:lstStyle/>
+          <a:p>
+            <a:r>
+              <a:rPr lang="en-US" sz="1200" b="1" dirty="0">
+                <a:latin typeface="Roboto Mono" panose="020B0604020202020204" charset="0"/>
+                <a:ea typeface="Roboto Mono" panose="020B0604020202020204" charset="0"/>
+              </a:rPr>
+              <a:t>P</a:t>
+            </a:r>
+            <a:endParaRPr lang="en-US" sz="1200" dirty="0">
+              <a:latin typeface="Roboto Mono" panose="020B0604020202020204" charset="0"/>
+              <a:ea typeface="Roboto Mono" panose="020B0604020202020204" charset="0"/>
+            </a:endParaRPr>
+          </a:p>
+        </p:txBody>
+      </p:sp>
+    </p:spTree>
+  </p:cSld>
+  <p:clrMapOvr>
+    <a:masterClrMapping/>
+  </p:clrMapOvr>
+</p:sld>
+</file>
+
+<file path=ppt/slides/slide12.xml><?xml version="1.0" encoding="utf-8"?>
+<p:sld xmlns:a="http://schemas.openxmlformats.org/drawingml/2006/main" xmlns:r="http://schemas.openxmlformats.org/officeDocument/2006/relationships" xmlns:p="http://schemas.openxmlformats.org/presentationml/2006/main">
+  <p:cSld>
+    <p:spTree>
+      <p:nvGrpSpPr>
         <p:cNvPr id="1" name="Shape 219"/>
         <p:cNvGrpSpPr/>
         <p:nvPr/>
@@ -17838,416 +18126,15 @@
               <a:buNone/>
             </a:pPr>
             <a:r>
-              <a:rPr lang="en" sz="2400" b="1">
+              <a:rPr lang="en" sz="2400" b="1" dirty="0">
                 <a:latin typeface="Roboto Mono"/>
                 <a:ea typeface="Roboto Mono"/>
                 <a:cs typeface="Roboto Mono"/>
                 <a:sym typeface="Roboto Mono"/>
               </a:rPr>
-              <a:t>&lt;&lt;Extra: Slide#8&gt;&gt;</a:t>
+              <a:t>Execution Plan</a:t>
             </a:r>
-            <a:endParaRPr sz="2400" b="1">
-              <a:latin typeface="Roboto Mono"/>
-              <a:ea typeface="Roboto Mono"/>
-              <a:cs typeface="Roboto Mono"/>
-              <a:sym typeface="Roboto Mono"/>
-            </a:endParaRPr>
-          </a:p>
-        </p:txBody>
-      </p:sp>
-      <p:sp>
-        <p:nvSpPr>
-          <p:cNvPr id="222" name="Google Shape;222;p42"/>
-          <p:cNvSpPr txBox="1"/>
-          <p:nvPr/>
-        </p:nvSpPr>
-        <p:spPr>
-          <a:xfrm>
-            <a:off x="135875" y="1071750"/>
-            <a:ext cx="8372700" cy="3000000"/>
-          </a:xfrm>
-          <a:prstGeom prst="rect">
-            <a:avLst/>
-          </a:prstGeom>
-          <a:noFill/>
-          <a:ln>
-            <a:noFill/>
-          </a:ln>
-        </p:spPr>
-        <p:txBody>
-          <a:bodyPr spcFirstLastPara="1" wrap="square" lIns="91425" tIns="91425" rIns="91425" bIns="91425" anchor="t" anchorCtr="0">
-            <a:noAutofit/>
-          </a:bodyPr>
-          <a:lstStyle/>
-          <a:p>
-            <a:pPr marL="457200" marR="0" lvl="0" indent="0" algn="l" rtl="0">
-              <a:lnSpc>
-                <a:spcPct val="150000"/>
-              </a:lnSpc>
-              <a:spcBef>
-                <a:spcPts val="0"/>
-              </a:spcBef>
-              <a:spcAft>
-                <a:spcPts val="0"/>
-              </a:spcAft>
-              <a:buNone/>
-            </a:pPr>
-            <a:endParaRPr sz="2000" b="1">
-              <a:solidFill>
-                <a:schemeClr val="dk1"/>
-              </a:solidFill>
-              <a:latin typeface="Roboto Mono"/>
-              <a:ea typeface="Roboto Mono"/>
-              <a:cs typeface="Roboto Mono"/>
-              <a:sym typeface="Roboto Mono"/>
-            </a:endParaRPr>
-          </a:p>
-        </p:txBody>
-      </p:sp>
-    </p:spTree>
-  </p:cSld>
-  <p:clrMapOvr>
-    <a:masterClrMapping/>
-  </p:clrMapOvr>
-</p:sld>
-</file>
-
-<file path=ppt/slides/slide11.xml><?xml version="1.0" encoding="utf-8"?>
-<p:sld xmlns:a="http://schemas.openxmlformats.org/drawingml/2006/main" xmlns:r="http://schemas.openxmlformats.org/officeDocument/2006/relationships" xmlns:p="http://schemas.openxmlformats.org/presentationml/2006/main">
-  <p:cSld>
-    <p:spTree>
-      <p:nvGrpSpPr>
-        <p:cNvPr id="1" name="Shape 226"/>
-        <p:cNvGrpSpPr/>
-        <p:nvPr/>
-      </p:nvGrpSpPr>
-      <p:grpSpPr>
-        <a:xfrm>
-          <a:off x="0" y="0"/>
-          <a:ext cx="0" cy="0"/>
-          <a:chOff x="0" y="0"/>
-          <a:chExt cx="0" cy="0"/>
-        </a:xfrm>
-      </p:grpSpPr>
-      <p:pic>
-        <p:nvPicPr>
-          <p:cNvPr id="227" name="Google Shape;227;p43"/>
-          <p:cNvPicPr preferRelativeResize="0"/>
-          <p:nvPr/>
-        </p:nvPicPr>
-        <p:blipFill>
-          <a:blip r:embed="rId3">
-            <a:alphaModFix/>
-          </a:blip>
-          <a:stretch>
-            <a:fillRect/>
-          </a:stretch>
-        </p:blipFill>
-        <p:spPr>
-          <a:xfrm>
-            <a:off x="0" y="0"/>
-            <a:ext cx="9147578" cy="5143500"/>
-          </a:xfrm>
-          <a:prstGeom prst="rect">
-            <a:avLst/>
-          </a:prstGeom>
-          <a:noFill/>
-          <a:ln>
-            <a:noFill/>
-          </a:ln>
-        </p:spPr>
-      </p:pic>
-      <p:sp>
-        <p:nvSpPr>
-          <p:cNvPr id="228" name="Google Shape;228;p43"/>
-          <p:cNvSpPr txBox="1"/>
-          <p:nvPr/>
-        </p:nvSpPr>
-        <p:spPr>
-          <a:xfrm>
-            <a:off x="135875" y="145275"/>
-            <a:ext cx="7292100" cy="720000"/>
-          </a:xfrm>
-          <a:prstGeom prst="rect">
-            <a:avLst/>
-          </a:prstGeom>
-          <a:noFill/>
-          <a:ln>
-            <a:noFill/>
-          </a:ln>
-        </p:spPr>
-        <p:txBody>
-          <a:bodyPr spcFirstLastPara="1" wrap="square" lIns="91425" tIns="91425" rIns="91425" bIns="91425" anchor="t" anchorCtr="0">
-            <a:noAutofit/>
-          </a:bodyPr>
-          <a:lstStyle/>
-          <a:p>
-            <a:pPr marL="0" lvl="0" indent="0" algn="l" rtl="0">
-              <a:spcBef>
-                <a:spcPts val="0"/>
-              </a:spcBef>
-              <a:spcAft>
-                <a:spcPts val="0"/>
-              </a:spcAft>
-              <a:buNone/>
-            </a:pPr>
-            <a:r>
-              <a:rPr lang="en" sz="2400" b="1">
-                <a:latin typeface="Roboto Mono"/>
-                <a:ea typeface="Roboto Mono"/>
-                <a:cs typeface="Roboto Mono"/>
-                <a:sym typeface="Roboto Mono"/>
-              </a:rPr>
-              <a:t>&lt;&lt;Extra: Slide#9&gt;&gt;</a:t>
-            </a:r>
-            <a:endParaRPr sz="2400" b="1">
-              <a:latin typeface="Roboto Mono"/>
-              <a:ea typeface="Roboto Mono"/>
-              <a:cs typeface="Roboto Mono"/>
-              <a:sym typeface="Roboto Mono"/>
-            </a:endParaRPr>
-          </a:p>
-        </p:txBody>
-      </p:sp>
-      <p:sp>
-        <p:nvSpPr>
-          <p:cNvPr id="229" name="Google Shape;229;p43"/>
-          <p:cNvSpPr txBox="1"/>
-          <p:nvPr/>
-        </p:nvSpPr>
-        <p:spPr>
-          <a:xfrm>
-            <a:off x="135875" y="1071750"/>
-            <a:ext cx="8372700" cy="3000000"/>
-          </a:xfrm>
-          <a:prstGeom prst="rect">
-            <a:avLst/>
-          </a:prstGeom>
-          <a:noFill/>
-          <a:ln>
-            <a:noFill/>
-          </a:ln>
-        </p:spPr>
-        <p:txBody>
-          <a:bodyPr spcFirstLastPara="1" wrap="square" lIns="91425" tIns="91425" rIns="91425" bIns="91425" anchor="t" anchorCtr="0">
-            <a:noAutofit/>
-          </a:bodyPr>
-          <a:lstStyle/>
-          <a:p>
-            <a:pPr marL="457200" marR="0" lvl="0" indent="0" algn="l" rtl="0">
-              <a:lnSpc>
-                <a:spcPct val="150000"/>
-              </a:lnSpc>
-              <a:spcBef>
-                <a:spcPts val="0"/>
-              </a:spcBef>
-              <a:spcAft>
-                <a:spcPts val="0"/>
-              </a:spcAft>
-              <a:buNone/>
-            </a:pPr>
-            <a:endParaRPr sz="2000" b="1">
-              <a:solidFill>
-                <a:schemeClr val="dk1"/>
-              </a:solidFill>
-              <a:latin typeface="Roboto Mono"/>
-              <a:ea typeface="Roboto Mono"/>
-              <a:cs typeface="Roboto Mono"/>
-              <a:sym typeface="Roboto Mono"/>
-            </a:endParaRPr>
-          </a:p>
-        </p:txBody>
-      </p:sp>
-    </p:spTree>
-  </p:cSld>
-  <p:clrMapOvr>
-    <a:masterClrMapping/>
-  </p:clrMapOvr>
-</p:sld>
-</file>
-
-<file path=ppt/slides/slide12.xml><?xml version="1.0" encoding="utf-8"?>
-<p:sld xmlns:a="http://schemas.openxmlformats.org/drawingml/2006/main" xmlns:r="http://schemas.openxmlformats.org/officeDocument/2006/relationships" xmlns:p="http://schemas.openxmlformats.org/presentationml/2006/main">
-  <p:cSld>
-    <p:spTree>
-      <p:nvGrpSpPr>
-        <p:cNvPr id="1" name="Shape 233"/>
-        <p:cNvGrpSpPr/>
-        <p:nvPr/>
-      </p:nvGrpSpPr>
-      <p:grpSpPr>
-        <a:xfrm>
-          <a:off x="0" y="0"/>
-          <a:ext cx="0" cy="0"/>
-          <a:chOff x="0" y="0"/>
-          <a:chExt cx="0" cy="0"/>
-        </a:xfrm>
-      </p:grpSpPr>
-      <p:pic>
-        <p:nvPicPr>
-          <p:cNvPr id="234" name="Google Shape;234;p44"/>
-          <p:cNvPicPr preferRelativeResize="0"/>
-          <p:nvPr/>
-        </p:nvPicPr>
-        <p:blipFill>
-          <a:blip r:embed="rId3">
-            <a:alphaModFix/>
-          </a:blip>
-          <a:stretch>
-            <a:fillRect/>
-          </a:stretch>
-        </p:blipFill>
-        <p:spPr>
-          <a:xfrm>
-            <a:off x="0" y="0"/>
-            <a:ext cx="9147578" cy="5143500"/>
-          </a:xfrm>
-          <a:prstGeom prst="rect">
-            <a:avLst/>
-          </a:prstGeom>
-          <a:noFill/>
-          <a:ln>
-            <a:noFill/>
-          </a:ln>
-        </p:spPr>
-      </p:pic>
-      <p:sp>
-        <p:nvSpPr>
-          <p:cNvPr id="235" name="Google Shape;235;p44"/>
-          <p:cNvSpPr txBox="1"/>
-          <p:nvPr/>
-        </p:nvSpPr>
-        <p:spPr>
-          <a:xfrm>
-            <a:off x="135875" y="145275"/>
-            <a:ext cx="7292100" cy="720000"/>
-          </a:xfrm>
-          <a:prstGeom prst="rect">
-            <a:avLst/>
-          </a:prstGeom>
-          <a:noFill/>
-          <a:ln>
-            <a:noFill/>
-          </a:ln>
-        </p:spPr>
-        <p:txBody>
-          <a:bodyPr spcFirstLastPara="1" wrap="square" lIns="91425" tIns="91425" rIns="91425" bIns="91425" anchor="t" anchorCtr="0">
-            <a:noAutofit/>
-          </a:bodyPr>
-          <a:lstStyle/>
-          <a:p>
-            <a:pPr marL="0" lvl="0" indent="0" algn="l" rtl="0">
-              <a:spcBef>
-                <a:spcPts val="0"/>
-              </a:spcBef>
-              <a:spcAft>
-                <a:spcPts val="0"/>
-              </a:spcAft>
-              <a:buClr>
-                <a:schemeClr val="dk1"/>
-              </a:buClr>
-              <a:buSzPts val="1100"/>
-              <a:buFont typeface="Arial"/>
-              <a:buNone/>
-            </a:pPr>
-            <a:r>
-              <a:rPr lang="en" sz="2400" b="1">
-                <a:latin typeface="Roboto Mono"/>
-                <a:ea typeface="Roboto Mono"/>
-                <a:cs typeface="Roboto Mono"/>
-                <a:sym typeface="Roboto Mono"/>
-              </a:rPr>
-              <a:t>&lt;&lt;Extra: Slide#10&gt;&gt;</a:t>
-            </a:r>
-            <a:endParaRPr sz="2400" b="1">
-              <a:latin typeface="Roboto Mono"/>
-              <a:ea typeface="Roboto Mono"/>
-              <a:cs typeface="Roboto Mono"/>
-              <a:sym typeface="Roboto Mono"/>
-            </a:endParaRPr>
-          </a:p>
-          <a:p>
-            <a:pPr marL="0" lvl="0" indent="0" algn="l" rtl="0">
-              <a:spcBef>
-                <a:spcPts val="0"/>
-              </a:spcBef>
-              <a:spcAft>
-                <a:spcPts val="0"/>
-              </a:spcAft>
-              <a:buClr>
-                <a:schemeClr val="dk1"/>
-              </a:buClr>
-              <a:buSzPts val="1100"/>
-              <a:buFont typeface="Arial"/>
-              <a:buNone/>
-            </a:pPr>
-            <a:endParaRPr sz="2400" b="1">
-              <a:latin typeface="Roboto Mono"/>
-              <a:ea typeface="Roboto Mono"/>
-              <a:cs typeface="Roboto Mono"/>
-              <a:sym typeface="Roboto Mono"/>
-            </a:endParaRPr>
-          </a:p>
-          <a:p>
-            <a:pPr marL="0" lvl="0" indent="0" algn="l" rtl="0">
-              <a:spcBef>
-                <a:spcPts val="0"/>
-              </a:spcBef>
-              <a:spcAft>
-                <a:spcPts val="0"/>
-              </a:spcAft>
-              <a:buNone/>
-            </a:pPr>
-            <a:endParaRPr sz="2400" b="1">
-              <a:latin typeface="Roboto Mono"/>
-              <a:ea typeface="Roboto Mono"/>
-              <a:cs typeface="Roboto Mono"/>
-              <a:sym typeface="Roboto Mono"/>
-            </a:endParaRPr>
-          </a:p>
-        </p:txBody>
-      </p:sp>
-      <p:sp>
-        <p:nvSpPr>
-          <p:cNvPr id="236" name="Google Shape;236;p44"/>
-          <p:cNvSpPr txBox="1"/>
-          <p:nvPr/>
-        </p:nvSpPr>
-        <p:spPr>
-          <a:xfrm>
-            <a:off x="135875" y="1071750"/>
-            <a:ext cx="8372700" cy="3000000"/>
-          </a:xfrm>
-          <a:prstGeom prst="rect">
-            <a:avLst/>
-          </a:prstGeom>
-          <a:noFill/>
-          <a:ln>
-            <a:noFill/>
-          </a:ln>
-        </p:spPr>
-        <p:txBody>
-          <a:bodyPr spcFirstLastPara="1" wrap="square" lIns="91425" tIns="91425" rIns="91425" bIns="91425" anchor="t" anchorCtr="0">
-            <a:noAutofit/>
-          </a:bodyPr>
-          <a:lstStyle/>
-          <a:p>
-            <a:pPr marL="457200" marR="0" lvl="0" indent="0" algn="l" rtl="0">
-              <a:lnSpc>
-                <a:spcPct val="150000"/>
-              </a:lnSpc>
-              <a:spcBef>
-                <a:spcPts val="0"/>
-              </a:spcBef>
-              <a:spcAft>
-                <a:spcPts val="0"/>
-              </a:spcAft>
-              <a:buNone/>
-            </a:pPr>
-            <a:endParaRPr sz="2000" b="1">
-              <a:solidFill>
-                <a:schemeClr val="dk1"/>
-              </a:solidFill>
+            <a:endParaRPr sz="2400" b="1" dirty="0">
               <a:latin typeface="Roboto Mono"/>
               <a:ea typeface="Roboto Mono"/>
               <a:cs typeface="Roboto Mono"/>
@@ -19944,7 +19831,7 @@
         <p:spPr>
           <a:xfrm>
             <a:off x="135875" y="865275"/>
-            <a:ext cx="8304028" cy="3600986"/>
+            <a:ext cx="8304028" cy="3970318"/>
           </a:xfrm>
           <a:prstGeom prst="rect">
             <a:avLst/>
@@ -19978,7 +19865,7 @@
                 <a:cs typeface="Roboto Mono"/>
                 <a:sym typeface="Roboto Mono"/>
               </a:rPr>
-              <a:t>Buyers and sellers, who still rely on manual reconciliation of invoices and bills, make up the target audience. The product aims to provide effective reconciliation between the duo by removing manual intervention completely (just an image upload would do the task!) thereby ensuring speed along with reliability. This is fruitful, </a:t>
+              <a:t>Buyers and sellers, who still rely on manual reconciliation of invoices and bills, make up the target audience. The product aims to provide effective reconciliation between the duo by removing manual intervention completely (just an image upload would do the task!), thereby ensuring speed along with reliability. This is fruitful, </a:t>
             </a:r>
             <a:r>
               <a:rPr lang="en-US" sz="1200" dirty="0">
@@ -20035,6 +19922,18 @@
           </a:p>
           <a:p>
             <a:pPr marL="171450" lvl="6" indent="-171450">
+              <a:buSzPct val="25000"/>
+              <a:buFont typeface="Arial" panose="020B0604020202020204" pitchFamily="34" charset="0"/>
+              <a:buChar char="•"/>
+            </a:pPr>
+            <a:endParaRPr lang="en-US" sz="1200" dirty="0">
+              <a:latin typeface="Roboto Mono"/>
+              <a:ea typeface="Roboto Mono"/>
+              <a:sym typeface="Roboto Mono"/>
+            </a:endParaRPr>
+          </a:p>
+          <a:p>
+            <a:pPr marL="171450" lvl="6" indent="-171450">
               <a:buSzPct val="100000"/>
               <a:buFont typeface="Symbol" panose="05050102010706020507" pitchFamily="18" charset="2"/>
               <a:buChar char="·"/>
@@ -20053,7 +19952,7 @@
                 <a:ea typeface="Roboto Mono"/>
                 <a:sym typeface="Roboto Mono"/>
               </a:rPr>
-              <a:t> We’re using instance segmentation techniques to solve table detection, table structure recognition (for borderless tables) and text region identification problems in the input documents. Once the key text regions are segmented, we use an image-to-text OCR-based algorithm to convert these regions to text to gain information from the text. We’ll </a:t>
+              <a:t> We’re using instance segmentation techniques to solve table detection, table structure recognition (for borderless tables) and text region identification problems in the input documents. Once the key text regions are segmented, we use an image-to-text OCR-based algorithm to convert these regions to text to gain information from it. We’ll </a:t>
             </a:r>
             <a:r>
               <a:rPr lang="en-US" sz="1200" b="1" dirty="0">
@@ -20069,8 +19968,20 @@
                 <a:ea typeface="Roboto Mono"/>
                 <a:sym typeface="Roboto Mono"/>
               </a:rPr>
-              <a:t> be using any licensed products to achieve this: the solution will be built from scratch. </a:t>
+              <a:t> be using any paid licensed products to achieve this: the solution will be built from scratch. </a:t>
             </a:r>
+          </a:p>
+          <a:p>
+            <a:pPr marL="171450" lvl="6" indent="-171450">
+              <a:buSzPct val="100000"/>
+              <a:buFont typeface="Symbol" panose="05050102010706020507" pitchFamily="18" charset="2"/>
+              <a:buChar char="·"/>
+            </a:pPr>
+            <a:endParaRPr lang="en-US" sz="1200" dirty="0">
+              <a:latin typeface="Roboto Mono"/>
+              <a:ea typeface="Roboto Mono"/>
+              <a:sym typeface="Roboto Mono"/>
+            </a:endParaRPr>
           </a:p>
           <a:p>
             <a:pPr marL="171450" lvl="6" indent="-171450">
@@ -20092,7 +20003,7 @@
                 <a:ea typeface="Roboto Mono"/>
                 <a:sym typeface="Roboto Mono"/>
               </a:rPr>
-              <a:t> The solution is highly scalable and can be generalized to new templates as it achieved very accurate results (and trained) on the diverse TableBank, ICDAR-2013, ICDAR-2019 and some custom-made datasets.</a:t>
+              <a:t> The solution is highly scalable and can be generalized to new templates as it achieved very accurate results (and has been trained) on the diverse TableBank, ICDAR-2013, ICDAR-2019 and some custom-made datasets.</a:t>
             </a:r>
           </a:p>
         </p:txBody>
@@ -20190,7 +20101,7 @@
               <a:buNone/>
             </a:pPr>
             <a:r>
-              <a:rPr lang="en" sz="2400" b="1">
+              <a:rPr lang="en" sz="2400" b="1" dirty="0">
                 <a:latin typeface="Roboto Mono"/>
                 <a:ea typeface="Roboto Mono"/>
                 <a:cs typeface="Roboto Mono"/>
@@ -20198,7 +20109,7 @@
               </a:rPr>
               <a:t>Product Specifications</a:t>
             </a:r>
-            <a:endParaRPr sz="2400" b="1">
+            <a:endParaRPr sz="2400" b="1" dirty="0">
               <a:latin typeface="Roboto Mono"/>
               <a:ea typeface="Roboto Mono"/>
               <a:cs typeface="Roboto Mono"/>
@@ -20221,8 +20132,8 @@
         </p:nvSpPr>
         <p:spPr>
           <a:xfrm>
-            <a:off x="135875" y="865275"/>
-            <a:ext cx="8304028" cy="276999"/>
+            <a:off x="135875" y="879945"/>
+            <a:ext cx="8412702" cy="3384966"/>
           </a:xfrm>
           <a:prstGeom prst="rect">
             <a:avLst/>
@@ -20235,23 +20146,233 @@
           </a:bodyPr>
           <a:lstStyle/>
           <a:p>
+            <a:pPr>
+              <a:lnSpc>
+                <a:spcPct val="150000"/>
+              </a:lnSpc>
+              <a:buSzPct val="100000"/>
+            </a:pPr>
+            <a:r>
+              <a:rPr lang="en" sz="1200" b="1" dirty="0">
+                <a:latin typeface="Roboto Mono"/>
+                <a:ea typeface="Roboto Mono"/>
+                <a:cs typeface="Roboto Mono"/>
+                <a:sym typeface="Roboto Mono"/>
+              </a:rPr>
+              <a:t>Technical Specifications:</a:t>
+            </a:r>
+          </a:p>
+          <a:p>
             <a:pPr marL="171450" indent="-171450">
+              <a:lnSpc>
+                <a:spcPct val="150000"/>
+              </a:lnSpc>
               <a:buSzPct val="100000"/>
               <a:buFont typeface="Symbol" panose="05050102010706020507" pitchFamily="18" charset="2"/>
               <a:buChar char=""/>
             </a:pPr>
             <a:r>
-              <a:rPr lang="en" sz="1200" b="1">
+              <a:rPr lang="en-US" sz="1200" dirty="0">
                 <a:latin typeface="Roboto Mono"/>
                 <a:ea typeface="Roboto Mono"/>
                 <a:cs typeface="Roboto Mono"/>
                 <a:sym typeface="Roboto Mono"/>
               </a:rPr>
-              <a:t>WIP</a:t>
+              <a:t>Python v3.7</a:t>
             </a:r>
-            <a:endParaRPr lang="en-US" sz="1200" dirty="0">
+          </a:p>
+          <a:p>
+            <a:pPr marL="171450" indent="-171450">
+              <a:lnSpc>
+                <a:spcPct val="150000"/>
+              </a:lnSpc>
+              <a:buSzPct val="100000"/>
+              <a:buFont typeface="Symbol" panose="05050102010706020507" pitchFamily="18" charset="2"/>
+              <a:buChar char=""/>
+            </a:pPr>
+            <a:r>
+              <a:rPr lang="en-US" sz="1200" dirty="0">
+                <a:latin typeface="Roboto Mono"/>
+                <a:ea typeface="Roboto Mono"/>
+                <a:cs typeface="Roboto Mono"/>
+                <a:sym typeface="Roboto Mono"/>
+              </a:rPr>
+              <a:t>PyTorch v1.4</a:t>
+            </a:r>
+            <a:endParaRPr lang="en" sz="1200" dirty="0">
               <a:latin typeface="Roboto Mono"/>
               <a:ea typeface="Roboto Mono"/>
+              <a:cs typeface="Roboto Mono"/>
+              <a:sym typeface="Roboto Mono"/>
+            </a:endParaRPr>
+          </a:p>
+          <a:p>
+            <a:pPr marL="171450" indent="-171450">
+              <a:lnSpc>
+                <a:spcPct val="150000"/>
+              </a:lnSpc>
+              <a:buSzPct val="100000"/>
+              <a:buFont typeface="Symbol" panose="05050102010706020507" pitchFamily="18" charset="2"/>
+              <a:buChar char=""/>
+            </a:pPr>
+            <a:r>
+              <a:rPr lang="en-US" sz="1200" dirty="0">
+                <a:latin typeface="Roboto Mono"/>
+                <a:ea typeface="Roboto Mono"/>
+                <a:cs typeface="Roboto Mono"/>
+                <a:sym typeface="Roboto Mono"/>
+              </a:rPr>
+              <a:t>mmdetection v1.2</a:t>
+            </a:r>
+            <a:endParaRPr lang="en" sz="1200" dirty="0">
+              <a:latin typeface="Roboto Mono"/>
+              <a:ea typeface="Roboto Mono"/>
+              <a:cs typeface="Roboto Mono"/>
+              <a:sym typeface="Roboto Mono"/>
+            </a:endParaRPr>
+          </a:p>
+          <a:p>
+            <a:pPr marL="171450" indent="-171450">
+              <a:lnSpc>
+                <a:spcPct val="150000"/>
+              </a:lnSpc>
+              <a:buSzPct val="100000"/>
+              <a:buFont typeface="Symbol" panose="05050102010706020507" pitchFamily="18" charset="2"/>
+              <a:buChar char=""/>
+            </a:pPr>
+            <a:r>
+              <a:rPr lang="en-US" sz="1200" dirty="0">
+                <a:latin typeface="Roboto Mono"/>
+                <a:ea typeface="Roboto Mono"/>
+                <a:cs typeface="Roboto Mono"/>
+                <a:sym typeface="Roboto Mono"/>
+              </a:rPr>
+              <a:t>OpenCV v4.3.0</a:t>
+            </a:r>
+          </a:p>
+          <a:p>
+            <a:pPr marL="171450" indent="-171450">
+              <a:lnSpc>
+                <a:spcPct val="150000"/>
+              </a:lnSpc>
+              <a:buSzPct val="100000"/>
+              <a:buFont typeface="Symbol" panose="05050102010706020507" pitchFamily="18" charset="2"/>
+              <a:buChar char=""/>
+            </a:pPr>
+            <a:endParaRPr lang="en" sz="1200" dirty="0">
+              <a:latin typeface="Roboto Mono"/>
+              <a:ea typeface="Roboto Mono"/>
+              <a:cs typeface="Roboto Mono"/>
+              <a:sym typeface="Roboto Mono"/>
+            </a:endParaRPr>
+          </a:p>
+          <a:p>
+            <a:pPr lvl="1">
+              <a:lnSpc>
+                <a:spcPct val="150000"/>
+              </a:lnSpc>
+              <a:buSzPct val="100000"/>
+            </a:pPr>
+            <a:r>
+              <a:rPr lang="en" sz="1200" b="1" dirty="0">
+                <a:latin typeface="Roboto Mono"/>
+                <a:ea typeface="Roboto Mono"/>
+                <a:cs typeface="Roboto Mono"/>
+                <a:sym typeface="Roboto Mono"/>
+              </a:rPr>
+              <a:t>Physical Specifications:</a:t>
+            </a:r>
+          </a:p>
+          <a:p>
+            <a:pPr marL="171450" lvl="1" indent="-171450">
+              <a:lnSpc>
+                <a:spcPct val="150000"/>
+              </a:lnSpc>
+              <a:buSzPct val="100000"/>
+              <a:buFont typeface="Symbol" panose="05050102010706020507" pitchFamily="18" charset="2"/>
+              <a:buChar char="·"/>
+            </a:pPr>
+            <a:r>
+              <a:rPr lang="en-US" sz="1200" dirty="0">
+                <a:latin typeface="Roboto Mono"/>
+                <a:ea typeface="Roboto Mono"/>
+                <a:cs typeface="Roboto Mono"/>
+                <a:sym typeface="Roboto Mono"/>
+              </a:rPr>
+              <a:t>Google Colaboratory platform (with runtime set to GPU)</a:t>
+            </a:r>
+          </a:p>
+          <a:p>
+            <a:pPr marL="171450" lvl="1" indent="-171450">
+              <a:lnSpc>
+                <a:spcPct val="150000"/>
+              </a:lnSpc>
+              <a:buSzPct val="100000"/>
+              <a:buFont typeface="Symbol" panose="05050102010706020507" pitchFamily="18" charset="2"/>
+              <a:buChar char="·"/>
+            </a:pPr>
+            <a:r>
+              <a:rPr lang="en-US" sz="1200" dirty="0">
+                <a:latin typeface="Roboto Mono"/>
+                <a:ea typeface="Roboto Mono"/>
+                <a:cs typeface="Roboto Mono"/>
+                <a:sym typeface="Roboto Mono"/>
+              </a:rPr>
+              <a:t>Sufficiently high RAM (8-16 GB)</a:t>
+            </a:r>
+            <a:endParaRPr lang="en" sz="1200" dirty="0">
+              <a:latin typeface="Roboto Mono"/>
+              <a:ea typeface="Roboto Mono"/>
+              <a:cs typeface="Roboto Mono"/>
+              <a:sym typeface="Roboto Mono"/>
+            </a:endParaRPr>
+          </a:p>
+          <a:p>
+            <a:pPr marL="171450" indent="-171450">
+              <a:lnSpc>
+                <a:spcPct val="150000"/>
+              </a:lnSpc>
+              <a:buSzPct val="100000"/>
+              <a:buFont typeface="Symbol" panose="05050102010706020507" pitchFamily="18" charset="2"/>
+              <a:buChar char="·"/>
+            </a:pPr>
+            <a:r>
+              <a:rPr lang="en-US" sz="1200" dirty="0">
+                <a:latin typeface="Roboto Mono"/>
+                <a:ea typeface="Roboto Mono"/>
+                <a:cs typeface="Roboto Mono"/>
+                <a:sym typeface="Roboto Mono"/>
+              </a:rPr>
+              <a:t>GPU with around 8-16 GB GPU memory (for mmdetection toolbox)</a:t>
+            </a:r>
+          </a:p>
+          <a:p>
+            <a:pPr marL="171450" indent="-171450">
+              <a:lnSpc>
+                <a:spcPct val="150000"/>
+              </a:lnSpc>
+              <a:buSzPct val="100000"/>
+              <a:buFont typeface="Symbol" panose="05050102010706020507" pitchFamily="18" charset="2"/>
+              <a:buChar char="·"/>
+            </a:pPr>
+            <a:endParaRPr lang="en" sz="1200" dirty="0">
+              <a:latin typeface="Roboto Mono"/>
+              <a:ea typeface="Roboto Mono"/>
+              <a:cs typeface="Roboto Mono"/>
+              <a:sym typeface="Roboto Mono"/>
+            </a:endParaRPr>
+          </a:p>
+          <a:p>
+            <a:pPr>
+              <a:lnSpc>
+                <a:spcPct val="150000"/>
+              </a:lnSpc>
+              <a:buSzPct val="100000"/>
+            </a:pPr>
+            <a:endParaRPr lang="en" sz="1200" dirty="0">
+              <a:latin typeface="Roboto Mono"/>
+              <a:ea typeface="Roboto Mono"/>
+              <a:cs typeface="Roboto Mono"/>
               <a:sym typeface="Roboto Mono"/>
             </a:endParaRPr>
           </a:p>
@@ -20345,7 +20466,7 @@
               <a:buNone/>
             </a:pPr>
             <a:r>
-              <a:rPr lang="en" sz="2400" b="1">
+              <a:rPr lang="en" sz="2400" b="1" dirty="0">
                 <a:latin typeface="Roboto Mono"/>
                 <a:ea typeface="Roboto Mono"/>
                 <a:cs typeface="Roboto Mono"/>
@@ -20353,7 +20474,7 @@
               </a:rPr>
               <a:t>Product Limitations</a:t>
             </a:r>
-            <a:endParaRPr sz="2400" b="1">
+            <a:endParaRPr sz="2400" b="1" dirty="0">
               <a:latin typeface="Roboto Mono"/>
               <a:ea typeface="Roboto Mono"/>
               <a:cs typeface="Roboto Mono"/>
@@ -20364,306 +20485,128 @@
       </p:sp>
       <p:sp>
         <p:nvSpPr>
-          <p:cNvPr id="187" name="Google Shape;187;p37"/>
+          <p:cNvPr id="2" name="TextBox 1">
+            <a:extLst>
+              <a:ext uri="{FF2B5EF4-FFF2-40B4-BE49-F238E27FC236}">
+                <a16:creationId xmlns:a16="http://schemas.microsoft.com/office/drawing/2014/main" id="{9C034197-77BE-4D2D-ABB8-0DAC071F26AD}"/>
+              </a:ext>
+            </a:extLst>
+          </p:cNvPr>
           <p:cNvSpPr txBox="1"/>
           <p:nvPr/>
         </p:nvSpPr>
         <p:spPr>
           <a:xfrm>
-            <a:off x="75200" y="1338825"/>
-            <a:ext cx="8547000" cy="3002400"/>
+            <a:off x="135875" y="890578"/>
+            <a:ext cx="8614720" cy="1200329"/>
           </a:xfrm>
           <a:prstGeom prst="rect">
             <a:avLst/>
           </a:prstGeom>
           <a:noFill/>
-          <a:ln>
-            <a:noFill/>
-          </a:ln>
         </p:spPr>
         <p:txBody>
-          <a:bodyPr spcFirstLastPara="1" wrap="square" lIns="91425" tIns="91425" rIns="91425" bIns="91425" anchor="ctr" anchorCtr="0">
-            <a:noAutofit/>
+          <a:bodyPr wrap="square" rtlCol="0">
+            <a:spAutoFit/>
           </a:bodyPr>
           <a:lstStyle/>
           <a:p>
-            <a:pPr marL="0" lvl="0" indent="0" algn="l" rtl="0">
-              <a:spcBef>
-                <a:spcPts val="0"/>
-              </a:spcBef>
-              <a:spcAft>
-                <a:spcPts val="0"/>
-              </a:spcAft>
-              <a:buNone/>
+            <a:pPr marL="171450" indent="-171450">
+              <a:buSzPct val="100000"/>
+              <a:buFont typeface="Symbol" panose="05050102010706020507" pitchFamily="18" charset="2"/>
+              <a:buChar char=""/>
+              <a:tabLst>
+                <a:tab pos="3657600" algn="l"/>
+              </a:tabLst>
             </a:pPr>
             <a:r>
-              <a:rPr lang="en" sz="1200">
+              <a:rPr lang="en-US" sz="1200" dirty="0">
                 <a:latin typeface="Roboto Mono"/>
                 <a:ea typeface="Roboto Mono"/>
                 <a:cs typeface="Roboto Mono"/>
                 <a:sym typeface="Roboto Mono"/>
               </a:rPr>
-              <a:t>Are there any limitations compared to the requirements?</a:t>
+              <a:t>The product may fail when the invoice has </a:t>
             </a:r>
-            <a:endParaRPr sz="1200">
+            <a:r>
+              <a:rPr lang="en-US" sz="1200" b="1" dirty="0">
+                <a:latin typeface="Roboto Mono"/>
+                <a:ea typeface="Roboto Mono"/>
+                <a:cs typeface="Roboto Mono"/>
+                <a:sym typeface="Roboto Mono"/>
+              </a:rPr>
+              <a:t>NO</a:t>
+            </a:r>
+            <a:r>
+              <a:rPr lang="en-US" sz="1200" dirty="0">
+                <a:latin typeface="Roboto Mono"/>
+                <a:ea typeface="Roboto Mono"/>
+                <a:cs typeface="Roboto Mono"/>
+                <a:sym typeface="Roboto Mono"/>
+              </a:rPr>
+              <a:t> tabular structure, although, even if there are borderless table structures in the invoice, they’ll get detected.</a:t>
+            </a:r>
+          </a:p>
+          <a:p>
+            <a:pPr marL="171450" indent="-171450">
+              <a:buSzPct val="100000"/>
+              <a:buFont typeface="Symbol" panose="05050102010706020507" pitchFamily="18" charset="2"/>
+              <a:buChar char=""/>
+              <a:tabLst>
+                <a:tab pos="3657600" algn="l"/>
+              </a:tabLst>
+            </a:pPr>
+            <a:endParaRPr lang="en-US" sz="1200" dirty="0">
               <a:latin typeface="Roboto Mono"/>
               <a:ea typeface="Roboto Mono"/>
-              <a:cs typeface="Roboto Mono"/>
               <a:sym typeface="Roboto Mono"/>
             </a:endParaRPr>
           </a:p>
           <a:p>
-            <a:pPr marL="0" lvl="0" indent="0" algn="l" rtl="0">
-              <a:spcBef>
-                <a:spcPts val="0"/>
-              </a:spcBef>
-              <a:spcAft>
-                <a:spcPts val="0"/>
-              </a:spcAft>
-              <a:buNone/>
+            <a:pPr marL="171450" indent="-171450">
+              <a:buSzPct val="100000"/>
+              <a:buFont typeface="Symbol" panose="05050102010706020507" pitchFamily="18" charset="2"/>
+              <a:buChar char=""/>
+              <a:tabLst>
+                <a:tab pos="3657600" algn="l"/>
+              </a:tabLst>
             </a:pPr>
-            <a:endParaRPr sz="1200">
+            <a:r>
+              <a:rPr lang="en-US" sz="1200" dirty="0">
+                <a:latin typeface="Roboto Mono"/>
+                <a:ea typeface="Roboto Mono"/>
+                <a:sym typeface="Roboto Mono"/>
+              </a:rPr>
+              <a:t>Model requires rich hardware requirements (high RAM and GPU).</a:t>
+            </a:r>
+          </a:p>
+          <a:p>
+            <a:pPr marL="171450" indent="-171450">
+              <a:buSzPct val="100000"/>
+              <a:buFont typeface="Symbol" panose="05050102010706020507" pitchFamily="18" charset="2"/>
+              <a:buChar char=""/>
+              <a:tabLst>
+                <a:tab pos="3657600" algn="l"/>
+              </a:tabLst>
+            </a:pPr>
+            <a:endParaRPr lang="en-US" sz="1200" dirty="0">
               <a:latin typeface="Roboto Mono"/>
               <a:ea typeface="Roboto Mono"/>
-              <a:cs typeface="Roboto Mono"/>
               <a:sym typeface="Roboto Mono"/>
             </a:endParaRPr>
           </a:p>
           <a:p>
-            <a:pPr marL="0" lvl="0" indent="0" algn="l" rtl="0">
-              <a:spcBef>
-                <a:spcPts val="0"/>
-              </a:spcBef>
-              <a:spcAft>
-                <a:spcPts val="0"/>
-              </a:spcAft>
-              <a:buNone/>
+            <a:pPr marL="171450" indent="-171450">
+              <a:buSzPct val="100000"/>
+              <a:buFont typeface="Symbol" panose="05050102010706020507" pitchFamily="18" charset="2"/>
+              <a:buChar char=""/>
+              <a:tabLst>
+                <a:tab pos="3657600" algn="l"/>
+              </a:tabLst>
             </a:pPr>
-            <a:endParaRPr sz="1200">
+            <a:endParaRPr lang="en-US" sz="1200" dirty="0">
               <a:latin typeface="Roboto Mono"/>
               <a:ea typeface="Roboto Mono"/>
-              <a:cs typeface="Roboto Mono"/>
-              <a:sym typeface="Roboto Mono"/>
-            </a:endParaRPr>
-          </a:p>
-          <a:p>
-            <a:pPr marL="0" lvl="0" indent="0" algn="l" rtl="0">
-              <a:spcBef>
-                <a:spcPts val="0"/>
-              </a:spcBef>
-              <a:spcAft>
-                <a:spcPts val="0"/>
-              </a:spcAft>
-              <a:buNone/>
-            </a:pPr>
-            <a:endParaRPr sz="1200">
-              <a:latin typeface="Roboto Mono"/>
-              <a:ea typeface="Roboto Mono"/>
-              <a:cs typeface="Roboto Mono"/>
-              <a:sym typeface="Roboto Mono"/>
-            </a:endParaRPr>
-          </a:p>
-          <a:p>
-            <a:pPr marL="0" lvl="0" indent="0" algn="l" rtl="0">
-              <a:spcBef>
-                <a:spcPts val="0"/>
-              </a:spcBef>
-              <a:spcAft>
-                <a:spcPts val="0"/>
-              </a:spcAft>
-              <a:buNone/>
-            </a:pPr>
-            <a:endParaRPr sz="1200">
-              <a:latin typeface="Roboto Mono"/>
-              <a:ea typeface="Roboto Mono"/>
-              <a:cs typeface="Roboto Mono"/>
-              <a:sym typeface="Roboto Mono"/>
-            </a:endParaRPr>
-          </a:p>
-          <a:p>
-            <a:pPr marL="0" lvl="0" indent="0" algn="l" rtl="0">
-              <a:spcBef>
-                <a:spcPts val="0"/>
-              </a:spcBef>
-              <a:spcAft>
-                <a:spcPts val="0"/>
-              </a:spcAft>
-              <a:buNone/>
-            </a:pPr>
-            <a:endParaRPr sz="1200">
-              <a:latin typeface="Roboto Mono"/>
-              <a:ea typeface="Roboto Mono"/>
-              <a:cs typeface="Roboto Mono"/>
-              <a:sym typeface="Roboto Mono"/>
-            </a:endParaRPr>
-          </a:p>
-          <a:p>
-            <a:pPr marL="0" lvl="0" indent="0" algn="l" rtl="0">
-              <a:spcBef>
-                <a:spcPts val="0"/>
-              </a:spcBef>
-              <a:spcAft>
-                <a:spcPts val="0"/>
-              </a:spcAft>
-              <a:buNone/>
-            </a:pPr>
-            <a:endParaRPr sz="1200">
-              <a:latin typeface="Roboto Mono"/>
-              <a:ea typeface="Roboto Mono"/>
-              <a:cs typeface="Roboto Mono"/>
-              <a:sym typeface="Roboto Mono"/>
-            </a:endParaRPr>
-          </a:p>
-          <a:p>
-            <a:pPr marL="0" lvl="0" indent="0" algn="l" rtl="0">
-              <a:spcBef>
-                <a:spcPts val="0"/>
-              </a:spcBef>
-              <a:spcAft>
-                <a:spcPts val="0"/>
-              </a:spcAft>
-              <a:buNone/>
-            </a:pPr>
-            <a:endParaRPr sz="1200">
-              <a:latin typeface="Roboto Mono"/>
-              <a:ea typeface="Roboto Mono"/>
-              <a:cs typeface="Roboto Mono"/>
-              <a:sym typeface="Roboto Mono"/>
-            </a:endParaRPr>
-          </a:p>
-          <a:p>
-            <a:pPr marL="0" lvl="0" indent="0" algn="l" rtl="0">
-              <a:spcBef>
-                <a:spcPts val="0"/>
-              </a:spcBef>
-              <a:spcAft>
-                <a:spcPts val="0"/>
-              </a:spcAft>
-              <a:buNone/>
-            </a:pPr>
-            <a:endParaRPr sz="1200">
-              <a:latin typeface="Roboto Mono"/>
-              <a:ea typeface="Roboto Mono"/>
-              <a:cs typeface="Roboto Mono"/>
-              <a:sym typeface="Roboto Mono"/>
-            </a:endParaRPr>
-          </a:p>
-          <a:p>
-            <a:pPr marL="0" lvl="0" indent="0" algn="l" rtl="0">
-              <a:spcBef>
-                <a:spcPts val="0"/>
-              </a:spcBef>
-              <a:spcAft>
-                <a:spcPts val="0"/>
-              </a:spcAft>
-              <a:buNone/>
-            </a:pPr>
-            <a:endParaRPr sz="1200">
-              <a:latin typeface="Roboto Mono"/>
-              <a:ea typeface="Roboto Mono"/>
-              <a:cs typeface="Roboto Mono"/>
-              <a:sym typeface="Roboto Mono"/>
-            </a:endParaRPr>
-          </a:p>
-          <a:p>
-            <a:pPr marL="0" lvl="0" indent="0" algn="l" rtl="0">
-              <a:spcBef>
-                <a:spcPts val="0"/>
-              </a:spcBef>
-              <a:spcAft>
-                <a:spcPts val="0"/>
-              </a:spcAft>
-              <a:buNone/>
-            </a:pPr>
-            <a:endParaRPr sz="1200">
-              <a:latin typeface="Roboto Mono"/>
-              <a:ea typeface="Roboto Mono"/>
-              <a:cs typeface="Roboto Mono"/>
-              <a:sym typeface="Roboto Mono"/>
-            </a:endParaRPr>
-          </a:p>
-          <a:p>
-            <a:pPr marL="0" lvl="0" indent="0" algn="l" rtl="0">
-              <a:spcBef>
-                <a:spcPts val="0"/>
-              </a:spcBef>
-              <a:spcAft>
-                <a:spcPts val="0"/>
-              </a:spcAft>
-              <a:buNone/>
-            </a:pPr>
-            <a:endParaRPr sz="1200">
-              <a:latin typeface="Roboto Mono"/>
-              <a:ea typeface="Roboto Mono"/>
-              <a:cs typeface="Roboto Mono"/>
-              <a:sym typeface="Roboto Mono"/>
-            </a:endParaRPr>
-          </a:p>
-          <a:p>
-            <a:pPr marL="0" lvl="0" indent="0" algn="l" rtl="0">
-              <a:spcBef>
-                <a:spcPts val="0"/>
-              </a:spcBef>
-              <a:spcAft>
-                <a:spcPts val="0"/>
-              </a:spcAft>
-              <a:buNone/>
-            </a:pPr>
-            <a:endParaRPr sz="1200">
-              <a:latin typeface="Roboto Mono"/>
-              <a:ea typeface="Roboto Mono"/>
-              <a:cs typeface="Roboto Mono"/>
-              <a:sym typeface="Roboto Mono"/>
-            </a:endParaRPr>
-          </a:p>
-          <a:p>
-            <a:pPr marL="0" lvl="0" indent="0" algn="l" rtl="0">
-              <a:spcBef>
-                <a:spcPts val="0"/>
-              </a:spcBef>
-              <a:spcAft>
-                <a:spcPts val="0"/>
-              </a:spcAft>
-              <a:buNone/>
-            </a:pPr>
-            <a:endParaRPr sz="1200">
-              <a:latin typeface="Roboto Mono"/>
-              <a:ea typeface="Roboto Mono"/>
-              <a:cs typeface="Roboto Mono"/>
-              <a:sym typeface="Roboto Mono"/>
-            </a:endParaRPr>
-          </a:p>
-          <a:p>
-            <a:pPr marL="0" lvl="0" indent="0" algn="l" rtl="0">
-              <a:spcBef>
-                <a:spcPts val="0"/>
-              </a:spcBef>
-              <a:spcAft>
-                <a:spcPts val="0"/>
-              </a:spcAft>
-              <a:buNone/>
-            </a:pPr>
-            <a:endParaRPr sz="1200">
-              <a:latin typeface="Roboto Mono"/>
-              <a:ea typeface="Roboto Mono"/>
-              <a:cs typeface="Roboto Mono"/>
-              <a:sym typeface="Roboto Mono"/>
-            </a:endParaRPr>
-          </a:p>
-          <a:p>
-            <a:pPr marL="0" lvl="0" indent="0" algn="l" rtl="0">
-              <a:spcBef>
-                <a:spcPts val="0"/>
-              </a:spcBef>
-              <a:spcAft>
-                <a:spcPts val="0"/>
-              </a:spcAft>
-              <a:buNone/>
-            </a:pPr>
-            <a:endParaRPr sz="1200">
-              <a:latin typeface="Roboto Mono"/>
-              <a:ea typeface="Roboto Mono"/>
-              <a:cs typeface="Roboto Mono"/>
               <a:sym typeface="Roboto Mono"/>
             </a:endParaRPr>
           </a:p>
@@ -20776,14 +20719,251 @@
       </p:sp>
       <p:sp>
         <p:nvSpPr>
-          <p:cNvPr id="194" name="Google Shape;194;p38"/>
+          <p:cNvPr id="6" name="TextBox 5">
+            <a:extLst>
+              <a:ext uri="{FF2B5EF4-FFF2-40B4-BE49-F238E27FC236}">
+                <a16:creationId xmlns:a16="http://schemas.microsoft.com/office/drawing/2014/main" id="{2658119D-BD61-4DF9-BB70-10649A5880E5}"/>
+              </a:ext>
+            </a:extLst>
+          </p:cNvPr>
           <p:cNvSpPr txBox="1"/>
           <p:nvPr/>
         </p:nvSpPr>
         <p:spPr>
           <a:xfrm>
-            <a:off x="75200" y="1072225"/>
-            <a:ext cx="8547000" cy="3269100"/>
+            <a:off x="374574" y="3784276"/>
+            <a:ext cx="8394852" cy="1200329"/>
+          </a:xfrm>
+          <a:prstGeom prst="rect">
+            <a:avLst/>
+          </a:prstGeom>
+          <a:noFill/>
+        </p:spPr>
+        <p:txBody>
+          <a:bodyPr wrap="square" rtlCol="0">
+            <a:spAutoFit/>
+          </a:bodyPr>
+          <a:lstStyle/>
+          <a:p>
+            <a:pPr marL="171450" indent="-171450">
+              <a:buFont typeface="Symbol" panose="05050102010706020507" pitchFamily="18" charset="2"/>
+              <a:buChar char="·"/>
+            </a:pPr>
+            <a:r>
+              <a:rPr lang="en-US" sz="1200" dirty="0">
+                <a:latin typeface="Roboto Mono" panose="020B0604020202020204" charset="0"/>
+                <a:ea typeface="Roboto Mono" panose="020B0604020202020204" charset="0"/>
+              </a:rPr>
+              <a:t>We have followed these papers: </a:t>
+            </a:r>
+            <a:r>
+              <a:rPr lang="en-US" sz="1200" dirty="0">
+                <a:latin typeface="Roboto Mono" panose="020B0604020202020204" charset="0"/>
+                <a:ea typeface="Roboto Mono" panose="020B0604020202020204" charset="0"/>
+                <a:hlinkClick r:id="rId4"/>
+              </a:rPr>
+              <a:t>CascadeTabNet</a:t>
+            </a:r>
+            <a:r>
+              <a:rPr lang="en-US" sz="1200" dirty="0">
+                <a:latin typeface="Roboto Mono" panose="020B0604020202020204" charset="0"/>
+                <a:ea typeface="Roboto Mono" panose="020B0604020202020204" charset="0"/>
+              </a:rPr>
+              <a:t>, </a:t>
+            </a:r>
+            <a:r>
+              <a:rPr lang="en-US" sz="1200" dirty="0">
+                <a:latin typeface="Roboto Mono" panose="020B0604020202020204" charset="0"/>
+                <a:ea typeface="Roboto Mono" panose="020B0604020202020204" charset="0"/>
+                <a:hlinkClick r:id="rId5"/>
+              </a:rPr>
+              <a:t>Cascade Mask R-CNN</a:t>
+            </a:r>
+            <a:r>
+              <a:rPr lang="en-US" sz="1200" dirty="0">
+                <a:latin typeface="Roboto Mono" panose="020B0604020202020204" charset="0"/>
+                <a:ea typeface="Roboto Mono" panose="020B0604020202020204" charset="0"/>
+              </a:rPr>
+              <a:t> and </a:t>
+            </a:r>
+            <a:r>
+              <a:rPr lang="en-US" sz="1200" dirty="0">
+                <a:latin typeface="Roboto Mono" panose="020B0604020202020204" charset="0"/>
+                <a:ea typeface="Roboto Mono" panose="020B0604020202020204" charset="0"/>
+                <a:hlinkClick r:id="rId6"/>
+              </a:rPr>
+              <a:t>HRNet</a:t>
+            </a:r>
+            <a:r>
+              <a:rPr lang="en-US" sz="1200" dirty="0">
+                <a:latin typeface="Roboto Mono" panose="020B0604020202020204" charset="0"/>
+                <a:ea typeface="Roboto Mono" panose="020B0604020202020204" charset="0"/>
+              </a:rPr>
+              <a:t>.</a:t>
+            </a:r>
+          </a:p>
+          <a:p>
+            <a:pPr marL="171450" indent="-171450">
+              <a:buFont typeface="Symbol" panose="05050102010706020507" pitchFamily="18" charset="2"/>
+              <a:buChar char="·"/>
+            </a:pPr>
+            <a:endParaRPr lang="en-US" sz="1200" dirty="0">
+              <a:latin typeface="Roboto Mono" panose="020B0604020202020204" charset="0"/>
+              <a:ea typeface="Roboto Mono" panose="020B0604020202020204" charset="0"/>
+            </a:endParaRPr>
+          </a:p>
+          <a:p>
+            <a:pPr marL="171450" indent="-171450">
+              <a:buFont typeface="Symbol" panose="05050102010706020507" pitchFamily="18" charset="2"/>
+              <a:buChar char="·"/>
+            </a:pPr>
+            <a:r>
+              <a:rPr lang="en-US" sz="1200" dirty="0">
+                <a:latin typeface="Roboto Mono" panose="020B0604020202020204" charset="0"/>
+                <a:ea typeface="Roboto Mono" panose="020B0604020202020204" charset="0"/>
+              </a:rPr>
+              <a:t>The invoice is sent as an input image to the backbone CNN.</a:t>
+            </a:r>
+          </a:p>
+          <a:p>
+            <a:pPr marL="171450" indent="-171450">
+              <a:buFont typeface="Symbol" panose="05050102010706020507" pitchFamily="18" charset="2"/>
+              <a:buChar char="·"/>
+            </a:pPr>
+            <a:endParaRPr lang="en-US" sz="1200" dirty="0">
+              <a:latin typeface="Roboto Mono" panose="020B0604020202020204" charset="0"/>
+              <a:ea typeface="Roboto Mono" panose="020B0604020202020204" charset="0"/>
+            </a:endParaRPr>
+          </a:p>
+          <a:p>
+            <a:pPr marL="171450" indent="-171450">
+              <a:buFont typeface="Symbol" panose="05050102010706020507" pitchFamily="18" charset="2"/>
+              <a:buChar char="·"/>
+            </a:pPr>
+            <a:r>
+              <a:rPr lang="en-US" sz="1200" dirty="0">
+                <a:latin typeface="Roboto Mono" panose="020B0604020202020204" charset="0"/>
+                <a:ea typeface="Roboto Mono" panose="020B0604020202020204" charset="0"/>
+              </a:rPr>
+              <a:t>In our case, the backbone is High-Resolution Network (</a:t>
+            </a:r>
+            <a:r>
+              <a:rPr lang="en-US" sz="1200" dirty="0">
+                <a:latin typeface="Roboto Mono" panose="020B0604020202020204" charset="0"/>
+                <a:ea typeface="Roboto Mono" panose="020B0604020202020204" charset="0"/>
+                <a:hlinkClick r:id="rId6"/>
+              </a:rPr>
+              <a:t>HRNet</a:t>
+            </a:r>
+            <a:r>
+              <a:rPr lang="en-US" sz="1200" dirty="0">
+                <a:latin typeface="Roboto Mono" panose="020B0604020202020204" charset="0"/>
+                <a:ea typeface="Roboto Mono" panose="020B0604020202020204" charset="0"/>
+              </a:rPr>
+              <a:t>).</a:t>
+            </a:r>
+          </a:p>
+          <a:p>
+            <a:endParaRPr lang="en-US" sz="1200" dirty="0">
+              <a:latin typeface="Roboto Mono" panose="020B0604020202020204" charset="0"/>
+              <a:ea typeface="Roboto Mono" panose="020B0604020202020204" charset="0"/>
+            </a:endParaRPr>
+          </a:p>
+        </p:txBody>
+      </p:sp>
+      <p:pic>
+        <p:nvPicPr>
+          <p:cNvPr id="10" name="Picture 9" descr="A close up of a sign&#10;&#10;Description automatically generated">
+            <a:extLst>
+              <a:ext uri="{FF2B5EF4-FFF2-40B4-BE49-F238E27FC236}">
+                <a16:creationId xmlns:a16="http://schemas.microsoft.com/office/drawing/2014/main" id="{0D52F377-7690-4285-9B06-AD3776D0396E}"/>
+              </a:ext>
+            </a:extLst>
+          </p:cNvPr>
+          <p:cNvPicPr>
+            <a:picLocks noChangeAspect="1"/>
+          </p:cNvPicPr>
+          <p:nvPr/>
+        </p:nvPicPr>
+        <p:blipFill>
+          <a:blip r:embed="rId7"/>
+          <a:stretch>
+            <a:fillRect/>
+          </a:stretch>
+        </p:blipFill>
+        <p:spPr>
+          <a:xfrm>
+            <a:off x="999460" y="865275"/>
+            <a:ext cx="6786090" cy="2485714"/>
+          </a:xfrm>
+          <a:prstGeom prst="rect">
+            <a:avLst/>
+          </a:prstGeom>
+        </p:spPr>
+      </p:pic>
+    </p:spTree>
+  </p:cSld>
+  <p:clrMapOvr>
+    <a:masterClrMapping/>
+  </p:clrMapOvr>
+</p:sld>
+</file>
+
+<file path=ppt/slides/slide7.xml><?xml version="1.0" encoding="utf-8"?>
+<p:sld xmlns:a="http://schemas.openxmlformats.org/drawingml/2006/main" xmlns:r="http://schemas.openxmlformats.org/officeDocument/2006/relationships" xmlns:p="http://schemas.openxmlformats.org/presentationml/2006/main">
+  <p:cSld>
+    <p:spTree>
+      <p:nvGrpSpPr>
+        <p:cNvPr id="1" name="Shape 212"/>
+        <p:cNvGrpSpPr/>
+        <p:nvPr/>
+      </p:nvGrpSpPr>
+      <p:grpSpPr>
+        <a:xfrm>
+          <a:off x="0" y="0"/>
+          <a:ext cx="0" cy="0"/>
+          <a:chOff x="0" y="0"/>
+          <a:chExt cx="0" cy="0"/>
+        </a:xfrm>
+      </p:grpSpPr>
+      <p:pic>
+        <p:nvPicPr>
+          <p:cNvPr id="213" name="Google Shape;213;p41"/>
+          <p:cNvPicPr preferRelativeResize="0"/>
+          <p:nvPr/>
+        </p:nvPicPr>
+        <p:blipFill>
+          <a:blip r:embed="rId3">
+            <a:alphaModFix/>
+          </a:blip>
+          <a:stretch>
+            <a:fillRect/>
+          </a:stretch>
+        </p:blipFill>
+        <p:spPr>
+          <a:xfrm>
+            <a:off x="0" y="0"/>
+            <a:ext cx="9147578" cy="5143500"/>
+          </a:xfrm>
+          <a:prstGeom prst="rect">
+            <a:avLst/>
+          </a:prstGeom>
+          <a:noFill/>
+          <a:ln>
+            <a:noFill/>
+          </a:ln>
+        </p:spPr>
+      </p:pic>
+      <p:sp>
+        <p:nvSpPr>
+          <p:cNvPr id="214" name="Google Shape;214;p41"/>
+          <p:cNvSpPr txBox="1"/>
+          <p:nvPr/>
+        </p:nvSpPr>
+        <p:spPr>
+          <a:xfrm>
+            <a:off x="135875" y="145275"/>
+            <a:ext cx="7292100" cy="720000"/>
           </a:xfrm>
           <a:prstGeom prst="rect">
             <a:avLst/>
@@ -20794,7 +20974,7 @@
           </a:ln>
         </p:spPr>
         <p:txBody>
-          <a:bodyPr spcFirstLastPara="1" wrap="square" lIns="91425" tIns="91425" rIns="91425" bIns="91425" anchor="ctr" anchorCtr="0">
+          <a:bodyPr spcFirstLastPara="1" wrap="square" lIns="91425" tIns="91425" rIns="91425" bIns="91425" anchor="t" anchorCtr="0">
             <a:noAutofit/>
           </a:bodyPr>
           <a:lstStyle/>
@@ -20809,274 +20989,188 @@
               <a:buNone/>
             </a:pPr>
             <a:r>
-              <a:rPr lang="en" sz="1200">
+              <a:rPr lang="en" sz="2400" b="1" dirty="0">
                 <a:latin typeface="Roboto Mono"/>
                 <a:ea typeface="Roboto Mono"/>
                 <a:cs typeface="Roboto Mono"/>
                 <a:sym typeface="Roboto Mono"/>
               </a:rPr>
-              <a:t>Tech/ hardware architecture</a:t>
+              <a:t>Architecture</a:t>
             </a:r>
-            <a:endParaRPr sz="1200">
+            <a:endParaRPr sz="2400" b="1" dirty="0">
               <a:latin typeface="Roboto Mono"/>
               <a:ea typeface="Roboto Mono"/>
               <a:cs typeface="Roboto Mono"/>
               <a:sym typeface="Roboto Mono"/>
             </a:endParaRPr>
           </a:p>
+        </p:txBody>
+      </p:sp>
+      <p:sp>
+        <p:nvSpPr>
+          <p:cNvPr id="2" name="TextBox 1">
+            <a:extLst>
+              <a:ext uri="{FF2B5EF4-FFF2-40B4-BE49-F238E27FC236}">
+                <a16:creationId xmlns:a16="http://schemas.microsoft.com/office/drawing/2014/main" id="{90C488A0-C612-4D85-BF3D-3CDB01D8E365}"/>
+              </a:ext>
+            </a:extLst>
+          </p:cNvPr>
+          <p:cNvSpPr txBox="1"/>
+          <p:nvPr/>
+        </p:nvSpPr>
+        <p:spPr>
+          <a:xfrm>
+            <a:off x="135875" y="865275"/>
+            <a:ext cx="8394852" cy="3600986"/>
+          </a:xfrm>
+          <a:prstGeom prst="rect">
+            <a:avLst/>
+          </a:prstGeom>
+          <a:noFill/>
+        </p:spPr>
+        <p:txBody>
+          <a:bodyPr wrap="square" rtlCol="0">
+            <a:spAutoFit/>
+          </a:bodyPr>
+          <a:lstStyle/>
           <a:p>
-            <a:pPr marL="0" lvl="0" indent="0" algn="l" rtl="0">
-              <a:spcBef>
-                <a:spcPts val="0"/>
-              </a:spcBef>
-              <a:spcAft>
-                <a:spcPts val="0"/>
-              </a:spcAft>
-              <a:buNone/>
+            <a:pPr marL="171450" indent="-171450">
+              <a:buFont typeface="Symbol" panose="05050102010706020507" pitchFamily="18" charset="2"/>
+              <a:buChar char="·"/>
             </a:pPr>
-            <a:endParaRPr sz="1200">
-              <a:latin typeface="Roboto Mono"/>
-              <a:ea typeface="Roboto Mono"/>
-              <a:cs typeface="Roboto Mono"/>
-              <a:sym typeface="Roboto Mono"/>
+            <a:r>
+              <a:rPr lang="en-US" sz="1200" dirty="0">
+                <a:latin typeface="Roboto Mono" panose="020B0604020202020204" charset="0"/>
+                <a:ea typeface="Roboto Mono" panose="020B0604020202020204" charset="0"/>
+              </a:rPr>
+              <a:t>HRNet is a very recent technique to obtain high resolution features using interconnected parallel convolutions, which is best suited for tasks which demand good localization, making it the best backbone choice for our use-case.</a:t>
+            </a:r>
+          </a:p>
+          <a:p>
+            <a:endParaRPr lang="en-US" sz="1200" dirty="0">
+              <a:latin typeface="Roboto Mono" panose="020B0604020202020204" charset="0"/>
+              <a:ea typeface="Roboto Mono" panose="020B0604020202020204" charset="0"/>
             </a:endParaRPr>
           </a:p>
           <a:p>
-            <a:pPr marL="0" lvl="0" indent="0" algn="l" rtl="0">
-              <a:spcBef>
-                <a:spcPts val="0"/>
-              </a:spcBef>
-              <a:spcAft>
-                <a:spcPts val="0"/>
-              </a:spcAft>
-              <a:buNone/>
+            <a:pPr marL="171450" indent="-171450">
+              <a:buFont typeface="Symbol" panose="05050102010706020507" pitchFamily="18" charset="2"/>
+              <a:buChar char="·"/>
             </a:pPr>
-            <a:endParaRPr sz="1200">
-              <a:latin typeface="Roboto Mono"/>
-              <a:ea typeface="Roboto Mono"/>
-              <a:cs typeface="Roboto Mono"/>
-              <a:sym typeface="Roboto Mono"/>
+            <a:r>
+              <a:rPr lang="en-US" sz="1200" dirty="0">
+                <a:latin typeface="Roboto Mono" panose="020B0604020202020204" charset="0"/>
+                <a:ea typeface="Roboto Mono" panose="020B0604020202020204" charset="0"/>
+              </a:rPr>
+              <a:t>On the features produced by HRNetv2, we use a </a:t>
+            </a:r>
+            <a:r>
+              <a:rPr lang="en-US" sz="1200" dirty="0">
+                <a:latin typeface="Roboto Mono" panose="020B0604020202020204" charset="0"/>
+                <a:ea typeface="Roboto Mono" panose="020B0604020202020204" charset="0"/>
+                <a:hlinkClick r:id="rId4"/>
+              </a:rPr>
+              <a:t>Cascade Mask R-CNN</a:t>
+            </a:r>
+            <a:r>
+              <a:rPr lang="en-US" sz="1200" dirty="0">
+                <a:latin typeface="Roboto Mono" panose="020B0604020202020204" charset="0"/>
+                <a:ea typeface="Roboto Mono" panose="020B0604020202020204" charset="0"/>
+              </a:rPr>
+              <a:t> for instance segmentation, which helps to recognize the various instances of tables and the corresponding cells in the invoice.</a:t>
+            </a:r>
+          </a:p>
+          <a:p>
+            <a:pPr marL="171450" indent="-171450">
+              <a:buFont typeface="Symbol" panose="05050102010706020507" pitchFamily="18" charset="2"/>
+              <a:buChar char="·"/>
+            </a:pPr>
+            <a:endParaRPr lang="en-US" sz="1200" dirty="0">
+              <a:latin typeface="Roboto Mono" panose="020B0604020202020204" charset="0"/>
+              <a:ea typeface="Roboto Mono" panose="020B0604020202020204" charset="0"/>
             </a:endParaRPr>
           </a:p>
           <a:p>
-            <a:pPr marL="0" lvl="0" indent="0" algn="l" rtl="0">
-              <a:spcBef>
-                <a:spcPts val="0"/>
-              </a:spcBef>
-              <a:spcAft>
-                <a:spcPts val="0"/>
-              </a:spcAft>
-              <a:buNone/>
+            <a:pPr marL="171450" indent="-171450">
+              <a:buFont typeface="Symbol" panose="05050102010706020507" pitchFamily="18" charset="2"/>
+              <a:buChar char="·"/>
             </a:pPr>
-            <a:endParaRPr sz="1200">
-              <a:latin typeface="Roboto Mono"/>
-              <a:ea typeface="Roboto Mono"/>
-              <a:cs typeface="Roboto Mono"/>
-              <a:sym typeface="Roboto Mono"/>
+            <a:r>
+              <a:rPr lang="en-US" sz="1200" dirty="0">
+                <a:latin typeface="Roboto Mono" panose="020B0604020202020204" charset="0"/>
+                <a:ea typeface="Roboto Mono" panose="020B0604020202020204" charset="0"/>
+              </a:rPr>
+              <a:t>This feature map is scanned by a Region Proposal Network (RPN) to identify the regions of interest (region proposals).</a:t>
+            </a:r>
+          </a:p>
+          <a:p>
+            <a:pPr marL="171450" indent="-171450">
+              <a:buFont typeface="Symbol" panose="05050102010706020507" pitchFamily="18" charset="2"/>
+              <a:buChar char="·"/>
+            </a:pPr>
+            <a:endParaRPr lang="en-US" sz="1200" dirty="0">
+              <a:latin typeface="Roboto Mono" panose="020B0604020202020204" charset="0"/>
+              <a:ea typeface="Roboto Mono" panose="020B0604020202020204" charset="0"/>
             </a:endParaRPr>
           </a:p>
           <a:p>
-            <a:pPr marL="0" lvl="0" indent="0" algn="l" rtl="0">
-              <a:spcBef>
-                <a:spcPts val="0"/>
-              </a:spcBef>
-              <a:spcAft>
-                <a:spcPts val="0"/>
-              </a:spcAft>
-              <a:buNone/>
+            <a:pPr marL="171450" indent="-171450">
+              <a:buFont typeface="Symbol" panose="05050102010706020507" pitchFamily="18" charset="2"/>
+              <a:buChar char="·"/>
             </a:pPr>
-            <a:endParaRPr sz="1200">
-              <a:latin typeface="Roboto Mono"/>
-              <a:ea typeface="Roboto Mono"/>
-              <a:cs typeface="Roboto Mono"/>
-              <a:sym typeface="Roboto Mono"/>
+            <a:r>
+              <a:rPr lang="en-US" sz="1200" dirty="0">
+                <a:latin typeface="Roboto Mono" panose="020B0604020202020204" charset="0"/>
+                <a:ea typeface="Roboto Mono" panose="020B0604020202020204" charset="0"/>
+              </a:rPr>
+              <a:t>These proposals are then sent to </a:t>
+            </a:r>
+            <a:r>
+              <a:rPr lang="en-US" sz="1200" dirty="0" err="1">
+                <a:latin typeface="Roboto Mono" panose="020B0604020202020204" charset="0"/>
+                <a:ea typeface="Roboto Mono" panose="020B0604020202020204" charset="0"/>
+              </a:rPr>
+              <a:t>RoI</a:t>
+            </a:r>
+            <a:r>
+              <a:rPr lang="en-US" sz="1200" dirty="0">
+                <a:latin typeface="Roboto Mono" panose="020B0604020202020204" charset="0"/>
+                <a:ea typeface="Roboto Mono" panose="020B0604020202020204" charset="0"/>
+              </a:rPr>
+              <a:t> Align layer followed by 3-step cascade classification and bounding-box regression layers. The classifiers are trained to identify the tables and the regression is performed to refine the boxes that contain tables.</a:t>
+            </a:r>
+          </a:p>
+          <a:p>
+            <a:pPr marL="171450" indent="-171450">
+              <a:buFont typeface="Symbol" panose="05050102010706020507" pitchFamily="18" charset="2"/>
+              <a:buChar char="·"/>
+            </a:pPr>
+            <a:endParaRPr lang="en-US" sz="1200" dirty="0">
+              <a:latin typeface="Roboto Mono" panose="020B0604020202020204" charset="0"/>
+              <a:ea typeface="Roboto Mono" panose="020B0604020202020204" charset="0"/>
             </a:endParaRPr>
           </a:p>
           <a:p>
-            <a:pPr marL="0" lvl="0" indent="0" algn="l" rtl="0">
-              <a:spcBef>
-                <a:spcPts val="0"/>
-              </a:spcBef>
-              <a:spcAft>
-                <a:spcPts val="0"/>
-              </a:spcAft>
-              <a:buNone/>
+            <a:pPr marL="171450" indent="-171450">
+              <a:buFont typeface="Symbol" panose="05050102010706020507" pitchFamily="18" charset="2"/>
+              <a:buChar char="·"/>
             </a:pPr>
-            <a:endParaRPr sz="1200">
-              <a:latin typeface="Roboto Mono"/>
-              <a:ea typeface="Roboto Mono"/>
-              <a:cs typeface="Roboto Mono"/>
-              <a:sym typeface="Roboto Mono"/>
-            </a:endParaRPr>
+            <a:r>
+              <a:rPr lang="en-US" sz="1200" dirty="0">
+                <a:latin typeface="Roboto Mono" panose="020B0604020202020204" charset="0"/>
+                <a:ea typeface="Roboto Mono" panose="020B0604020202020204" charset="0"/>
+              </a:rPr>
+              <a:t>In the last step of Cascade R-CNN, an instance segmentation mask is predicted which helps to differentiate between different tables in the invoice at pixel-level.</a:t>
+            </a:r>
           </a:p>
           <a:p>
-            <a:pPr marL="0" lvl="0" indent="0" algn="l" rtl="0">
-              <a:spcBef>
-                <a:spcPts val="0"/>
-              </a:spcBef>
-              <a:spcAft>
-                <a:spcPts val="0"/>
-              </a:spcAft>
-              <a:buNone/>
+            <a:pPr marL="171450" indent="-171450">
+              <a:buFont typeface="Symbol" panose="05050102010706020507" pitchFamily="18" charset="2"/>
+              <a:buChar char="·"/>
             </a:pPr>
-            <a:endParaRPr sz="1200">
-              <a:latin typeface="Roboto Mono"/>
-              <a:ea typeface="Roboto Mono"/>
-              <a:cs typeface="Roboto Mono"/>
-              <a:sym typeface="Roboto Mono"/>
-            </a:endParaRPr>
-          </a:p>
-          <a:p>
-            <a:pPr marL="0" lvl="0" indent="0" algn="l" rtl="0">
-              <a:spcBef>
-                <a:spcPts val="0"/>
-              </a:spcBef>
-              <a:spcAft>
-                <a:spcPts val="0"/>
-              </a:spcAft>
-              <a:buNone/>
-            </a:pPr>
-            <a:endParaRPr sz="1200">
-              <a:latin typeface="Roboto Mono"/>
-              <a:ea typeface="Roboto Mono"/>
-              <a:cs typeface="Roboto Mono"/>
-              <a:sym typeface="Roboto Mono"/>
-            </a:endParaRPr>
-          </a:p>
-          <a:p>
-            <a:pPr marL="0" lvl="0" indent="0" algn="l" rtl="0">
-              <a:spcBef>
-                <a:spcPts val="0"/>
-              </a:spcBef>
-              <a:spcAft>
-                <a:spcPts val="0"/>
-              </a:spcAft>
-              <a:buNone/>
-            </a:pPr>
-            <a:endParaRPr sz="1200">
-              <a:latin typeface="Roboto Mono"/>
-              <a:ea typeface="Roboto Mono"/>
-              <a:cs typeface="Roboto Mono"/>
-              <a:sym typeface="Roboto Mono"/>
-            </a:endParaRPr>
-          </a:p>
-          <a:p>
-            <a:pPr marL="0" lvl="0" indent="0" algn="l" rtl="0">
-              <a:spcBef>
-                <a:spcPts val="0"/>
-              </a:spcBef>
-              <a:spcAft>
-                <a:spcPts val="0"/>
-              </a:spcAft>
-              <a:buNone/>
-            </a:pPr>
-            <a:endParaRPr sz="1200">
-              <a:latin typeface="Roboto Mono"/>
-              <a:ea typeface="Roboto Mono"/>
-              <a:cs typeface="Roboto Mono"/>
-              <a:sym typeface="Roboto Mono"/>
-            </a:endParaRPr>
-          </a:p>
-          <a:p>
-            <a:pPr marL="0" lvl="0" indent="0" algn="l" rtl="0">
-              <a:spcBef>
-                <a:spcPts val="0"/>
-              </a:spcBef>
-              <a:spcAft>
-                <a:spcPts val="0"/>
-              </a:spcAft>
-              <a:buNone/>
-            </a:pPr>
-            <a:endParaRPr sz="1200">
-              <a:latin typeface="Roboto Mono"/>
-              <a:ea typeface="Roboto Mono"/>
-              <a:cs typeface="Roboto Mono"/>
-              <a:sym typeface="Roboto Mono"/>
-            </a:endParaRPr>
-          </a:p>
-          <a:p>
-            <a:pPr marL="0" lvl="0" indent="0" algn="l" rtl="0">
-              <a:spcBef>
-                <a:spcPts val="0"/>
-              </a:spcBef>
-              <a:spcAft>
-                <a:spcPts val="0"/>
-              </a:spcAft>
-              <a:buNone/>
-            </a:pPr>
-            <a:endParaRPr sz="1200">
-              <a:latin typeface="Roboto Mono"/>
-              <a:ea typeface="Roboto Mono"/>
-              <a:cs typeface="Roboto Mono"/>
-              <a:sym typeface="Roboto Mono"/>
-            </a:endParaRPr>
-          </a:p>
-          <a:p>
-            <a:pPr marL="0" lvl="0" indent="0" algn="l" rtl="0">
-              <a:spcBef>
-                <a:spcPts val="0"/>
-              </a:spcBef>
-              <a:spcAft>
-                <a:spcPts val="0"/>
-              </a:spcAft>
-              <a:buNone/>
-            </a:pPr>
-            <a:endParaRPr sz="1200">
-              <a:latin typeface="Roboto Mono"/>
-              <a:ea typeface="Roboto Mono"/>
-              <a:cs typeface="Roboto Mono"/>
-              <a:sym typeface="Roboto Mono"/>
-            </a:endParaRPr>
-          </a:p>
-          <a:p>
-            <a:pPr marL="0" lvl="0" indent="0" algn="l" rtl="0">
-              <a:spcBef>
-                <a:spcPts val="0"/>
-              </a:spcBef>
-              <a:spcAft>
-                <a:spcPts val="0"/>
-              </a:spcAft>
-              <a:buNone/>
-            </a:pPr>
-            <a:endParaRPr sz="1200">
-              <a:latin typeface="Roboto Mono"/>
-              <a:ea typeface="Roboto Mono"/>
-              <a:cs typeface="Roboto Mono"/>
-              <a:sym typeface="Roboto Mono"/>
-            </a:endParaRPr>
-          </a:p>
-          <a:p>
-            <a:pPr marL="0" lvl="0" indent="0" algn="l" rtl="0">
-              <a:spcBef>
-                <a:spcPts val="0"/>
-              </a:spcBef>
-              <a:spcAft>
-                <a:spcPts val="0"/>
-              </a:spcAft>
-              <a:buNone/>
-            </a:pPr>
-            <a:endParaRPr sz="1200">
-              <a:latin typeface="Roboto Mono"/>
-              <a:ea typeface="Roboto Mono"/>
-              <a:cs typeface="Roboto Mono"/>
-              <a:sym typeface="Roboto Mono"/>
-            </a:endParaRPr>
-          </a:p>
-          <a:p>
-            <a:pPr marL="0" lvl="0" indent="0" algn="l" rtl="0">
-              <a:spcBef>
-                <a:spcPts val="0"/>
-              </a:spcBef>
-              <a:spcAft>
-                <a:spcPts val="0"/>
-              </a:spcAft>
-              <a:buNone/>
-            </a:pPr>
-            <a:endParaRPr sz="1200">
-              <a:latin typeface="Roboto Mono"/>
-              <a:ea typeface="Roboto Mono"/>
-              <a:cs typeface="Roboto Mono"/>
-              <a:sym typeface="Roboto Mono"/>
+            <a:endParaRPr lang="en-US" sz="1200" dirty="0">
+              <a:latin typeface="Roboto Mono" panose="020B0604020202020204" charset="0"/>
+              <a:ea typeface="Roboto Mono" panose="020B0604020202020204" charset="0"/>
             </a:endParaRPr>
           </a:p>
         </p:txBody>
@@ -21089,7 +21183,299 @@
 </p:sld>
 </file>
 
-<file path=ppt/slides/slide7.xml><?xml version="1.0" encoding="utf-8"?>
+<file path=ppt/slides/slide8.xml><?xml version="1.0" encoding="utf-8"?>
+<p:sld xmlns:a="http://schemas.openxmlformats.org/drawingml/2006/main" xmlns:r="http://schemas.openxmlformats.org/officeDocument/2006/relationships" xmlns:p="http://schemas.openxmlformats.org/presentationml/2006/main">
+  <p:cSld>
+    <p:spTree>
+      <p:nvGrpSpPr>
+        <p:cNvPr id="1" name="Shape 226"/>
+        <p:cNvGrpSpPr/>
+        <p:nvPr/>
+      </p:nvGrpSpPr>
+      <p:grpSpPr>
+        <a:xfrm>
+          <a:off x="0" y="0"/>
+          <a:ext cx="0" cy="0"/>
+          <a:chOff x="0" y="0"/>
+          <a:chExt cx="0" cy="0"/>
+        </a:xfrm>
+      </p:grpSpPr>
+      <p:pic>
+        <p:nvPicPr>
+          <p:cNvPr id="227" name="Google Shape;227;p43"/>
+          <p:cNvPicPr preferRelativeResize="0"/>
+          <p:nvPr/>
+        </p:nvPicPr>
+        <p:blipFill>
+          <a:blip r:embed="rId3">
+            <a:alphaModFix/>
+          </a:blip>
+          <a:stretch>
+            <a:fillRect/>
+          </a:stretch>
+        </p:blipFill>
+        <p:spPr>
+          <a:xfrm>
+            <a:off x="0" y="0"/>
+            <a:ext cx="9147578" cy="5143500"/>
+          </a:xfrm>
+          <a:prstGeom prst="rect">
+            <a:avLst/>
+          </a:prstGeom>
+          <a:noFill/>
+          <a:ln>
+            <a:noFill/>
+          </a:ln>
+        </p:spPr>
+      </p:pic>
+      <p:sp>
+        <p:nvSpPr>
+          <p:cNvPr id="228" name="Google Shape;228;p43"/>
+          <p:cNvSpPr txBox="1"/>
+          <p:nvPr/>
+        </p:nvSpPr>
+        <p:spPr>
+          <a:xfrm>
+            <a:off x="135875" y="145275"/>
+            <a:ext cx="7292100" cy="720000"/>
+          </a:xfrm>
+          <a:prstGeom prst="rect">
+            <a:avLst/>
+          </a:prstGeom>
+          <a:noFill/>
+          <a:ln>
+            <a:noFill/>
+          </a:ln>
+        </p:spPr>
+        <p:txBody>
+          <a:bodyPr spcFirstLastPara="1" wrap="square" lIns="91425" tIns="91425" rIns="91425" bIns="91425" anchor="t" anchorCtr="0">
+            <a:noAutofit/>
+          </a:bodyPr>
+          <a:lstStyle/>
+          <a:p>
+            <a:pPr marL="0" lvl="0" indent="0" algn="l" rtl="0">
+              <a:spcBef>
+                <a:spcPts val="0"/>
+              </a:spcBef>
+              <a:spcAft>
+                <a:spcPts val="0"/>
+              </a:spcAft>
+              <a:buNone/>
+            </a:pPr>
+            <a:r>
+              <a:rPr lang="en" sz="2400" b="1" dirty="0">
+                <a:latin typeface="Roboto Mono"/>
+                <a:ea typeface="Roboto Mono"/>
+                <a:cs typeface="Roboto Mono"/>
+                <a:sym typeface="Roboto Mono"/>
+              </a:rPr>
+              <a:t>Architecture</a:t>
+            </a:r>
+            <a:endParaRPr sz="2400" b="1" dirty="0">
+              <a:latin typeface="Roboto Mono"/>
+              <a:ea typeface="Roboto Mono"/>
+              <a:cs typeface="Roboto Mono"/>
+              <a:sym typeface="Roboto Mono"/>
+            </a:endParaRPr>
+          </a:p>
+        </p:txBody>
+      </p:sp>
+      <p:sp>
+        <p:nvSpPr>
+          <p:cNvPr id="2" name="TextBox 1">
+            <a:extLst>
+              <a:ext uri="{FF2B5EF4-FFF2-40B4-BE49-F238E27FC236}">
+                <a16:creationId xmlns:a16="http://schemas.microsoft.com/office/drawing/2014/main" id="{62C44994-D59D-419A-BF84-DD6880DF758F}"/>
+              </a:ext>
+            </a:extLst>
+          </p:cNvPr>
+          <p:cNvSpPr txBox="1"/>
+          <p:nvPr/>
+        </p:nvSpPr>
+        <p:spPr>
+          <a:xfrm>
+            <a:off x="135875" y="865275"/>
+            <a:ext cx="8394852" cy="2677656"/>
+          </a:xfrm>
+          <a:prstGeom prst="rect">
+            <a:avLst/>
+          </a:prstGeom>
+          <a:noFill/>
+        </p:spPr>
+        <p:txBody>
+          <a:bodyPr wrap="square" rtlCol="0">
+            <a:spAutoFit/>
+          </a:bodyPr>
+          <a:lstStyle/>
+          <a:p>
+            <a:pPr marL="171450" indent="-171450">
+              <a:buFont typeface="Symbol" panose="05050102010706020507" pitchFamily="18" charset="2"/>
+              <a:buChar char="·"/>
+            </a:pPr>
+            <a:r>
+              <a:rPr lang="en-US" sz="1200" dirty="0">
+                <a:latin typeface="Roboto Mono" panose="020B0604020202020204" charset="0"/>
+                <a:ea typeface="Roboto Mono" panose="020B0604020202020204" charset="0"/>
+              </a:rPr>
+              <a:t>In the second iteration, the model is again fine-tuned on a smaller dataset to accomplish a more specific task of classifying tables as </a:t>
+            </a:r>
+            <a:r>
+              <a:rPr lang="en-US" sz="1200" b="1" dirty="0">
+                <a:latin typeface="Roboto Mono" panose="020B0604020202020204" charset="0"/>
+                <a:ea typeface="Roboto Mono" panose="020B0604020202020204" charset="0"/>
+              </a:rPr>
+              <a:t>bordered </a:t>
+            </a:r>
+            <a:r>
+              <a:rPr lang="en-US" sz="1200" dirty="0">
+                <a:latin typeface="Roboto Mono" panose="020B0604020202020204" charset="0"/>
+                <a:ea typeface="Roboto Mono" panose="020B0604020202020204" charset="0"/>
+              </a:rPr>
+              <a:t>or </a:t>
+            </a:r>
+            <a:r>
+              <a:rPr lang="en-US" sz="1200" b="1" dirty="0">
+                <a:latin typeface="Roboto Mono" panose="020B0604020202020204" charset="0"/>
+                <a:ea typeface="Roboto Mono" panose="020B0604020202020204" charset="0"/>
+              </a:rPr>
+              <a:t>borderless</a:t>
+            </a:r>
+            <a:r>
+              <a:rPr lang="en-US" sz="1200" dirty="0">
+                <a:latin typeface="Roboto Mono" panose="020B0604020202020204" charset="0"/>
+                <a:ea typeface="Roboto Mono" panose="020B0604020202020204" charset="0"/>
+              </a:rPr>
+              <a:t> and predicting the cell masks in </a:t>
+            </a:r>
+            <a:r>
+              <a:rPr lang="en-US" sz="1200" b="1" dirty="0">
+                <a:latin typeface="Roboto Mono" panose="020B0604020202020204" charset="0"/>
+                <a:ea typeface="Roboto Mono" panose="020B0604020202020204" charset="0"/>
+              </a:rPr>
+              <a:t>borderless</a:t>
+            </a:r>
+            <a:r>
+              <a:rPr lang="en-US" sz="1200" dirty="0">
+                <a:latin typeface="Roboto Mono" panose="020B0604020202020204" charset="0"/>
+                <a:ea typeface="Roboto Mono" panose="020B0604020202020204" charset="0"/>
+              </a:rPr>
+              <a:t> tables.</a:t>
+            </a:r>
+          </a:p>
+          <a:p>
+            <a:pPr marL="171450" indent="-171450">
+              <a:buFont typeface="Symbol" panose="05050102010706020507" pitchFamily="18" charset="2"/>
+              <a:buChar char="·"/>
+            </a:pPr>
+            <a:endParaRPr lang="en-US" sz="1200" dirty="0">
+              <a:latin typeface="Roboto Mono" panose="020B0604020202020204" charset="0"/>
+              <a:ea typeface="Roboto Mono" panose="020B0604020202020204" charset="0"/>
+            </a:endParaRPr>
+          </a:p>
+          <a:p>
+            <a:pPr marL="171450" indent="-171450">
+              <a:buFont typeface="Symbol" panose="05050102010706020507" pitchFamily="18" charset="2"/>
+              <a:buChar char="·"/>
+            </a:pPr>
+            <a:r>
+              <a:rPr lang="en-US" sz="1200" dirty="0">
+                <a:latin typeface="Roboto Mono" panose="020B0604020202020204" charset="0"/>
+                <a:ea typeface="Roboto Mono" panose="020B0604020202020204" charset="0"/>
+              </a:rPr>
+              <a:t>Cell masks in bordered tables are predicted using simple edge-detection techniques.</a:t>
+            </a:r>
+            <a:endParaRPr lang="en-US" sz="1200" b="1" dirty="0">
+              <a:latin typeface="Roboto Mono" panose="020B0604020202020204" charset="0"/>
+              <a:ea typeface="Roboto Mono" panose="020B0604020202020204" charset="0"/>
+            </a:endParaRPr>
+          </a:p>
+          <a:p>
+            <a:pPr marL="171450" indent="-171450">
+              <a:buFont typeface="Symbol" panose="05050102010706020507" pitchFamily="18" charset="2"/>
+              <a:buChar char="·"/>
+            </a:pPr>
+            <a:endParaRPr lang="en-US" sz="1200" dirty="0">
+              <a:latin typeface="Roboto Mono" panose="020B0604020202020204" charset="0"/>
+              <a:ea typeface="Roboto Mono" panose="020B0604020202020204" charset="0"/>
+            </a:endParaRPr>
+          </a:p>
+          <a:p>
+            <a:pPr marL="171450" indent="-171450">
+              <a:buFont typeface="Symbol" panose="05050102010706020507" pitchFamily="18" charset="2"/>
+              <a:buChar char="·"/>
+            </a:pPr>
+            <a:r>
+              <a:rPr lang="en-US" sz="1200" dirty="0">
+                <a:latin typeface="Roboto Mono" panose="020B0604020202020204" charset="0"/>
+                <a:ea typeface="Roboto Mono" panose="020B0604020202020204" charset="0"/>
+              </a:rPr>
+              <a:t>From these segmented cell masks, we detect and recognize the respective text through an existing OCR (Optical Character Recognition) SaaS software. </a:t>
+            </a:r>
+          </a:p>
+          <a:p>
+            <a:pPr marL="171450" indent="-171450">
+              <a:buFont typeface="Symbol" panose="05050102010706020507" pitchFamily="18" charset="2"/>
+              <a:buChar char="·"/>
+            </a:pPr>
+            <a:endParaRPr lang="en-US" sz="1200" dirty="0">
+              <a:latin typeface="Roboto Mono" panose="020B0604020202020204" charset="0"/>
+              <a:ea typeface="Roboto Mono" panose="020B0604020202020204" charset="0"/>
+            </a:endParaRPr>
+          </a:p>
+          <a:p>
+            <a:pPr marL="171450" indent="-171450">
+              <a:buFont typeface="Symbol" panose="05050102010706020507" pitchFamily="18" charset="2"/>
+              <a:buChar char="·"/>
+            </a:pPr>
+            <a:r>
+              <a:rPr lang="en-US" sz="1200" dirty="0">
+                <a:latin typeface="Roboto Mono" panose="020B0604020202020204" charset="0"/>
+                <a:ea typeface="Roboto Mono" panose="020B0604020202020204" charset="0"/>
+              </a:rPr>
+              <a:t>We plan to use Tesseract OCR, which is deep learning-based OCR and is significantly more accurate.</a:t>
+            </a:r>
+          </a:p>
+          <a:p>
+            <a:pPr marL="171450" indent="-171450">
+              <a:buFont typeface="Symbol" panose="05050102010706020507" pitchFamily="18" charset="2"/>
+              <a:buChar char="·"/>
+            </a:pPr>
+            <a:endParaRPr lang="en-US" sz="1200" dirty="0">
+              <a:latin typeface="Roboto Mono" panose="020B0604020202020204" charset="0"/>
+              <a:ea typeface="Roboto Mono" panose="020B0604020202020204" charset="0"/>
+            </a:endParaRPr>
+          </a:p>
+          <a:p>
+            <a:pPr marL="171450" indent="-171450">
+              <a:buFont typeface="Symbol" panose="05050102010706020507" pitchFamily="18" charset="2"/>
+              <a:buChar char="·"/>
+            </a:pPr>
+            <a:endParaRPr lang="en-US" sz="1200" dirty="0">
+              <a:latin typeface="Roboto Mono" panose="020B0604020202020204" charset="0"/>
+              <a:ea typeface="Roboto Mono" panose="020B0604020202020204" charset="0"/>
+            </a:endParaRPr>
+          </a:p>
+          <a:p>
+            <a:pPr marL="171450" indent="-171450">
+              <a:buFont typeface="Symbol" panose="05050102010706020507" pitchFamily="18" charset="2"/>
+              <a:buChar char="·"/>
+            </a:pPr>
+            <a:endParaRPr lang="en-US" sz="1200" b="1" dirty="0">
+              <a:latin typeface="Roboto Mono" panose="020B0604020202020204" charset="0"/>
+              <a:ea typeface="Roboto Mono" panose="020B0604020202020204" charset="0"/>
+            </a:endParaRPr>
+          </a:p>
+        </p:txBody>
+      </p:sp>
+    </p:spTree>
+  </p:cSld>
+  <p:clrMapOvr>
+    <a:masterClrMapping/>
+  </p:clrMapOvr>
+</p:sld>
+</file>
+
+<file path=ppt/slides/slide9.xml><?xml version="1.0" encoding="utf-8"?>
 <p:sld xmlns:a="http://schemas.openxmlformats.org/drawingml/2006/main" xmlns:r="http://schemas.openxmlformats.org/officeDocument/2006/relationships" xmlns:p="http://schemas.openxmlformats.org/presentationml/2006/main">
   <p:cSld>
     <p:spTree>
@@ -21169,7 +21555,7 @@
               <a:buNone/>
             </a:pPr>
             <a:r>
-              <a:rPr lang="en" sz="2400" b="1">
+              <a:rPr lang="en" sz="2400" b="1" dirty="0">
                 <a:latin typeface="Roboto Mono"/>
                 <a:ea typeface="Roboto Mono"/>
                 <a:cs typeface="Roboto Mono"/>
@@ -21177,7 +21563,7 @@
               </a:rPr>
               <a:t>Brief on Programming Module</a:t>
             </a:r>
-            <a:endParaRPr sz="2400" b="1">
+            <a:endParaRPr sz="2400" b="1" dirty="0">
               <a:latin typeface="Roboto Mono"/>
               <a:ea typeface="Roboto Mono"/>
               <a:cs typeface="Roboto Mono"/>
@@ -21188,1135 +21574,185 @@
       </p:sp>
       <p:sp>
         <p:nvSpPr>
-          <p:cNvPr id="201" name="Google Shape;201;p39"/>
+          <p:cNvPr id="2" name="TextBox 1">
+            <a:extLst>
+              <a:ext uri="{FF2B5EF4-FFF2-40B4-BE49-F238E27FC236}">
+                <a16:creationId xmlns:a16="http://schemas.microsoft.com/office/drawing/2014/main" id="{340D21D3-87B5-48D3-8F91-BBE046232590}"/>
+              </a:ext>
+            </a:extLst>
+          </p:cNvPr>
           <p:cNvSpPr txBox="1"/>
           <p:nvPr/>
         </p:nvSpPr>
         <p:spPr>
           <a:xfrm>
-            <a:off x="75200" y="1072225"/>
-            <a:ext cx="8547000" cy="3269100"/>
+            <a:off x="135875" y="872050"/>
+            <a:ext cx="8646618" cy="3231654"/>
           </a:xfrm>
           <a:prstGeom prst="rect">
             <a:avLst/>
           </a:prstGeom>
           <a:noFill/>
-          <a:ln>
-            <a:noFill/>
-          </a:ln>
         </p:spPr>
         <p:txBody>
-          <a:bodyPr spcFirstLastPara="1" wrap="square" lIns="91425" tIns="91425" rIns="91425" bIns="91425" anchor="ctr" anchorCtr="0">
-            <a:noAutofit/>
+          <a:bodyPr wrap="square" rtlCol="0">
+            <a:spAutoFit/>
           </a:bodyPr>
           <a:lstStyle/>
           <a:p>
-            <a:pPr marL="0" lvl="0" indent="0" algn="l" rtl="0">
-              <a:spcBef>
-                <a:spcPts val="0"/>
-              </a:spcBef>
-              <a:spcAft>
-                <a:spcPts val="0"/>
-              </a:spcAft>
-              <a:buNone/>
+            <a:r>
+              <a:rPr lang="en-US" sz="1200" b="1" dirty="0">
+                <a:latin typeface="Roboto Mono" panose="020B0604020202020204" charset="0"/>
+                <a:ea typeface="Roboto Mono" panose="020B0604020202020204" charset="0"/>
+              </a:rPr>
+              <a:t>Programming Language:</a:t>
+            </a:r>
+            <a:r>
+              <a:rPr lang="en-US" sz="1200" dirty="0">
+                <a:latin typeface="Roboto Mono" panose="020B0604020202020204" charset="0"/>
+                <a:ea typeface="Roboto Mono" panose="020B0604020202020204" charset="0"/>
+              </a:rPr>
+              <a:t> Python 3.7 with PyTorch, mmdetection and OpenCV.</a:t>
+            </a:r>
+          </a:p>
+          <a:p>
+            <a:pPr marL="171450" indent="-171450">
+              <a:buFont typeface="Symbol" panose="05050102010706020507" pitchFamily="18" charset="2"/>
+              <a:buChar char=""/>
             </a:pPr>
-            <a:endParaRPr sz="1200">
-              <a:latin typeface="Roboto Mono"/>
-              <a:ea typeface="Roboto Mono"/>
-              <a:cs typeface="Roboto Mono"/>
-              <a:sym typeface="Roboto Mono"/>
+            <a:endParaRPr lang="en-US" sz="1200" dirty="0">
+              <a:latin typeface="Roboto Mono" panose="020B0604020202020204" charset="0"/>
+              <a:ea typeface="Roboto Mono" panose="020B0604020202020204" charset="0"/>
             </a:endParaRPr>
           </a:p>
           <a:p>
-            <a:pPr marL="0" lvl="0" indent="0" algn="l" rtl="0">
-              <a:spcBef>
-                <a:spcPts val="0"/>
-              </a:spcBef>
-              <a:spcAft>
-                <a:spcPts val="0"/>
-              </a:spcAft>
-              <a:buNone/>
-            </a:pPr>
-            <a:endParaRPr sz="1200">
-              <a:latin typeface="Roboto Mono"/>
-              <a:ea typeface="Roboto Mono"/>
-              <a:cs typeface="Roboto Mono"/>
-              <a:sym typeface="Roboto Mono"/>
+            <a:r>
+              <a:rPr lang="en-US" sz="1200" b="1" dirty="0">
+                <a:latin typeface="Roboto Mono" panose="020B0604020202020204" charset="0"/>
+                <a:ea typeface="Roboto Mono" panose="020B0604020202020204" charset="0"/>
+              </a:rPr>
+              <a:t>Software Modules:</a:t>
+            </a:r>
+          </a:p>
+          <a:p>
+            <a:endParaRPr lang="en-US" sz="1200" b="1" dirty="0">
+              <a:latin typeface="Roboto Mono" panose="020B0604020202020204" charset="0"/>
+              <a:ea typeface="Roboto Mono" panose="020B0604020202020204" charset="0"/>
             </a:endParaRPr>
           </a:p>
           <a:p>
-            <a:pPr marL="0" lvl="0" indent="0" algn="l" rtl="0">
-              <a:spcBef>
-                <a:spcPts val="0"/>
-              </a:spcBef>
-              <a:spcAft>
-                <a:spcPts val="0"/>
-              </a:spcAft>
-              <a:buNone/>
+            <a:pPr marL="285750" indent="-285750">
+              <a:buFont typeface="+mj-lt"/>
+              <a:buAutoNum type="arabicParenR"/>
             </a:pPr>
-            <a:endParaRPr sz="1200">
-              <a:latin typeface="Roboto Mono"/>
-              <a:ea typeface="Roboto Mono"/>
-              <a:cs typeface="Roboto Mono"/>
-              <a:sym typeface="Roboto Mono"/>
+            <a:r>
+              <a:rPr lang="en-US" sz="1200" dirty="0">
+                <a:latin typeface="Roboto Mono" panose="020B0604020202020204" charset="0"/>
+                <a:ea typeface="Roboto Mono" panose="020B0604020202020204" charset="0"/>
+                <a:hlinkClick r:id="rId4"/>
+              </a:rPr>
+              <a:t>mmdetection</a:t>
+            </a:r>
+            <a:r>
+              <a:rPr lang="en-US" sz="1200" dirty="0">
+                <a:latin typeface="Roboto Mono" panose="020B0604020202020204" charset="0"/>
+                <a:ea typeface="Roboto Mono" panose="020B0604020202020204" charset="0"/>
+              </a:rPr>
+              <a:t> is an open source object detection toolbox based on PyTorch which contains HRNetV2 and Cascade Mask R-CNN models trained on ImageNet. </a:t>
+            </a:r>
+          </a:p>
+          <a:p>
+            <a:pPr marL="285750" indent="-285750">
+              <a:buFont typeface="+mj-lt"/>
+              <a:buAutoNum type="arabicParenR"/>
+            </a:pPr>
+            <a:endParaRPr lang="en-US" sz="1200" dirty="0">
+              <a:latin typeface="Roboto Mono" panose="020B0604020202020204" charset="0"/>
+              <a:ea typeface="Roboto Mono" panose="020B0604020202020204" charset="0"/>
             </a:endParaRPr>
           </a:p>
           <a:p>
-            <a:pPr marL="457200" lvl="0" indent="-304800" algn="l" rtl="0">
-              <a:spcBef>
-                <a:spcPts val="0"/>
-              </a:spcBef>
-              <a:spcAft>
-                <a:spcPts val="0"/>
-              </a:spcAft>
-              <a:buSzPts val="1200"/>
-              <a:buFont typeface="Roboto Mono"/>
-              <a:buChar char="●"/>
+            <a:pPr marL="285750" indent="-285750">
+              <a:buFont typeface="+mj-lt"/>
+              <a:buAutoNum type="arabicParenR"/>
             </a:pPr>
             <a:r>
-              <a:rPr lang="en" sz="1200">
-                <a:latin typeface="Roboto Mono"/>
-                <a:ea typeface="Roboto Mono"/>
-                <a:cs typeface="Roboto Mono"/>
-                <a:sym typeface="Roboto Mono"/>
+              <a:rPr lang="en-US" sz="1200" dirty="0">
+                <a:latin typeface="Roboto Mono" panose="020B0604020202020204" charset="0"/>
+                <a:ea typeface="Roboto Mono" panose="020B0604020202020204" charset="0"/>
               </a:rPr>
-              <a:t>What programming language will be used?</a:t>
+              <a:t>We will use HRNetV2 and Cascade Mask R-CNN models from this toolbox and then fine-tune them over Table Detection datasets that we have considered (mentioned in an earlier slide).</a:t>
             </a:r>
-            <a:endParaRPr sz="1200">
-              <a:latin typeface="Roboto Mono"/>
-              <a:ea typeface="Roboto Mono"/>
-              <a:cs typeface="Roboto Mono"/>
-              <a:sym typeface="Roboto Mono"/>
+          </a:p>
+          <a:p>
+            <a:pPr marL="285750" indent="-285750">
+              <a:buFont typeface="+mj-lt"/>
+              <a:buAutoNum type="arabicParenR"/>
+            </a:pPr>
+            <a:endParaRPr lang="en-US" sz="1200" dirty="0">
+              <a:latin typeface="Roboto Mono" panose="020B0604020202020204" charset="0"/>
+              <a:ea typeface="Roboto Mono" panose="020B0604020202020204" charset="0"/>
             </a:endParaRPr>
           </a:p>
           <a:p>
-            <a:pPr marL="457200" lvl="0" indent="-304800" algn="l" rtl="0">
-              <a:spcBef>
-                <a:spcPts val="0"/>
-              </a:spcBef>
-              <a:spcAft>
-                <a:spcPts val="0"/>
-              </a:spcAft>
-              <a:buSzPts val="1200"/>
-              <a:buFont typeface="Roboto Mono"/>
-              <a:buChar char="●"/>
+            <a:pPr marL="285750" indent="-285750">
+              <a:buFont typeface="+mj-lt"/>
+              <a:buAutoNum type="arabicParenR"/>
             </a:pPr>
             <a:r>
-              <a:rPr lang="en" sz="1200">
-                <a:latin typeface="Roboto Mono"/>
-                <a:ea typeface="Roboto Mono"/>
-                <a:cs typeface="Roboto Mono"/>
-                <a:sym typeface="Roboto Mono"/>
+              <a:rPr lang="en-US" sz="1200" dirty="0">
+                <a:latin typeface="Roboto Mono" panose="020B0604020202020204" charset="0"/>
+                <a:ea typeface="Roboto Mono" panose="020B0604020202020204" charset="0"/>
               </a:rPr>
-              <a:t>What all software modules will be built?</a:t>
+              <a:t>After the text is recognized through OCR, we’ll then build …</a:t>
             </a:r>
-            <a:endParaRPr sz="1200">
-              <a:latin typeface="Roboto Mono"/>
-              <a:ea typeface="Roboto Mono"/>
-              <a:cs typeface="Roboto Mono"/>
-              <a:sym typeface="Roboto Mono"/>
+          </a:p>
+          <a:p>
+            <a:pPr marL="285750" indent="-285750">
+              <a:buFont typeface="+mj-lt"/>
+              <a:buAutoNum type="arabicParenR"/>
+            </a:pPr>
+            <a:endParaRPr lang="en-US" sz="1200" dirty="0">
+              <a:latin typeface="Roboto Mono" panose="020B0604020202020204" charset="0"/>
+              <a:ea typeface="Roboto Mono" panose="020B0604020202020204" charset="0"/>
             </a:endParaRPr>
           </a:p>
           <a:p>
-            <a:pPr marL="457200" lvl="0" indent="-304800" algn="l" rtl="0">
-              <a:spcBef>
-                <a:spcPts val="0"/>
-              </a:spcBef>
-              <a:spcAft>
-                <a:spcPts val="0"/>
-              </a:spcAft>
-              <a:buSzPts val="1200"/>
-              <a:buFont typeface="Roboto Mono"/>
-              <a:buChar char="●"/>
-            </a:pPr>
             <a:r>
-              <a:rPr lang="en" sz="1200">
-                <a:latin typeface="Roboto Mono"/>
-                <a:ea typeface="Roboto Mono"/>
-                <a:cs typeface="Roboto Mono"/>
-                <a:sym typeface="Roboto Mono"/>
+              <a:rPr lang="en-US" sz="1200" b="1" dirty="0">
+                <a:latin typeface="Roboto Mono" panose="020B0604020202020204" charset="0"/>
+                <a:ea typeface="Roboto Mono" panose="020B0604020202020204" charset="0"/>
               </a:rPr>
-              <a:t>What will be the integration methodology with existing SAAS softwares</a:t>
+              <a:t>Integration with existing SaaS softwares:</a:t>
             </a:r>
-            <a:endParaRPr sz="1200">
-              <a:latin typeface="Roboto Mono"/>
-              <a:ea typeface="Roboto Mono"/>
-              <a:cs typeface="Roboto Mono"/>
-              <a:sym typeface="Roboto Mono"/>
+          </a:p>
+          <a:p>
+            <a:endParaRPr lang="en-US" sz="1200" b="1" dirty="0">
+              <a:latin typeface="Roboto Mono" panose="020B0604020202020204" charset="0"/>
+              <a:ea typeface="Roboto Mono" panose="020B0604020202020204" charset="0"/>
             </a:endParaRPr>
           </a:p>
           <a:p>
-            <a:pPr marL="0" lvl="0" indent="0" algn="l" rtl="0">
-              <a:spcBef>
-                <a:spcPts val="0"/>
-              </a:spcBef>
-              <a:spcAft>
-                <a:spcPts val="0"/>
-              </a:spcAft>
-              <a:buNone/>
+            <a:pPr marL="228600" indent="-228600">
+              <a:buFont typeface="+mj-lt"/>
+              <a:buAutoNum type="arabicParenR"/>
             </a:pPr>
-            <a:endParaRPr sz="1200">
-              <a:latin typeface="Roboto Mono"/>
-              <a:ea typeface="Roboto Mono"/>
-              <a:cs typeface="Roboto Mono"/>
-              <a:sym typeface="Roboto Mono"/>
-            </a:endParaRPr>
+            <a:r>
+              <a:rPr lang="en-US" sz="1200" dirty="0">
+                <a:latin typeface="Roboto Mono" panose="020B0604020202020204" charset="0"/>
+                <a:ea typeface="Roboto Mono" panose="020B0604020202020204" charset="0"/>
+              </a:rPr>
+              <a:t>WIP</a:t>
+            </a:r>
           </a:p>
           <a:p>
-            <a:pPr marL="0" lvl="0" indent="0" algn="l" rtl="0">
-              <a:spcBef>
-                <a:spcPts val="0"/>
-              </a:spcBef>
-              <a:spcAft>
-                <a:spcPts val="0"/>
-              </a:spcAft>
-              <a:buNone/>
+            <a:pPr marL="171450" indent="-171450">
+              <a:buFont typeface="Symbol" panose="05050102010706020507" pitchFamily="18" charset="2"/>
+              <a:buChar char=""/>
             </a:pPr>
-            <a:endParaRPr sz="1200">
-              <a:latin typeface="Roboto Mono"/>
-              <a:ea typeface="Roboto Mono"/>
-              <a:cs typeface="Roboto Mono"/>
-              <a:sym typeface="Roboto Mono"/>
-            </a:endParaRPr>
-          </a:p>
-          <a:p>
-            <a:pPr marL="0" lvl="0" indent="0" algn="l" rtl="0">
-              <a:spcBef>
-                <a:spcPts val="0"/>
-              </a:spcBef>
-              <a:spcAft>
-                <a:spcPts val="0"/>
-              </a:spcAft>
-              <a:buNone/>
-            </a:pPr>
-            <a:endParaRPr sz="1200">
-              <a:latin typeface="Roboto Mono"/>
-              <a:ea typeface="Roboto Mono"/>
-              <a:cs typeface="Roboto Mono"/>
-              <a:sym typeface="Roboto Mono"/>
-            </a:endParaRPr>
-          </a:p>
-          <a:p>
-            <a:pPr marL="0" lvl="0" indent="0" algn="l" rtl="0">
-              <a:spcBef>
-                <a:spcPts val="0"/>
-              </a:spcBef>
-              <a:spcAft>
-                <a:spcPts val="0"/>
-              </a:spcAft>
-              <a:buNone/>
-            </a:pPr>
-            <a:endParaRPr sz="1200">
-              <a:latin typeface="Roboto Mono"/>
-              <a:ea typeface="Roboto Mono"/>
-              <a:cs typeface="Roboto Mono"/>
-              <a:sym typeface="Roboto Mono"/>
-            </a:endParaRPr>
-          </a:p>
-          <a:p>
-            <a:pPr marL="0" lvl="0" indent="0" algn="l" rtl="0">
-              <a:spcBef>
-                <a:spcPts val="0"/>
-              </a:spcBef>
-              <a:spcAft>
-                <a:spcPts val="0"/>
-              </a:spcAft>
-              <a:buNone/>
-            </a:pPr>
-            <a:endParaRPr sz="1200">
-              <a:latin typeface="Roboto Mono"/>
-              <a:ea typeface="Roboto Mono"/>
-              <a:cs typeface="Roboto Mono"/>
-              <a:sym typeface="Roboto Mono"/>
-            </a:endParaRPr>
-          </a:p>
-          <a:p>
-            <a:pPr marL="0" lvl="0" indent="0" algn="l" rtl="0">
-              <a:spcBef>
-                <a:spcPts val="0"/>
-              </a:spcBef>
-              <a:spcAft>
-                <a:spcPts val="0"/>
-              </a:spcAft>
-              <a:buNone/>
-            </a:pPr>
-            <a:endParaRPr sz="1200">
-              <a:latin typeface="Roboto Mono"/>
-              <a:ea typeface="Roboto Mono"/>
-              <a:cs typeface="Roboto Mono"/>
-              <a:sym typeface="Roboto Mono"/>
-            </a:endParaRPr>
-          </a:p>
-          <a:p>
-            <a:pPr marL="0" lvl="0" indent="0" algn="l" rtl="0">
-              <a:spcBef>
-                <a:spcPts val="0"/>
-              </a:spcBef>
-              <a:spcAft>
-                <a:spcPts val="0"/>
-              </a:spcAft>
-              <a:buNone/>
-            </a:pPr>
-            <a:endParaRPr sz="1200">
-              <a:latin typeface="Roboto Mono"/>
-              <a:ea typeface="Roboto Mono"/>
-              <a:cs typeface="Roboto Mono"/>
-              <a:sym typeface="Roboto Mono"/>
-            </a:endParaRPr>
-          </a:p>
-          <a:p>
-            <a:pPr marL="0" lvl="0" indent="0" algn="l" rtl="0">
-              <a:spcBef>
-                <a:spcPts val="0"/>
-              </a:spcBef>
-              <a:spcAft>
-                <a:spcPts val="0"/>
-              </a:spcAft>
-              <a:buNone/>
-            </a:pPr>
-            <a:endParaRPr sz="1200">
-              <a:latin typeface="Roboto Mono"/>
-              <a:ea typeface="Roboto Mono"/>
-              <a:cs typeface="Roboto Mono"/>
-              <a:sym typeface="Roboto Mono"/>
-            </a:endParaRPr>
-          </a:p>
-          <a:p>
-            <a:pPr marL="0" lvl="0" indent="0" algn="l" rtl="0">
-              <a:spcBef>
-                <a:spcPts val="0"/>
-              </a:spcBef>
-              <a:spcAft>
-                <a:spcPts val="0"/>
-              </a:spcAft>
-              <a:buNone/>
-            </a:pPr>
-            <a:endParaRPr sz="1200">
-              <a:latin typeface="Roboto Mono"/>
-              <a:ea typeface="Roboto Mono"/>
-              <a:cs typeface="Roboto Mono"/>
-              <a:sym typeface="Roboto Mono"/>
-            </a:endParaRPr>
-          </a:p>
-          <a:p>
-            <a:pPr marL="0" lvl="0" indent="0" algn="l" rtl="0">
-              <a:spcBef>
-                <a:spcPts val="0"/>
-              </a:spcBef>
-              <a:spcAft>
-                <a:spcPts val="0"/>
-              </a:spcAft>
-              <a:buNone/>
-            </a:pPr>
-            <a:endParaRPr sz="1200">
-              <a:latin typeface="Roboto Mono"/>
-              <a:ea typeface="Roboto Mono"/>
-              <a:cs typeface="Roboto Mono"/>
-              <a:sym typeface="Roboto Mono"/>
-            </a:endParaRPr>
-          </a:p>
-          <a:p>
-            <a:pPr marL="0" lvl="0" indent="0" algn="l" rtl="0">
-              <a:spcBef>
-                <a:spcPts val="0"/>
-              </a:spcBef>
-              <a:spcAft>
-                <a:spcPts val="0"/>
-              </a:spcAft>
-              <a:buNone/>
-            </a:pPr>
-            <a:endParaRPr sz="1200">
-              <a:latin typeface="Roboto Mono"/>
-              <a:ea typeface="Roboto Mono"/>
-              <a:cs typeface="Roboto Mono"/>
-              <a:sym typeface="Roboto Mono"/>
-            </a:endParaRPr>
-          </a:p>
-          <a:p>
-            <a:pPr marL="0" lvl="0" indent="0" algn="l" rtl="0">
-              <a:spcBef>
-                <a:spcPts val="0"/>
-              </a:spcBef>
-              <a:spcAft>
-                <a:spcPts val="0"/>
-              </a:spcAft>
-              <a:buNone/>
-            </a:pPr>
-            <a:endParaRPr sz="1200">
-              <a:latin typeface="Roboto Mono"/>
-              <a:ea typeface="Roboto Mono"/>
-              <a:cs typeface="Roboto Mono"/>
-              <a:sym typeface="Roboto Mono"/>
-            </a:endParaRPr>
-          </a:p>
-          <a:p>
-            <a:pPr marL="0" lvl="0" indent="0" algn="l" rtl="0">
-              <a:spcBef>
-                <a:spcPts val="0"/>
-              </a:spcBef>
-              <a:spcAft>
-                <a:spcPts val="0"/>
-              </a:spcAft>
-              <a:buNone/>
-            </a:pPr>
-            <a:endParaRPr sz="1200">
-              <a:latin typeface="Roboto Mono"/>
-              <a:ea typeface="Roboto Mono"/>
-              <a:cs typeface="Roboto Mono"/>
-              <a:sym typeface="Roboto Mono"/>
-            </a:endParaRPr>
-          </a:p>
-          <a:p>
-            <a:pPr marL="0" lvl="0" indent="0" algn="l" rtl="0">
-              <a:spcBef>
-                <a:spcPts val="0"/>
-              </a:spcBef>
-              <a:spcAft>
-                <a:spcPts val="0"/>
-              </a:spcAft>
-              <a:buNone/>
-            </a:pPr>
-            <a:endParaRPr sz="1200">
-              <a:latin typeface="Roboto Mono"/>
-              <a:ea typeface="Roboto Mono"/>
-              <a:cs typeface="Roboto Mono"/>
-              <a:sym typeface="Roboto Mono"/>
-            </a:endParaRPr>
-          </a:p>
-          <a:p>
-            <a:pPr marL="0" lvl="0" indent="0" algn="l" rtl="0">
-              <a:spcBef>
-                <a:spcPts val="0"/>
-              </a:spcBef>
-              <a:spcAft>
-                <a:spcPts val="0"/>
-              </a:spcAft>
-              <a:buNone/>
-            </a:pPr>
-            <a:endParaRPr sz="1200">
-              <a:latin typeface="Roboto Mono"/>
-              <a:ea typeface="Roboto Mono"/>
-              <a:cs typeface="Roboto Mono"/>
-              <a:sym typeface="Roboto Mono"/>
-            </a:endParaRPr>
-          </a:p>
-          <a:p>
-            <a:pPr marL="0" lvl="0" indent="0" algn="l" rtl="0">
-              <a:spcBef>
-                <a:spcPts val="0"/>
-              </a:spcBef>
-              <a:spcAft>
-                <a:spcPts val="0"/>
-              </a:spcAft>
-              <a:buNone/>
-            </a:pPr>
-            <a:endParaRPr sz="1200">
-              <a:latin typeface="Roboto Mono"/>
-              <a:ea typeface="Roboto Mono"/>
-              <a:cs typeface="Roboto Mono"/>
-              <a:sym typeface="Roboto Mono"/>
-            </a:endParaRPr>
-          </a:p>
-          <a:p>
-            <a:pPr marL="0" lvl="0" indent="0" algn="l" rtl="0">
-              <a:spcBef>
-                <a:spcPts val="0"/>
-              </a:spcBef>
-              <a:spcAft>
-                <a:spcPts val="0"/>
-              </a:spcAft>
-              <a:buNone/>
-            </a:pPr>
-            <a:endParaRPr sz="1200">
-              <a:latin typeface="Roboto Mono"/>
-              <a:ea typeface="Roboto Mono"/>
-              <a:cs typeface="Roboto Mono"/>
-              <a:sym typeface="Roboto Mono"/>
-            </a:endParaRPr>
-          </a:p>
-        </p:txBody>
-      </p:sp>
-    </p:spTree>
-  </p:cSld>
-  <p:clrMapOvr>
-    <a:masterClrMapping/>
-  </p:clrMapOvr>
-</p:sld>
-</file>
-
-<file path=ppt/slides/slide8.xml><?xml version="1.0" encoding="utf-8"?>
-<p:sld xmlns:a="http://schemas.openxmlformats.org/drawingml/2006/main" xmlns:r="http://schemas.openxmlformats.org/officeDocument/2006/relationships" xmlns:p="http://schemas.openxmlformats.org/presentationml/2006/main">
-  <p:cSld>
-    <p:spTree>
-      <p:nvGrpSpPr>
-        <p:cNvPr id="1" name="Shape 205"/>
-        <p:cNvGrpSpPr/>
-        <p:nvPr/>
-      </p:nvGrpSpPr>
-      <p:grpSpPr>
-        <a:xfrm>
-          <a:off x="0" y="0"/>
-          <a:ext cx="0" cy="0"/>
-          <a:chOff x="0" y="0"/>
-          <a:chExt cx="0" cy="0"/>
-        </a:xfrm>
-      </p:grpSpPr>
-      <p:pic>
-        <p:nvPicPr>
-          <p:cNvPr id="206" name="Google Shape;206;p40"/>
-          <p:cNvPicPr preferRelativeResize="0"/>
-          <p:nvPr/>
-        </p:nvPicPr>
-        <p:blipFill>
-          <a:blip r:embed="rId3">
-            <a:alphaModFix/>
-          </a:blip>
-          <a:stretch>
-            <a:fillRect/>
-          </a:stretch>
-        </p:blipFill>
-        <p:spPr>
-          <a:xfrm>
-            <a:off x="0" y="0"/>
-            <a:ext cx="9147578" cy="5143500"/>
-          </a:xfrm>
-          <a:prstGeom prst="rect">
-            <a:avLst/>
-          </a:prstGeom>
-          <a:noFill/>
-          <a:ln>
-            <a:noFill/>
-          </a:ln>
-        </p:spPr>
-      </p:pic>
-      <p:sp>
-        <p:nvSpPr>
-          <p:cNvPr id="207" name="Google Shape;207;p40"/>
-          <p:cNvSpPr txBox="1"/>
-          <p:nvPr/>
-        </p:nvSpPr>
-        <p:spPr>
-          <a:xfrm>
-            <a:off x="135875" y="145275"/>
-            <a:ext cx="7513800" cy="720000"/>
-          </a:xfrm>
-          <a:prstGeom prst="rect">
-            <a:avLst/>
-          </a:prstGeom>
-          <a:noFill/>
-          <a:ln>
-            <a:noFill/>
-          </a:ln>
-        </p:spPr>
-        <p:txBody>
-          <a:bodyPr spcFirstLastPara="1" wrap="square" lIns="91425" tIns="91425" rIns="91425" bIns="91425" anchor="t" anchorCtr="0">
-            <a:noAutofit/>
-          </a:bodyPr>
-          <a:lstStyle/>
-          <a:p>
-            <a:pPr marL="0" lvl="0" indent="0" algn="l" rtl="0">
-              <a:spcBef>
-                <a:spcPts val="0"/>
-              </a:spcBef>
-              <a:spcAft>
-                <a:spcPts val="0"/>
-              </a:spcAft>
-              <a:buNone/>
-            </a:pPr>
-            <a:r>
-              <a:rPr lang="en" sz="2400" b="1">
-                <a:latin typeface="Roboto Mono"/>
-                <a:ea typeface="Roboto Mono"/>
-                <a:cs typeface="Roboto Mono"/>
-                <a:sym typeface="Roboto Mono"/>
-              </a:rPr>
-              <a:t>Execution Plan</a:t>
-            </a:r>
-            <a:endParaRPr sz="2400" b="1">
-              <a:latin typeface="Roboto Mono"/>
-              <a:ea typeface="Roboto Mono"/>
-              <a:cs typeface="Roboto Mono"/>
-              <a:sym typeface="Roboto Mono"/>
-            </a:endParaRPr>
-          </a:p>
-        </p:txBody>
-      </p:sp>
-      <p:sp>
-        <p:nvSpPr>
-          <p:cNvPr id="208" name="Google Shape;208;p40"/>
-          <p:cNvSpPr txBox="1"/>
-          <p:nvPr/>
-        </p:nvSpPr>
-        <p:spPr>
-          <a:xfrm>
-            <a:off x="75200" y="1072225"/>
-            <a:ext cx="8547000" cy="3269100"/>
-          </a:xfrm>
-          <a:prstGeom prst="rect">
-            <a:avLst/>
-          </a:prstGeom>
-          <a:noFill/>
-          <a:ln>
-            <a:noFill/>
-          </a:ln>
-        </p:spPr>
-        <p:txBody>
-          <a:bodyPr spcFirstLastPara="1" wrap="square" lIns="91425" tIns="91425" rIns="91425" bIns="91425" anchor="ctr" anchorCtr="0">
-            <a:noAutofit/>
-          </a:bodyPr>
-          <a:lstStyle/>
-          <a:p>
-            <a:pPr marL="0" lvl="0" indent="0" algn="l" rtl="0">
-              <a:spcBef>
-                <a:spcPts val="0"/>
-              </a:spcBef>
-              <a:spcAft>
-                <a:spcPts val="0"/>
-              </a:spcAft>
-              <a:buNone/>
-            </a:pPr>
-            <a:endParaRPr sz="1200" dirty="0">
-              <a:latin typeface="Roboto Mono"/>
-              <a:ea typeface="Roboto Mono"/>
-              <a:cs typeface="Roboto Mono"/>
-              <a:sym typeface="Roboto Mono"/>
-            </a:endParaRPr>
-          </a:p>
-          <a:p>
-            <a:pPr marL="0" lvl="0" indent="0" algn="l" rtl="0">
-              <a:spcBef>
-                <a:spcPts val="0"/>
-              </a:spcBef>
-              <a:spcAft>
-                <a:spcPts val="0"/>
-              </a:spcAft>
-              <a:buNone/>
-            </a:pPr>
-            <a:endParaRPr sz="1200" dirty="0">
-              <a:latin typeface="Roboto Mono"/>
-              <a:ea typeface="Roboto Mono"/>
-              <a:cs typeface="Roboto Mono"/>
-              <a:sym typeface="Roboto Mono"/>
-            </a:endParaRPr>
-          </a:p>
-          <a:p>
-            <a:pPr marL="0" lvl="0" indent="0" algn="l" rtl="0">
-              <a:spcBef>
-                <a:spcPts val="0"/>
-              </a:spcBef>
-              <a:spcAft>
-                <a:spcPts val="0"/>
-              </a:spcAft>
-              <a:buNone/>
-            </a:pPr>
-            <a:endParaRPr sz="1200" dirty="0">
-              <a:latin typeface="Roboto Mono"/>
-              <a:ea typeface="Roboto Mono"/>
-              <a:cs typeface="Roboto Mono"/>
-              <a:sym typeface="Roboto Mono"/>
-            </a:endParaRPr>
-          </a:p>
-          <a:p>
-            <a:pPr marL="0" lvl="0" indent="0" algn="l" rtl="0">
-              <a:spcBef>
-                <a:spcPts val="0"/>
-              </a:spcBef>
-              <a:spcAft>
-                <a:spcPts val="0"/>
-              </a:spcAft>
-              <a:buNone/>
-            </a:pPr>
-            <a:r>
-              <a:rPr lang="en" sz="1200" dirty="0">
-                <a:latin typeface="Roboto Mono"/>
-                <a:ea typeface="Roboto Mono"/>
-                <a:cs typeface="Roboto Mono"/>
-                <a:sym typeface="Roboto Mono"/>
-              </a:rPr>
-              <a:t>High level action items in terms of what will be the steps from the drawing board to the actual prototype.</a:t>
-            </a:r>
-            <a:endParaRPr sz="1200" dirty="0">
-              <a:latin typeface="Roboto Mono"/>
-              <a:ea typeface="Roboto Mono"/>
-              <a:cs typeface="Roboto Mono"/>
-              <a:sym typeface="Roboto Mono"/>
-            </a:endParaRPr>
-          </a:p>
-          <a:p>
-            <a:pPr marL="0" lvl="0" indent="0" algn="l" rtl="0">
-              <a:spcBef>
-                <a:spcPts val="0"/>
-              </a:spcBef>
-              <a:spcAft>
-                <a:spcPts val="0"/>
-              </a:spcAft>
-              <a:buNone/>
-            </a:pPr>
-            <a:endParaRPr sz="1200" dirty="0">
-              <a:latin typeface="Roboto Mono"/>
-              <a:ea typeface="Roboto Mono"/>
-              <a:cs typeface="Roboto Mono"/>
-              <a:sym typeface="Roboto Mono"/>
-            </a:endParaRPr>
-          </a:p>
-          <a:p>
-            <a:pPr marL="0" lvl="0" indent="0" algn="l" rtl="0">
-              <a:spcBef>
-                <a:spcPts val="0"/>
-              </a:spcBef>
-              <a:spcAft>
-                <a:spcPts val="0"/>
-              </a:spcAft>
-              <a:buNone/>
-            </a:pPr>
-            <a:endParaRPr sz="1200" dirty="0">
-              <a:latin typeface="Roboto Mono"/>
-              <a:ea typeface="Roboto Mono"/>
-              <a:cs typeface="Roboto Mono"/>
-              <a:sym typeface="Roboto Mono"/>
-            </a:endParaRPr>
-          </a:p>
-          <a:p>
-            <a:pPr marL="0" lvl="0" indent="0" algn="l" rtl="0">
-              <a:spcBef>
-                <a:spcPts val="0"/>
-              </a:spcBef>
-              <a:spcAft>
-                <a:spcPts val="0"/>
-              </a:spcAft>
-              <a:buNone/>
-            </a:pPr>
-            <a:endParaRPr sz="1200" dirty="0">
-              <a:latin typeface="Roboto Mono"/>
-              <a:ea typeface="Roboto Mono"/>
-              <a:cs typeface="Roboto Mono"/>
-              <a:sym typeface="Roboto Mono"/>
-            </a:endParaRPr>
-          </a:p>
-          <a:p>
-            <a:pPr marL="0" lvl="0" indent="0" algn="l" rtl="0">
-              <a:spcBef>
-                <a:spcPts val="0"/>
-              </a:spcBef>
-              <a:spcAft>
-                <a:spcPts val="0"/>
-              </a:spcAft>
-              <a:buNone/>
-            </a:pPr>
-            <a:endParaRPr sz="1200" dirty="0">
-              <a:latin typeface="Roboto Mono"/>
-              <a:ea typeface="Roboto Mono"/>
-              <a:cs typeface="Roboto Mono"/>
-              <a:sym typeface="Roboto Mono"/>
-            </a:endParaRPr>
-          </a:p>
-          <a:p>
-            <a:pPr marL="0" lvl="0" indent="0" algn="l" rtl="0">
-              <a:spcBef>
-                <a:spcPts val="0"/>
-              </a:spcBef>
-              <a:spcAft>
-                <a:spcPts val="0"/>
-              </a:spcAft>
-              <a:buNone/>
-            </a:pPr>
-            <a:endParaRPr sz="1200" dirty="0">
-              <a:latin typeface="Roboto Mono"/>
-              <a:ea typeface="Roboto Mono"/>
-              <a:cs typeface="Roboto Mono"/>
-              <a:sym typeface="Roboto Mono"/>
-            </a:endParaRPr>
-          </a:p>
-          <a:p>
-            <a:pPr marL="0" lvl="0" indent="0" algn="l" rtl="0">
-              <a:spcBef>
-                <a:spcPts val="0"/>
-              </a:spcBef>
-              <a:spcAft>
-                <a:spcPts val="0"/>
-              </a:spcAft>
-              <a:buNone/>
-            </a:pPr>
-            <a:endParaRPr sz="1200" dirty="0">
-              <a:latin typeface="Roboto Mono"/>
-              <a:ea typeface="Roboto Mono"/>
-              <a:cs typeface="Roboto Mono"/>
-              <a:sym typeface="Roboto Mono"/>
-            </a:endParaRPr>
-          </a:p>
-          <a:p>
-            <a:pPr marL="0" lvl="0" indent="0" algn="l" rtl="0">
-              <a:spcBef>
-                <a:spcPts val="0"/>
-              </a:spcBef>
-              <a:spcAft>
-                <a:spcPts val="0"/>
-              </a:spcAft>
-              <a:buNone/>
-            </a:pPr>
-            <a:endParaRPr sz="1200" dirty="0">
-              <a:latin typeface="Roboto Mono"/>
-              <a:ea typeface="Roboto Mono"/>
-              <a:cs typeface="Roboto Mono"/>
-              <a:sym typeface="Roboto Mono"/>
-            </a:endParaRPr>
-          </a:p>
-          <a:p>
-            <a:pPr marL="0" lvl="0" indent="0" algn="l" rtl="0">
-              <a:spcBef>
-                <a:spcPts val="0"/>
-              </a:spcBef>
-              <a:spcAft>
-                <a:spcPts val="0"/>
-              </a:spcAft>
-              <a:buNone/>
-            </a:pPr>
-            <a:endParaRPr sz="1200" dirty="0">
-              <a:latin typeface="Roboto Mono"/>
-              <a:ea typeface="Roboto Mono"/>
-              <a:cs typeface="Roboto Mono"/>
-              <a:sym typeface="Roboto Mono"/>
-            </a:endParaRPr>
-          </a:p>
-          <a:p>
-            <a:pPr marL="0" lvl="0" indent="0" algn="l" rtl="0">
-              <a:spcBef>
-                <a:spcPts val="0"/>
-              </a:spcBef>
-              <a:spcAft>
-                <a:spcPts val="0"/>
-              </a:spcAft>
-              <a:buNone/>
-            </a:pPr>
-            <a:endParaRPr sz="1200" dirty="0">
-              <a:latin typeface="Roboto Mono"/>
-              <a:ea typeface="Roboto Mono"/>
-              <a:cs typeface="Roboto Mono"/>
-              <a:sym typeface="Roboto Mono"/>
-            </a:endParaRPr>
-          </a:p>
-          <a:p>
-            <a:pPr marL="0" lvl="0" indent="0" algn="l" rtl="0">
-              <a:spcBef>
-                <a:spcPts val="0"/>
-              </a:spcBef>
-              <a:spcAft>
-                <a:spcPts val="0"/>
-              </a:spcAft>
-              <a:buNone/>
-            </a:pPr>
-            <a:endParaRPr sz="1200" dirty="0">
-              <a:latin typeface="Roboto Mono"/>
-              <a:ea typeface="Roboto Mono"/>
-              <a:cs typeface="Roboto Mono"/>
-              <a:sym typeface="Roboto Mono"/>
-            </a:endParaRPr>
-          </a:p>
-          <a:p>
-            <a:pPr marL="0" lvl="0" indent="0" algn="l" rtl="0">
-              <a:spcBef>
-                <a:spcPts val="0"/>
-              </a:spcBef>
-              <a:spcAft>
-                <a:spcPts val="0"/>
-              </a:spcAft>
-              <a:buNone/>
-            </a:pPr>
-            <a:endParaRPr sz="1200" dirty="0">
-              <a:latin typeface="Roboto Mono"/>
-              <a:ea typeface="Roboto Mono"/>
-              <a:cs typeface="Roboto Mono"/>
-              <a:sym typeface="Roboto Mono"/>
-            </a:endParaRPr>
-          </a:p>
-          <a:p>
-            <a:pPr marL="0" lvl="0" indent="0" algn="l" rtl="0">
-              <a:spcBef>
-                <a:spcPts val="0"/>
-              </a:spcBef>
-              <a:spcAft>
-                <a:spcPts val="0"/>
-              </a:spcAft>
-              <a:buNone/>
-            </a:pPr>
-            <a:endParaRPr sz="1200" dirty="0">
-              <a:latin typeface="Roboto Mono"/>
-              <a:ea typeface="Roboto Mono"/>
-              <a:cs typeface="Roboto Mono"/>
-              <a:sym typeface="Roboto Mono"/>
-            </a:endParaRPr>
-          </a:p>
-          <a:p>
-            <a:pPr marL="0" lvl="0" indent="0" algn="l" rtl="0">
-              <a:spcBef>
-                <a:spcPts val="0"/>
-              </a:spcBef>
-              <a:spcAft>
-                <a:spcPts val="0"/>
-              </a:spcAft>
-              <a:buNone/>
-            </a:pPr>
-            <a:endParaRPr sz="1200" dirty="0">
-              <a:latin typeface="Roboto Mono"/>
-              <a:ea typeface="Roboto Mono"/>
-              <a:cs typeface="Roboto Mono"/>
-              <a:sym typeface="Roboto Mono"/>
-            </a:endParaRPr>
-          </a:p>
-          <a:p>
-            <a:pPr marL="0" lvl="0" indent="0" algn="l" rtl="0">
-              <a:spcBef>
-                <a:spcPts val="0"/>
-              </a:spcBef>
-              <a:spcAft>
-                <a:spcPts val="0"/>
-              </a:spcAft>
-              <a:buNone/>
-            </a:pPr>
-            <a:endParaRPr sz="1200" dirty="0">
-              <a:latin typeface="Roboto Mono"/>
-              <a:ea typeface="Roboto Mono"/>
-              <a:cs typeface="Roboto Mono"/>
-              <a:sym typeface="Roboto Mono"/>
-            </a:endParaRPr>
-          </a:p>
-          <a:p>
-            <a:pPr marL="0" lvl="0" indent="0" algn="l" rtl="0">
-              <a:spcBef>
-                <a:spcPts val="0"/>
-              </a:spcBef>
-              <a:spcAft>
-                <a:spcPts val="0"/>
-              </a:spcAft>
-              <a:buNone/>
-            </a:pPr>
-            <a:endParaRPr sz="1200" dirty="0">
-              <a:latin typeface="Roboto Mono"/>
-              <a:ea typeface="Roboto Mono"/>
-              <a:cs typeface="Roboto Mono"/>
-              <a:sym typeface="Roboto Mono"/>
-            </a:endParaRPr>
-          </a:p>
-          <a:p>
-            <a:pPr marL="0" lvl="0" indent="0" algn="l" rtl="0">
-              <a:spcBef>
-                <a:spcPts val="0"/>
-              </a:spcBef>
-              <a:spcAft>
-                <a:spcPts val="0"/>
-              </a:spcAft>
-              <a:buNone/>
-            </a:pPr>
-            <a:endParaRPr sz="1200" dirty="0">
-              <a:latin typeface="Roboto Mono"/>
-              <a:ea typeface="Roboto Mono"/>
-              <a:cs typeface="Roboto Mono"/>
-              <a:sym typeface="Roboto Mono"/>
-            </a:endParaRPr>
-          </a:p>
-          <a:p>
-            <a:pPr marL="0" lvl="0" indent="0" algn="l" rtl="0">
-              <a:spcBef>
-                <a:spcPts val="0"/>
-              </a:spcBef>
-              <a:spcAft>
-                <a:spcPts val="0"/>
-              </a:spcAft>
-              <a:buNone/>
-            </a:pPr>
-            <a:endParaRPr sz="1200" dirty="0">
-              <a:latin typeface="Roboto Mono"/>
-              <a:ea typeface="Roboto Mono"/>
-              <a:cs typeface="Roboto Mono"/>
-              <a:sym typeface="Roboto Mono"/>
-            </a:endParaRPr>
-          </a:p>
-          <a:p>
-            <a:pPr marL="0" lvl="0" indent="0" algn="l" rtl="0">
-              <a:spcBef>
-                <a:spcPts val="0"/>
-              </a:spcBef>
-              <a:spcAft>
-                <a:spcPts val="0"/>
-              </a:spcAft>
-              <a:buNone/>
-            </a:pPr>
-            <a:endParaRPr sz="1200" dirty="0">
-              <a:latin typeface="Roboto Mono"/>
-              <a:ea typeface="Roboto Mono"/>
-              <a:cs typeface="Roboto Mono"/>
-              <a:sym typeface="Roboto Mono"/>
-            </a:endParaRPr>
-          </a:p>
-          <a:p>
-            <a:pPr marL="0" lvl="0" indent="0" algn="l" rtl="0">
-              <a:spcBef>
-                <a:spcPts val="0"/>
-              </a:spcBef>
-              <a:spcAft>
-                <a:spcPts val="0"/>
-              </a:spcAft>
-              <a:buNone/>
-            </a:pPr>
-            <a:endParaRPr sz="1200" dirty="0">
-              <a:latin typeface="Roboto Mono"/>
-              <a:ea typeface="Roboto Mono"/>
-              <a:cs typeface="Roboto Mono"/>
-              <a:sym typeface="Roboto Mono"/>
-            </a:endParaRPr>
-          </a:p>
-        </p:txBody>
-      </p:sp>
-    </p:spTree>
-  </p:cSld>
-  <p:clrMapOvr>
-    <a:masterClrMapping/>
-  </p:clrMapOvr>
-</p:sld>
-</file>
-
-<file path=ppt/slides/slide9.xml><?xml version="1.0" encoding="utf-8"?>
-<p:sld xmlns:a="http://schemas.openxmlformats.org/drawingml/2006/main" xmlns:r="http://schemas.openxmlformats.org/officeDocument/2006/relationships" xmlns:p="http://schemas.openxmlformats.org/presentationml/2006/main">
-  <p:cSld>
-    <p:spTree>
-      <p:nvGrpSpPr>
-        <p:cNvPr id="1" name="Shape 212"/>
-        <p:cNvGrpSpPr/>
-        <p:nvPr/>
-      </p:nvGrpSpPr>
-      <p:grpSpPr>
-        <a:xfrm>
-          <a:off x="0" y="0"/>
-          <a:ext cx="0" cy="0"/>
-          <a:chOff x="0" y="0"/>
-          <a:chExt cx="0" cy="0"/>
-        </a:xfrm>
-      </p:grpSpPr>
-      <p:pic>
-        <p:nvPicPr>
-          <p:cNvPr id="213" name="Google Shape;213;p41"/>
-          <p:cNvPicPr preferRelativeResize="0"/>
-          <p:nvPr/>
-        </p:nvPicPr>
-        <p:blipFill>
-          <a:blip r:embed="rId3">
-            <a:alphaModFix/>
-          </a:blip>
-          <a:stretch>
-            <a:fillRect/>
-          </a:stretch>
-        </p:blipFill>
-        <p:spPr>
-          <a:xfrm>
-            <a:off x="0" y="0"/>
-            <a:ext cx="9147578" cy="5143500"/>
-          </a:xfrm>
-          <a:prstGeom prst="rect">
-            <a:avLst/>
-          </a:prstGeom>
-          <a:noFill/>
-          <a:ln>
-            <a:noFill/>
-          </a:ln>
-        </p:spPr>
-      </p:pic>
-      <p:sp>
-        <p:nvSpPr>
-          <p:cNvPr id="214" name="Google Shape;214;p41"/>
-          <p:cNvSpPr txBox="1"/>
-          <p:nvPr/>
-        </p:nvSpPr>
-        <p:spPr>
-          <a:xfrm>
-            <a:off x="135875" y="145275"/>
-            <a:ext cx="7292100" cy="720000"/>
-          </a:xfrm>
-          <a:prstGeom prst="rect">
-            <a:avLst/>
-          </a:prstGeom>
-          <a:noFill/>
-          <a:ln>
-            <a:noFill/>
-          </a:ln>
-        </p:spPr>
-        <p:txBody>
-          <a:bodyPr spcFirstLastPara="1" wrap="square" lIns="91425" tIns="91425" rIns="91425" bIns="91425" anchor="t" anchorCtr="0">
-            <a:noAutofit/>
-          </a:bodyPr>
-          <a:lstStyle/>
-          <a:p>
-            <a:pPr marL="0" lvl="0" indent="0" algn="l" rtl="0">
-              <a:spcBef>
-                <a:spcPts val="0"/>
-              </a:spcBef>
-              <a:spcAft>
-                <a:spcPts val="0"/>
-              </a:spcAft>
-              <a:buNone/>
-            </a:pPr>
-            <a:r>
-              <a:rPr lang="en" sz="2400" b="1">
-                <a:latin typeface="Roboto Mono"/>
-                <a:ea typeface="Roboto Mono"/>
-                <a:cs typeface="Roboto Mono"/>
-                <a:sym typeface="Roboto Mono"/>
-              </a:rPr>
-              <a:t>&lt;&lt;Extra: Slide#7&gt;&gt;</a:t>
-            </a:r>
-            <a:endParaRPr sz="2400" b="1">
-              <a:latin typeface="Roboto Mono"/>
-              <a:ea typeface="Roboto Mono"/>
-              <a:cs typeface="Roboto Mono"/>
-              <a:sym typeface="Roboto Mono"/>
-            </a:endParaRPr>
-          </a:p>
-        </p:txBody>
-      </p:sp>
-      <p:sp>
-        <p:nvSpPr>
-          <p:cNvPr id="215" name="Google Shape;215;p41"/>
-          <p:cNvSpPr txBox="1"/>
-          <p:nvPr/>
-        </p:nvSpPr>
-        <p:spPr>
-          <a:xfrm>
-            <a:off x="135875" y="1071750"/>
-            <a:ext cx="8372700" cy="3000000"/>
-          </a:xfrm>
-          <a:prstGeom prst="rect">
-            <a:avLst/>
-          </a:prstGeom>
-          <a:noFill/>
-          <a:ln>
-            <a:noFill/>
-          </a:ln>
-        </p:spPr>
-        <p:txBody>
-          <a:bodyPr spcFirstLastPara="1" wrap="square" lIns="91425" tIns="91425" rIns="91425" bIns="91425" anchor="t" anchorCtr="0">
-            <a:noAutofit/>
-          </a:bodyPr>
-          <a:lstStyle/>
-          <a:p>
-            <a:pPr marL="457200" marR="0" lvl="0" indent="0" algn="l" rtl="0">
-              <a:lnSpc>
-                <a:spcPct val="150000"/>
-              </a:lnSpc>
-              <a:spcBef>
-                <a:spcPts val="0"/>
-              </a:spcBef>
-              <a:spcAft>
-                <a:spcPts val="0"/>
-              </a:spcAft>
-              <a:buNone/>
-            </a:pPr>
-            <a:endParaRPr sz="2000" b="1">
-              <a:solidFill>
-                <a:schemeClr val="dk1"/>
-              </a:solidFill>
-              <a:latin typeface="Roboto Mono"/>
-              <a:ea typeface="Roboto Mono"/>
-              <a:cs typeface="Roboto Mono"/>
-              <a:sym typeface="Roboto Mono"/>
+            <a:endParaRPr lang="en-US" sz="1200" dirty="0">
+              <a:latin typeface="Roboto Mono" panose="020B0604020202020204" charset="0"/>
+              <a:ea typeface="Roboto Mono" panose="020B0604020202020204" charset="0"/>
             </a:endParaRPr>
           </a:p>
         </p:txBody>

--- a/Level 2/GRiD_ Electronic Invoicing using Image Processing_TwoAndAHalfMen_IISc.pptx
+++ b/Level 2/GRiD_ Electronic Invoicing using Image Processing_TwoAndAHalfMen_IISc.pptx
@@ -18011,7 +18011,7 @@
         <p:spPr>
           <a:xfrm>
             <a:off x="135875" y="865275"/>
-            <a:ext cx="8646618" cy="276999"/>
+            <a:ext cx="8646618" cy="3600986"/>
           </a:xfrm>
           <a:prstGeom prst="rect">
             <a:avLst/>
@@ -18029,12 +18029,183 @@
                 <a:latin typeface="Roboto Mono" panose="020B0604020202020204" charset="0"/>
                 <a:ea typeface="Roboto Mono" panose="020B0604020202020204" charset="0"/>
               </a:rPr>
-              <a:t>P</a:t>
+              <a:t>Dataset Preparation:</a:t>
             </a:r>
+          </a:p>
+          <a:p>
+            <a:pPr marL="171450" indent="-171450">
+              <a:buFont typeface="Symbol" panose="05050102010706020507" pitchFamily="18" charset="2"/>
+              <a:buChar char="·"/>
+            </a:pPr>
+            <a:r>
+              <a:rPr lang="en-US" sz="1200" dirty="0">
+                <a:latin typeface="Roboto Mono" panose="020B0604020202020204" charset="0"/>
+                <a:ea typeface="Roboto Mono" panose="020B0604020202020204" charset="0"/>
+              </a:rPr>
+              <a:t>We plan to combine data from multiple publicly available sources, namely, ICDAR-13, ICDAR-19, Marmot and a </a:t>
+            </a:r>
+            <a:r>
+              <a:rPr lang="en-US" sz="1200" dirty="0">
+                <a:latin typeface="Roboto Mono" panose="020B0604020202020204" charset="0"/>
+                <a:ea typeface="Roboto Mono" panose="020B0604020202020204" charset="0"/>
+                <a:hlinkClick r:id="rId4"/>
+              </a:rPr>
+              <a:t>custom</a:t>
+            </a:r>
+            <a:r>
+              <a:rPr lang="en-US" sz="1200" dirty="0">
+                <a:latin typeface="Roboto Mono" panose="020B0604020202020204" charset="0"/>
+                <a:ea typeface="Roboto Mono" panose="020B0604020202020204" charset="0"/>
+              </a:rPr>
+              <a:t> dataset, as indicated in the CascadeTabNet paper.</a:t>
+            </a:r>
+          </a:p>
+          <a:p>
+            <a:pPr marL="171450" indent="-171450">
+              <a:buFont typeface="Symbol" panose="05050102010706020507" pitchFamily="18" charset="2"/>
+              <a:buChar char="·"/>
+            </a:pPr>
             <a:endParaRPr lang="en-US" sz="1200" dirty="0">
               <a:latin typeface="Roboto Mono" panose="020B0604020202020204" charset="0"/>
               <a:ea typeface="Roboto Mono" panose="020B0604020202020204" charset="0"/>
             </a:endParaRPr>
+          </a:p>
+          <a:p>
+            <a:pPr marL="171450" indent="-171450">
+              <a:buFont typeface="Symbol" panose="05050102010706020507" pitchFamily="18" charset="2"/>
+              <a:buChar char="·"/>
+            </a:pPr>
+            <a:r>
+              <a:rPr lang="en-US" sz="1200" dirty="0">
+                <a:latin typeface="Roboto Mono" panose="020B0604020202020204" charset="0"/>
+                <a:ea typeface="Roboto Mono" panose="020B0604020202020204" charset="0"/>
+              </a:rPr>
+              <a:t>We plan to use this combined dataset as out training split for table detection and instance segmentation.</a:t>
+            </a:r>
+          </a:p>
+          <a:p>
+            <a:pPr marL="171450" indent="-171450">
+              <a:buFont typeface="Symbol" panose="05050102010706020507" pitchFamily="18" charset="2"/>
+              <a:buChar char="·"/>
+            </a:pPr>
+            <a:endParaRPr lang="en-US" sz="1200" dirty="0">
+              <a:latin typeface="Roboto Mono" panose="020B0604020202020204" charset="0"/>
+              <a:ea typeface="Roboto Mono" panose="020B0604020202020204" charset="0"/>
+            </a:endParaRPr>
+          </a:p>
+          <a:p>
+            <a:r>
+              <a:rPr lang="en-US" sz="1200" b="1" dirty="0">
+                <a:latin typeface="Roboto Mono" panose="020B0604020202020204" charset="0"/>
+                <a:ea typeface="Roboto Mono" panose="020B0604020202020204" charset="0"/>
+              </a:rPr>
+              <a:t>Dataset Augmentation:</a:t>
+            </a:r>
+          </a:p>
+          <a:p>
+            <a:pPr marL="171450" indent="-171450">
+              <a:buFont typeface="Symbol" panose="05050102010706020507" pitchFamily="18" charset="2"/>
+              <a:buChar char="·"/>
+            </a:pPr>
+            <a:r>
+              <a:rPr lang="en-US" sz="1200" dirty="0">
+                <a:latin typeface="Roboto Mono" panose="020B0604020202020204" charset="0"/>
+                <a:ea typeface="Roboto Mono" panose="020B0604020202020204" charset="0"/>
+              </a:rPr>
+              <a:t>Also, as CascadeTabNet suggests, we plan to augment more images to the training set using the Smudge and Dilation Transformations.</a:t>
+            </a:r>
+          </a:p>
+          <a:p>
+            <a:pPr marL="171450" indent="-171450">
+              <a:buFont typeface="Symbol" panose="05050102010706020507" pitchFamily="18" charset="2"/>
+              <a:buChar char="·"/>
+            </a:pPr>
+            <a:endParaRPr lang="en-US" sz="1200" dirty="0">
+              <a:latin typeface="Roboto Mono" panose="020B0604020202020204" charset="0"/>
+              <a:ea typeface="Roboto Mono" panose="020B0604020202020204" charset="0"/>
+            </a:endParaRPr>
+          </a:p>
+          <a:p>
+            <a:pPr marL="171450" indent="-171450">
+              <a:buFont typeface="Symbol" panose="05050102010706020507" pitchFamily="18" charset="2"/>
+              <a:buChar char="·"/>
+            </a:pPr>
+            <a:r>
+              <a:rPr lang="en-US" sz="1200" dirty="0">
+                <a:latin typeface="Roboto Mono" panose="020B0604020202020204" charset="0"/>
+                <a:ea typeface="Roboto Mono" panose="020B0604020202020204" charset="0"/>
+              </a:rPr>
+              <a:t>This is important because the model can learn effectively if the training set is large.</a:t>
+            </a:r>
+          </a:p>
+          <a:p>
+            <a:pPr marL="171450" indent="-171450">
+              <a:buFont typeface="Symbol" panose="05050102010706020507" pitchFamily="18" charset="2"/>
+              <a:buChar char="·"/>
+            </a:pPr>
+            <a:endParaRPr lang="en-US" sz="1200" dirty="0">
+              <a:latin typeface="Roboto Mono" panose="020B0604020202020204" charset="0"/>
+              <a:ea typeface="Roboto Mono" panose="020B0604020202020204" charset="0"/>
+            </a:endParaRPr>
+          </a:p>
+          <a:p>
+            <a:r>
+              <a:rPr lang="en-US" sz="1200" b="1" dirty="0">
+                <a:latin typeface="Roboto Mono" panose="020B0604020202020204" charset="0"/>
+                <a:ea typeface="Roboto Mono" panose="020B0604020202020204" charset="0"/>
+              </a:rPr>
+              <a:t>Model Construction and Fine-Tuning:</a:t>
+            </a:r>
+          </a:p>
+          <a:p>
+            <a:pPr marL="171450" indent="-171450">
+              <a:buFont typeface="Symbol" panose="05050102010706020507" pitchFamily="18" charset="2"/>
+              <a:buChar char="·"/>
+            </a:pPr>
+            <a:r>
+              <a:rPr lang="en-US" sz="1200" dirty="0">
+                <a:latin typeface="Roboto Mono" panose="020B0604020202020204" charset="0"/>
+                <a:ea typeface="Roboto Mono" panose="020B0604020202020204" charset="0"/>
+              </a:rPr>
+              <a:t>The mmdetection toolbox contains the Cascade Mask R-CNN and HRNet models, pretrained on ImageNet. </a:t>
+            </a:r>
+          </a:p>
+          <a:p>
+            <a:pPr marL="171450" indent="-171450">
+              <a:buFont typeface="Symbol" panose="05050102010706020507" pitchFamily="18" charset="2"/>
+              <a:buChar char="·"/>
+            </a:pPr>
+            <a:endParaRPr lang="en-US" sz="1200" dirty="0">
+              <a:latin typeface="Roboto Mono" panose="020B0604020202020204" charset="0"/>
+              <a:ea typeface="Roboto Mono" panose="020B0604020202020204" charset="0"/>
+            </a:endParaRPr>
+          </a:p>
+          <a:p>
+            <a:pPr marL="171450" indent="-171450">
+              <a:buFont typeface="Symbol" panose="05050102010706020507" pitchFamily="18" charset="2"/>
+              <a:buChar char="·"/>
+            </a:pPr>
+            <a:r>
+              <a:rPr lang="en-US" sz="1200" dirty="0">
+                <a:latin typeface="Roboto Mono" panose="020B0604020202020204" charset="0"/>
+                <a:ea typeface="Roboto Mono" panose="020B0604020202020204" charset="0"/>
+              </a:rPr>
+              <a:t>We plan to combine (as explained in the </a:t>
+            </a:r>
+            <a:r>
+              <a:rPr lang="en-US" sz="1200" i="1" dirty="0">
+                <a:latin typeface="Roboto Mono" panose="020B0604020202020204" charset="0"/>
+                <a:ea typeface="Roboto Mono" panose="020B0604020202020204" charset="0"/>
+              </a:rPr>
+              <a:t>Architecture</a:t>
+            </a:r>
+            <a:r>
+              <a:rPr lang="en-US" sz="1200" dirty="0">
+                <a:latin typeface="Roboto Mono" panose="020B0604020202020204" charset="0"/>
+                <a:ea typeface="Roboto Mono" panose="020B0604020202020204" charset="0"/>
+              </a:rPr>
+              <a:t> Section) and fine-tune them on the augmented dataset.</a:t>
+            </a:r>
           </a:p>
         </p:txBody>
       </p:sp>
@@ -18143,6 +18314,36 @@
           </a:p>
         </p:txBody>
       </p:sp>
+      <p:pic>
+        <p:nvPicPr>
+          <p:cNvPr id="5" name="Picture 4" descr="A screenshot of a cell phone&#10;&#10;Description automatically generated">
+            <a:extLst>
+              <a:ext uri="{FF2B5EF4-FFF2-40B4-BE49-F238E27FC236}">
+                <a16:creationId xmlns:a16="http://schemas.microsoft.com/office/drawing/2014/main" id="{42E33508-4C5F-45C8-A06D-319CB9F50DF5}"/>
+              </a:ext>
+            </a:extLst>
+          </p:cNvPr>
+          <p:cNvPicPr>
+            <a:picLocks noChangeAspect="1"/>
+          </p:cNvPicPr>
+          <p:nvPr/>
+        </p:nvPicPr>
+        <p:blipFill>
+          <a:blip r:embed="rId4"/>
+          <a:stretch>
+            <a:fillRect/>
+          </a:stretch>
+        </p:blipFill>
+        <p:spPr>
+          <a:xfrm>
+            <a:off x="903767" y="865274"/>
+            <a:ext cx="7176977" cy="3621665"/>
+          </a:xfrm>
+          <a:prstGeom prst="rect">
+            <a:avLst/>
+          </a:prstGeom>
+        </p:spPr>
+      </p:pic>
     </p:spTree>
   </p:cSld>
   <p:clrMapOvr>

--- a/Level 2/GRiD_ Electronic Invoicing using Image Processing_TwoAndAHalfMen_IISc.pptx
+++ b/Level 2/GRiD_ Electronic Invoicing using Image Processing_TwoAndAHalfMen_IISc.pptx
@@ -18010,8 +18010,8 @@
         </p:nvSpPr>
         <p:spPr>
           <a:xfrm>
-            <a:off x="135875" y="865275"/>
-            <a:ext cx="8646618" cy="3600986"/>
+            <a:off x="135875" y="748317"/>
+            <a:ext cx="8646618" cy="4708981"/>
           </a:xfrm>
           <a:prstGeom prst="rect">
             <a:avLst/>
@@ -18024,16 +18024,17 @@
           </a:bodyPr>
           <a:lstStyle/>
           <a:p>
+            <a:pPr algn="just"/>
             <a:r>
               <a:rPr lang="en-US" sz="1200" b="1" dirty="0">
                 <a:latin typeface="Roboto Mono" panose="020B0604020202020204" charset="0"/>
                 <a:ea typeface="Roboto Mono" panose="020B0604020202020204" charset="0"/>
               </a:rPr>
-              <a:t>Dataset Preparation:</a:t>
+              <a:t>Dataset Preparation and Augmentation:</a:t>
             </a:r>
           </a:p>
           <a:p>
-            <a:pPr marL="171450" indent="-171450">
+            <a:pPr marL="171450" indent="-171450" algn="just">
               <a:buFont typeface="Symbol" panose="05050102010706020507" pitchFamily="18" charset="2"/>
               <a:buChar char="·"/>
             </a:pPr>
@@ -18057,21 +18058,11 @@
                 <a:latin typeface="Roboto Mono" panose="020B0604020202020204" charset="0"/>
                 <a:ea typeface="Roboto Mono" panose="020B0604020202020204" charset="0"/>
               </a:rPr>
-              <a:t> dataset, as indicated in the CascadeTabNet paper.</a:t>
+              <a:t> dataset, as indicated in the CascadeTabNet paper. This combined dataset will then be used as the training set for table detection and instance segmentation.</a:t>
             </a:r>
           </a:p>
           <a:p>
-            <a:pPr marL="171450" indent="-171450">
-              <a:buFont typeface="Symbol" panose="05050102010706020507" pitchFamily="18" charset="2"/>
-              <a:buChar char="·"/>
-            </a:pPr>
-            <a:endParaRPr lang="en-US" sz="1200" dirty="0">
-              <a:latin typeface="Roboto Mono" panose="020B0604020202020204" charset="0"/>
-              <a:ea typeface="Roboto Mono" panose="020B0604020202020204" charset="0"/>
-            </a:endParaRPr>
-          </a:p>
-          <a:p>
-            <a:pPr marL="171450" indent="-171450">
+            <a:pPr marL="171450" indent="-171450" algn="just">
               <a:buFont typeface="Symbol" panose="05050102010706020507" pitchFamily="18" charset="2"/>
               <a:buChar char="·"/>
             </a:pPr>
@@ -18080,75 +18071,18 @@
                 <a:latin typeface="Roboto Mono" panose="020B0604020202020204" charset="0"/>
                 <a:ea typeface="Roboto Mono" panose="020B0604020202020204" charset="0"/>
               </a:rPr>
-              <a:t>We plan to use this combined dataset as out training split for table detection and instance segmentation.</a:t>
+              <a:t>Also, as CascadeTabNet suggests, we’ll further augment more images to the training set using the Smudge and Dilation Transformations.</a:t>
             </a:r>
           </a:p>
           <a:p>
-            <a:pPr marL="171450" indent="-171450">
-              <a:buFont typeface="Symbol" panose="05050102010706020507" pitchFamily="18" charset="2"/>
-              <a:buChar char="·"/>
-            </a:pPr>
+            <a:pPr algn="just"/>
             <a:endParaRPr lang="en-US" sz="1200" dirty="0">
               <a:latin typeface="Roboto Mono" panose="020B0604020202020204" charset="0"/>
               <a:ea typeface="Roboto Mono" panose="020B0604020202020204" charset="0"/>
             </a:endParaRPr>
           </a:p>
           <a:p>
-            <a:r>
-              <a:rPr lang="en-US" sz="1200" b="1" dirty="0">
-                <a:latin typeface="Roboto Mono" panose="020B0604020202020204" charset="0"/>
-                <a:ea typeface="Roboto Mono" panose="020B0604020202020204" charset="0"/>
-              </a:rPr>
-              <a:t>Dataset Augmentation:</a:t>
-            </a:r>
-          </a:p>
-          <a:p>
-            <a:pPr marL="171450" indent="-171450">
-              <a:buFont typeface="Symbol" panose="05050102010706020507" pitchFamily="18" charset="2"/>
-              <a:buChar char="·"/>
-            </a:pPr>
-            <a:r>
-              <a:rPr lang="en-US" sz="1200" dirty="0">
-                <a:latin typeface="Roboto Mono" panose="020B0604020202020204" charset="0"/>
-                <a:ea typeface="Roboto Mono" panose="020B0604020202020204" charset="0"/>
-              </a:rPr>
-              <a:t>Also, as CascadeTabNet suggests, we plan to augment more images to the training set using the Smudge and Dilation Transformations.</a:t>
-            </a:r>
-          </a:p>
-          <a:p>
-            <a:pPr marL="171450" indent="-171450">
-              <a:buFont typeface="Symbol" panose="05050102010706020507" pitchFamily="18" charset="2"/>
-              <a:buChar char="·"/>
-            </a:pPr>
-            <a:endParaRPr lang="en-US" sz="1200" dirty="0">
-              <a:latin typeface="Roboto Mono" panose="020B0604020202020204" charset="0"/>
-              <a:ea typeface="Roboto Mono" panose="020B0604020202020204" charset="0"/>
-            </a:endParaRPr>
-          </a:p>
-          <a:p>
-            <a:pPr marL="171450" indent="-171450">
-              <a:buFont typeface="Symbol" panose="05050102010706020507" pitchFamily="18" charset="2"/>
-              <a:buChar char="·"/>
-            </a:pPr>
-            <a:r>
-              <a:rPr lang="en-US" sz="1200" dirty="0">
-                <a:latin typeface="Roboto Mono" panose="020B0604020202020204" charset="0"/>
-                <a:ea typeface="Roboto Mono" panose="020B0604020202020204" charset="0"/>
-              </a:rPr>
-              <a:t>This is important because the model can learn effectively if the training set is large.</a:t>
-            </a:r>
-          </a:p>
-          <a:p>
-            <a:pPr marL="171450" indent="-171450">
-              <a:buFont typeface="Symbol" panose="05050102010706020507" pitchFamily="18" charset="2"/>
-              <a:buChar char="·"/>
-            </a:pPr>
-            <a:endParaRPr lang="en-US" sz="1200" dirty="0">
-              <a:latin typeface="Roboto Mono" panose="020B0604020202020204" charset="0"/>
-              <a:ea typeface="Roboto Mono" panose="020B0604020202020204" charset="0"/>
-            </a:endParaRPr>
-          </a:p>
-          <a:p>
+            <a:pPr algn="just"/>
             <a:r>
               <a:rPr lang="en-US" sz="1200" b="1" dirty="0">
                 <a:latin typeface="Roboto Mono" panose="020B0604020202020204" charset="0"/>
@@ -18158,7 +18092,7 @@
             </a:r>
           </a:p>
           <a:p>
-            <a:pPr marL="171450" indent="-171450">
+            <a:pPr marL="171450" indent="-171450" algn="just">
               <a:buFont typeface="Symbol" panose="05050102010706020507" pitchFamily="18" charset="2"/>
               <a:buChar char="·"/>
             </a:pPr>
@@ -18167,30 +18101,34 @@
                 <a:latin typeface="Roboto Mono" panose="020B0604020202020204" charset="0"/>
                 <a:ea typeface="Roboto Mono" panose="020B0604020202020204" charset="0"/>
               </a:rPr>
-              <a:t>The mmdetection toolbox contains the Cascade Mask R-CNN and HRNet models, pretrained on ImageNet. </a:t>
+              <a:t>The mmdetection toolbox contains the Cascade Mask R-CNN and HRNet models, pretrained on ImageNet</a:t>
+            </a:r>
+            <a:r>
+              <a:rPr lang="en-US" sz="1200">
+                <a:latin typeface="Roboto Mono" panose="020B0604020202020204" charset="0"/>
+                <a:ea typeface="Roboto Mono" panose="020B0604020202020204" charset="0"/>
+              </a:rPr>
+              <a:t>. </a:t>
             </a:r>
           </a:p>
           <a:p>
-            <a:pPr marL="171450" indent="-171450">
+            <a:pPr marL="171450" indent="-171450" algn="just">
               <a:buFont typeface="Symbol" panose="05050102010706020507" pitchFamily="18" charset="2"/>
               <a:buChar char="·"/>
             </a:pPr>
-            <a:endParaRPr lang="en-US" sz="1200" dirty="0">
-              <a:latin typeface="Roboto Mono" panose="020B0604020202020204" charset="0"/>
-              <a:ea typeface="Roboto Mono" panose="020B0604020202020204" charset="0"/>
-            </a:endParaRPr>
-          </a:p>
-          <a:p>
-            <a:pPr marL="171450" indent="-171450">
-              <a:buFont typeface="Symbol" panose="05050102010706020507" pitchFamily="18" charset="2"/>
-              <a:buChar char="·"/>
-            </a:pPr>
+            <a:r>
+              <a:rPr lang="en-US" sz="1200">
+                <a:latin typeface="Roboto Mono" panose="020B0604020202020204" charset="0"/>
+                <a:ea typeface="Roboto Mono" panose="020B0604020202020204" charset="0"/>
+              </a:rPr>
+              <a:t>We </a:t>
+            </a:r>
             <a:r>
               <a:rPr lang="en-US" sz="1200" dirty="0">
                 <a:latin typeface="Roboto Mono" panose="020B0604020202020204" charset="0"/>
                 <a:ea typeface="Roboto Mono" panose="020B0604020202020204" charset="0"/>
               </a:rPr>
-              <a:t>We plan to combine (as explained in the </a:t>
+              <a:t>plan to combine these models, as explained in the </a:t>
             </a:r>
             <a:r>
               <a:rPr lang="en-US" sz="1200" i="1" dirty="0">
@@ -18204,8 +18142,142 @@
                 <a:latin typeface="Roboto Mono" panose="020B0604020202020204" charset="0"/>
                 <a:ea typeface="Roboto Mono" panose="020B0604020202020204" charset="0"/>
               </a:rPr>
-              <a:t> Section) and fine-tune them on the augmented dataset.</a:t>
+              <a:t> Section, and fine-tune them on the augmented dataset.</a:t>
             </a:r>
+          </a:p>
+          <a:p>
+            <a:pPr marL="171450" indent="-171450" algn="just">
+              <a:buFont typeface="Symbol" panose="05050102010706020507" pitchFamily="18" charset="2"/>
+              <a:buChar char="·"/>
+            </a:pPr>
+            <a:endParaRPr lang="en-US" sz="1200" dirty="0">
+              <a:latin typeface="Roboto Mono" panose="020B0604020202020204" charset="0"/>
+              <a:ea typeface="Roboto Mono" panose="020B0604020202020204" charset="0"/>
+            </a:endParaRPr>
+          </a:p>
+          <a:p>
+            <a:pPr algn="just"/>
+            <a:r>
+              <a:rPr lang="en-US" sz="1200" b="1" dirty="0">
+                <a:latin typeface="Roboto Mono" panose="020B0604020202020204" charset="0"/>
+                <a:ea typeface="Roboto Mono" panose="020B0604020202020204" charset="0"/>
+              </a:rPr>
+              <a:t>Text Extraction and Refinement:</a:t>
+            </a:r>
+          </a:p>
+          <a:p>
+            <a:pPr marL="171450" indent="-171450" algn="just">
+              <a:buFont typeface="Symbol" panose="05050102010706020507" pitchFamily="18" charset="2"/>
+              <a:buChar char="·"/>
+            </a:pPr>
+            <a:r>
+              <a:rPr lang="en-US" sz="1200" dirty="0">
+                <a:latin typeface="Roboto Mono" panose="020B0604020202020204" charset="0"/>
+                <a:ea typeface="Roboto Mono" panose="020B0604020202020204" charset="0"/>
+              </a:rPr>
+              <a:t>We would then extract the text from segmented regions through Tesseract OCR. </a:t>
+            </a:r>
+          </a:p>
+          <a:p>
+            <a:pPr marL="171450" indent="-171450" algn="just">
+              <a:buFont typeface="Symbol" panose="05050102010706020507" pitchFamily="18" charset="2"/>
+              <a:buChar char="·"/>
+            </a:pPr>
+            <a:r>
+              <a:rPr lang="en-US" sz="1200" dirty="0">
+                <a:latin typeface="Roboto Mono" panose="020B0604020202020204" charset="0"/>
+                <a:ea typeface="Roboto Mono" panose="020B0604020202020204" charset="0"/>
+              </a:rPr>
+              <a:t>Since the OCR outputs could be noisy, we’ll refine them further using algorithms like Minimum Edit Distance.</a:t>
+            </a:r>
+          </a:p>
+          <a:p>
+            <a:pPr marL="171450" indent="-171450" algn="just">
+              <a:buFont typeface="Symbol" panose="05050102010706020507" pitchFamily="18" charset="2"/>
+              <a:buChar char="·"/>
+            </a:pPr>
+            <a:endParaRPr lang="en-US" sz="1200" dirty="0">
+              <a:latin typeface="Roboto Mono" panose="020B0604020202020204" charset="0"/>
+              <a:ea typeface="Roboto Mono" panose="020B0604020202020204" charset="0"/>
+            </a:endParaRPr>
+          </a:p>
+          <a:p>
+            <a:pPr algn="just"/>
+            <a:r>
+              <a:rPr lang="en-US" sz="1200" b="1" dirty="0">
+                <a:latin typeface="Roboto Mono" panose="020B0604020202020204" charset="0"/>
+                <a:ea typeface="Roboto Mono" panose="020B0604020202020204" charset="0"/>
+              </a:rPr>
+              <a:t>Generating output file:</a:t>
+            </a:r>
+          </a:p>
+          <a:p>
+            <a:pPr marL="171450" indent="-171450" algn="just">
+              <a:buFont typeface="Symbol" panose="05050102010706020507" pitchFamily="18" charset="2"/>
+              <a:buChar char="·"/>
+            </a:pPr>
+            <a:r>
+              <a:rPr lang="en-US" sz="1200" dirty="0">
+                <a:latin typeface="Roboto Mono" panose="020B0604020202020204" charset="0"/>
+                <a:ea typeface="Roboto Mono" panose="020B0604020202020204" charset="0"/>
+              </a:rPr>
+              <a:t>The filtered text will be placed in the respective columns of the output Excel file through some </a:t>
+            </a:r>
+            <a:r>
+              <a:rPr lang="en-US" sz="1200" dirty="0" err="1">
+                <a:latin typeface="Roboto Mono" panose="020B0604020202020204" charset="0"/>
+                <a:ea typeface="Roboto Mono" panose="020B0604020202020204" charset="0"/>
+              </a:rPr>
+              <a:t>RegEx</a:t>
+            </a:r>
+            <a:r>
+              <a:rPr lang="en-US" sz="1200" dirty="0">
+                <a:latin typeface="Roboto Mono" panose="020B0604020202020204" charset="0"/>
+                <a:ea typeface="Roboto Mono" panose="020B0604020202020204" charset="0"/>
+              </a:rPr>
+              <a:t> and </a:t>
+            </a:r>
+            <a:r>
+              <a:rPr lang="en-US" sz="1200" dirty="0" err="1">
+                <a:latin typeface="Roboto Mono" panose="020B0604020202020204" charset="0"/>
+                <a:ea typeface="Roboto Mono" panose="020B0604020202020204" charset="0"/>
+              </a:rPr>
+              <a:t>Levenshtein</a:t>
+            </a:r>
+            <a:r>
+              <a:rPr lang="en-US" sz="1200" dirty="0">
+                <a:latin typeface="Roboto Mono" panose="020B0604020202020204" charset="0"/>
+                <a:ea typeface="Roboto Mono" panose="020B0604020202020204" charset="0"/>
+              </a:rPr>
+              <a:t> distance matching of columns.</a:t>
+            </a:r>
+          </a:p>
+          <a:p>
+            <a:pPr marL="171450" indent="-171450" algn="just">
+              <a:buFont typeface="Symbol" panose="05050102010706020507" pitchFamily="18" charset="2"/>
+              <a:buChar char="·"/>
+            </a:pPr>
+            <a:endParaRPr lang="en-US" sz="1200" dirty="0">
+              <a:latin typeface="Roboto Mono" panose="020B0604020202020204" charset="0"/>
+              <a:ea typeface="Roboto Mono" panose="020B0604020202020204" charset="0"/>
+            </a:endParaRPr>
+          </a:p>
+          <a:p>
+            <a:pPr marL="171450" indent="-171450" algn="just">
+              <a:buFont typeface="Symbol" panose="05050102010706020507" pitchFamily="18" charset="2"/>
+              <a:buChar char="·"/>
+            </a:pPr>
+            <a:endParaRPr lang="en-US" sz="1200" dirty="0">
+              <a:latin typeface="Roboto Mono" panose="020B0604020202020204" charset="0"/>
+              <a:ea typeface="Roboto Mono" panose="020B0604020202020204" charset="0"/>
+            </a:endParaRPr>
+          </a:p>
+          <a:p>
+            <a:pPr algn="just"/>
+            <a:endParaRPr lang="en-US" sz="1200" dirty="0">
+              <a:latin typeface="Roboto Mono" panose="020B0604020202020204" charset="0"/>
+              <a:ea typeface="Roboto Mono" panose="020B0604020202020204" charset="0"/>
+            </a:endParaRPr>
           </a:p>
         </p:txBody>
       </p:sp>
@@ -18336,8 +18408,8 @@
         </p:blipFill>
         <p:spPr>
           <a:xfrm>
-            <a:off x="903767" y="865274"/>
-            <a:ext cx="7176977" cy="3621665"/>
+            <a:off x="903767" y="865275"/>
+            <a:ext cx="7292100" cy="3749256"/>
           </a:xfrm>
           <a:prstGeom prst="rect">
             <a:avLst/>
@@ -20031,8 +20103,8 @@
         </p:nvSpPr>
         <p:spPr>
           <a:xfrm>
-            <a:off x="135875" y="865275"/>
-            <a:ext cx="8304028" cy="3970318"/>
+            <a:off x="135874" y="865275"/>
+            <a:ext cx="8710413" cy="3970318"/>
           </a:xfrm>
           <a:prstGeom prst="rect">
             <a:avLst/>
@@ -20045,7 +20117,7 @@
           </a:bodyPr>
           <a:lstStyle/>
           <a:p>
-            <a:pPr marL="171450" indent="-171450">
+            <a:pPr marL="171450" indent="-171450" algn="just">
               <a:buSzPct val="100000"/>
               <a:buFont typeface="Symbol" panose="05050102010706020507" pitchFamily="18" charset="2"/>
               <a:buChar char=""/>
@@ -20084,7 +20156,7 @@
             </a:endParaRPr>
           </a:p>
           <a:p>
-            <a:pPr marL="171450" lvl="4" indent="-171450">
+            <a:pPr marL="171450" lvl="4" indent="-171450" algn="just">
               <a:buSzPct val="25000"/>
               <a:buFont typeface="Arial" panose="020B0604020202020204" pitchFamily="34" charset="0"/>
               <a:buChar char="•"/>
@@ -20107,7 +20179,7 @@
             </a:r>
           </a:p>
           <a:p>
-            <a:pPr marL="171450" lvl="6" indent="-171450">
+            <a:pPr marL="171450" lvl="6" indent="-171450" algn="just">
               <a:buSzPct val="25000"/>
               <a:buFont typeface="Arial" panose="020B0604020202020204" pitchFamily="34" charset="0"/>
               <a:buChar char="•"/>
@@ -20122,7 +20194,7 @@
             </a:r>
           </a:p>
           <a:p>
-            <a:pPr marL="171450" lvl="6" indent="-171450">
+            <a:pPr marL="171450" lvl="6" indent="-171450" algn="just">
               <a:buSzPct val="25000"/>
               <a:buFont typeface="Arial" panose="020B0604020202020204" pitchFamily="34" charset="0"/>
               <a:buChar char="•"/>
@@ -20134,7 +20206,7 @@
             </a:endParaRPr>
           </a:p>
           <a:p>
-            <a:pPr marL="171450" lvl="6" indent="-171450">
+            <a:pPr marL="171450" lvl="6" indent="-171450" algn="just">
               <a:buSzPct val="100000"/>
               <a:buFont typeface="Symbol" panose="05050102010706020507" pitchFamily="18" charset="2"/>
               <a:buChar char="·"/>
@@ -20169,11 +20241,11 @@
                 <a:ea typeface="Roboto Mono"/>
                 <a:sym typeface="Roboto Mono"/>
               </a:rPr>
-              <a:t> be using any paid licensed products to achieve this: the solution will be built from scratch. </a:t>
+              <a:t> be using any paid licensed products to achieve this; however, we’ll be using Tesseract OCR, a free open source OCR tool for image-to-text utilities.</a:t>
             </a:r>
           </a:p>
           <a:p>
-            <a:pPr marL="171450" lvl="6" indent="-171450">
+            <a:pPr marL="171450" lvl="6" indent="-171450" algn="just">
               <a:buSzPct val="100000"/>
               <a:buFont typeface="Symbol" panose="05050102010706020507" pitchFamily="18" charset="2"/>
               <a:buChar char="·"/>
@@ -20185,7 +20257,7 @@
             </a:endParaRPr>
           </a:p>
           <a:p>
-            <a:pPr marL="171450" lvl="6" indent="-171450">
+            <a:pPr marL="171450" lvl="6" indent="-171450" algn="just">
               <a:buSzPct val="100000"/>
               <a:buFont typeface="Symbol" panose="05050102010706020507" pitchFamily="18" charset="2"/>
               <a:buChar char="·"/>
@@ -20932,8 +21004,8 @@
         </p:nvSpPr>
         <p:spPr>
           <a:xfrm>
-            <a:off x="374574" y="3784276"/>
-            <a:ext cx="8394852" cy="1200329"/>
+            <a:off x="374574" y="3641539"/>
+            <a:ext cx="8394852" cy="1384995"/>
           </a:xfrm>
           <a:prstGeom prst="rect">
             <a:avLst/>
@@ -21046,7 +21118,7 @@
                 <a:latin typeface="Roboto Mono" panose="020B0604020202020204" charset="0"/>
                 <a:ea typeface="Roboto Mono" panose="020B0604020202020204" charset="0"/>
               </a:rPr>
-              <a:t>In our case, the backbone is High-Resolution Network (</a:t>
+              <a:t>In our case, the backbone is High-Resolution Network’s v2 for semantic segmentation (</a:t>
             </a:r>
             <a:r>
               <a:rPr lang="en-US" sz="1200" dirty="0">
@@ -21094,7 +21166,7 @@
         </p:blipFill>
         <p:spPr>
           <a:xfrm>
-            <a:off x="999460" y="865275"/>
+            <a:off x="916748" y="1010550"/>
             <a:ext cx="6786090" cy="2485714"/>
           </a:xfrm>
           <a:prstGeom prst="rect">
@@ -21324,21 +21396,7 @@
                 <a:latin typeface="Roboto Mono" panose="020B0604020202020204" charset="0"/>
                 <a:ea typeface="Roboto Mono" panose="020B0604020202020204" charset="0"/>
               </a:rPr>
-              <a:t>These proposals are then sent to </a:t>
-            </a:r>
-            <a:r>
-              <a:rPr lang="en-US" sz="1200" dirty="0" err="1">
-                <a:latin typeface="Roboto Mono" panose="020B0604020202020204" charset="0"/>
-                <a:ea typeface="Roboto Mono" panose="020B0604020202020204" charset="0"/>
-              </a:rPr>
-              <a:t>RoI</a:t>
-            </a:r>
-            <a:r>
-              <a:rPr lang="en-US" sz="1200" dirty="0">
-                <a:latin typeface="Roboto Mono" panose="020B0604020202020204" charset="0"/>
-                <a:ea typeface="Roboto Mono" panose="020B0604020202020204" charset="0"/>
-              </a:rPr>
-              <a:t> Align layer followed by 3-step cascade classification and bounding-box regression layers. The classifiers are trained to identify the tables and the regression is performed to refine the boxes that contain tables.</a:t>
+              <a:t>These proposals are then sent to RoI (Region of Interest) Align layer followed by 3-step cascade classification and bounding-box regression layers. The classifiers are trained to identify the tables and the regression is performed to refine the boxes that contain tables.</a:t>
             </a:r>
           </a:p>
           <a:p>
@@ -21496,7 +21554,7 @@
         <p:spPr>
           <a:xfrm>
             <a:off x="135875" y="865275"/>
-            <a:ext cx="8394852" cy="2677656"/>
+            <a:ext cx="8394852" cy="3231654"/>
           </a:xfrm>
           <a:prstGeom prst="rect">
             <a:avLst/>
@@ -21633,7 +21691,58 @@
                 <a:latin typeface="Roboto Mono" panose="020B0604020202020204" charset="0"/>
                 <a:ea typeface="Roboto Mono" panose="020B0604020202020204" charset="0"/>
               </a:rPr>
-              <a:t>We plan to use Tesseract OCR, which is deep learning-based OCR and is significantly more accurate.</a:t>
+              <a:t>We plan to use </a:t>
+            </a:r>
+            <a:r>
+              <a:rPr lang="en-US" sz="1200" b="1" dirty="0">
+                <a:latin typeface="Roboto Mono" panose="020B0604020202020204" charset="0"/>
+                <a:ea typeface="Roboto Mono" panose="020B0604020202020204" charset="0"/>
+              </a:rPr>
+              <a:t>Tesseract </a:t>
+            </a:r>
+            <a:r>
+              <a:rPr lang="en-US" sz="1200" dirty="0">
+                <a:latin typeface="Roboto Mono" panose="020B0604020202020204" charset="0"/>
+                <a:ea typeface="Roboto Mono" panose="020B0604020202020204" charset="0"/>
+              </a:rPr>
+              <a:t>OCR, which is a deep learning-based OCR and is significantly more accurate. Tesseract is freely available and has a seamless integration with Python through the </a:t>
+            </a:r>
+            <a:r>
+              <a:rPr lang="en-US" sz="1200" b="1" dirty="0" err="1">
+                <a:latin typeface="Roboto Mono" panose="020B0604020202020204" charset="0"/>
+                <a:ea typeface="Roboto Mono" panose="020B0604020202020204" charset="0"/>
+              </a:rPr>
+              <a:t>pytesseract</a:t>
+            </a:r>
+            <a:r>
+              <a:rPr lang="en-US" sz="1200" dirty="0">
+                <a:latin typeface="Roboto Mono" panose="020B0604020202020204" charset="0"/>
+                <a:ea typeface="Roboto Mono" panose="020B0604020202020204" charset="0"/>
+              </a:rPr>
+              <a:t> package.</a:t>
+            </a:r>
+          </a:p>
+          <a:p>
+            <a:pPr marL="171450" indent="-171450">
+              <a:buFont typeface="Symbol" panose="05050102010706020507" pitchFamily="18" charset="2"/>
+              <a:buChar char="·"/>
+            </a:pPr>
+            <a:endParaRPr lang="en-US" sz="1200" dirty="0">
+              <a:latin typeface="Roboto Mono" panose="020B0604020202020204" charset="0"/>
+              <a:ea typeface="Roboto Mono" panose="020B0604020202020204" charset="0"/>
+            </a:endParaRPr>
+          </a:p>
+          <a:p>
+            <a:pPr marL="171450" indent="-171450">
+              <a:buFont typeface="Symbol" panose="05050102010706020507" pitchFamily="18" charset="2"/>
+              <a:buChar char="·"/>
+            </a:pPr>
+            <a:r>
+              <a:rPr lang="en-US" sz="1200" dirty="0">
+                <a:latin typeface="Roboto Mono" panose="020B0604020202020204" charset="0"/>
+                <a:ea typeface="Roboto Mono" panose="020B0604020202020204" charset="0"/>
+              </a:rPr>
+              <a:t>…</a:t>
             </a:r>
           </a:p>
           <a:p>
@@ -21943,7 +22052,7 @@
                 <a:latin typeface="Roboto Mono" panose="020B0604020202020204" charset="0"/>
                 <a:ea typeface="Roboto Mono" panose="020B0604020202020204" charset="0"/>
               </a:rPr>
-              <a:t>WIP</a:t>
+              <a:t>The only SaaS software that we’re using is </a:t>
             </a:r>
           </a:p>
           <a:p>
